--- a/M04 - Nervous System/Ex04 pictures.pptx
+++ b/M04 - Nervous System/Ex04 pictures.pptx
@@ -8,6 +8,12 @@
     <p:sldId id="256" r:id="rId2"/>
     <p:sldId id="257" r:id="rId3"/>
     <p:sldId id="258" r:id="rId4"/>
+    <p:sldId id="259" r:id="rId5"/>
+    <p:sldId id="260" r:id="rId6"/>
+    <p:sldId id="261" r:id="rId7"/>
+    <p:sldId id="262" r:id="rId8"/>
+    <p:sldId id="263" r:id="rId9"/>
+    <p:sldId id="264" r:id="rId10"/>
   </p:sldIdLst>
   <p:sldSz cx="12192000" cy="6858000"/>
   <p:notesSz cx="6858000" cy="9144000"/>
@@ -125,6 +131,829 @@
 </p:presentation>
 </file>
 
+<file path=ppt/revisionInfo.xml><?xml version="1.0" encoding="utf-8"?>
+<p1510:revInfo xmlns:a="http://schemas.openxmlformats.org/drawingml/2006/main" xmlns:r="http://schemas.openxmlformats.org/officeDocument/2006/relationships" xmlns:p1510="http://schemas.microsoft.com/office/powerpoint/2015/10/main">
+  <p1510:revLst>
+    <p1510:client id="{300CCD01-7C41-45D5-91E2-C009677C6215}" v="14" dt="2023-10-18T00:34:56.853"/>
+  </p1510:revLst>
+</p1510:revInfo>
+</file>
+
+<file path=ppt/changesInfos/changesInfo1.xml><?xml version="1.0" encoding="utf-8"?>
+<pc:chgInfo xmlns:a="http://schemas.openxmlformats.org/drawingml/2006/main" xmlns:r="http://schemas.openxmlformats.org/officeDocument/2006/relationships" xmlns:ac="http://schemas.microsoft.com/office/drawing/2013/main/command" xmlns:pc="http://schemas.microsoft.com/office/powerpoint/2013/main/command">
+  <pc:docChgLst>
+    <pc:chgData name="Talbott, Heather" userId="8ebef113-e037-4d89-a70e-4d4fa7ecfcdf" providerId="ADAL" clId="{300CCD01-7C41-45D5-91E2-C009677C6215}"/>
+    <pc:docChg chg="undo custSel addSld modSld">
+      <pc:chgData name="Talbott, Heather" userId="8ebef113-e037-4d89-a70e-4d4fa7ecfcdf" providerId="ADAL" clId="{300CCD01-7C41-45D5-91E2-C009677C6215}" dt="2023-10-18T00:34:58.075" v="131" actId="1076"/>
+      <pc:docMkLst>
+        <pc:docMk/>
+      </pc:docMkLst>
+      <pc:sldChg chg="addSp delSp modSp mod">
+        <pc:chgData name="Talbott, Heather" userId="8ebef113-e037-4d89-a70e-4d4fa7ecfcdf" providerId="ADAL" clId="{300CCD01-7C41-45D5-91E2-C009677C6215}" dt="2023-10-18T00:34:58.075" v="131" actId="1076"/>
+        <pc:sldMkLst>
+          <pc:docMk/>
+          <pc:sldMk cId="2628490886" sldId="256"/>
+        </pc:sldMkLst>
+        <pc:spChg chg="mod">
+          <ac:chgData name="Talbott, Heather" userId="8ebef113-e037-4d89-a70e-4d4fa7ecfcdf" providerId="ADAL" clId="{300CCD01-7C41-45D5-91E2-C009677C6215}" dt="2023-10-18T00:34:47.083" v="126" actId="1076"/>
+          <ac:spMkLst>
+            <pc:docMk/>
+            <pc:sldMk cId="2628490886" sldId="256"/>
+            <ac:spMk id="13" creationId="{CFC23419-51B6-9D83-B7CB-D3FCFC4F95D2}"/>
+          </ac:spMkLst>
+        </pc:spChg>
+        <pc:picChg chg="add del">
+          <ac:chgData name="Talbott, Heather" userId="8ebef113-e037-4d89-a70e-4d4fa7ecfcdf" providerId="ADAL" clId="{300CCD01-7C41-45D5-91E2-C009677C6215}" dt="2023-10-18T00:34:56.853" v="130"/>
+          <ac:picMkLst>
+            <pc:docMk/>
+            <pc:sldMk cId="2628490886" sldId="256"/>
+            <ac:picMk id="2" creationId="{DA6686BE-34A6-31BB-FA36-7C889DCA9EF4}"/>
+          </ac:picMkLst>
+        </pc:picChg>
+        <pc:picChg chg="mod">
+          <ac:chgData name="Talbott, Heather" userId="8ebef113-e037-4d89-a70e-4d4fa7ecfcdf" providerId="ADAL" clId="{300CCD01-7C41-45D5-91E2-C009677C6215}" dt="2023-10-18T00:34:45.417" v="124" actId="1076"/>
+          <ac:picMkLst>
+            <pc:docMk/>
+            <pc:sldMk cId="2628490886" sldId="256"/>
+            <ac:picMk id="7" creationId="{800D5902-2DA4-06F1-B8B6-9070718D9327}"/>
+          </ac:picMkLst>
+        </pc:picChg>
+        <pc:picChg chg="mod">
+          <ac:chgData name="Talbott, Heather" userId="8ebef113-e037-4d89-a70e-4d4fa7ecfcdf" providerId="ADAL" clId="{300CCD01-7C41-45D5-91E2-C009677C6215}" dt="2023-10-18T00:34:49.311" v="128" actId="1076"/>
+          <ac:picMkLst>
+            <pc:docMk/>
+            <pc:sldMk cId="2628490886" sldId="256"/>
+            <ac:picMk id="9" creationId="{F77068B1-F431-3E75-885F-823527AFA99D}"/>
+          </ac:picMkLst>
+        </pc:picChg>
+        <pc:picChg chg="mod">
+          <ac:chgData name="Talbott, Heather" userId="8ebef113-e037-4d89-a70e-4d4fa7ecfcdf" providerId="ADAL" clId="{300CCD01-7C41-45D5-91E2-C009677C6215}" dt="2023-10-18T00:34:58.075" v="131" actId="1076"/>
+          <ac:picMkLst>
+            <pc:docMk/>
+            <pc:sldMk cId="2628490886" sldId="256"/>
+            <ac:picMk id="15" creationId="{FB6E38EE-AB37-007B-382C-122449A65256}"/>
+          </ac:picMkLst>
+        </pc:picChg>
+      </pc:sldChg>
+      <pc:sldChg chg="add">
+        <pc:chgData name="Talbott, Heather" userId="8ebef113-e037-4d89-a70e-4d4fa7ecfcdf" providerId="ADAL" clId="{300CCD01-7C41-45D5-91E2-C009677C6215}" dt="2023-10-16T03:18:04.876" v="0"/>
+        <pc:sldMkLst>
+          <pc:docMk/>
+          <pc:sldMk cId="2340099664" sldId="259"/>
+        </pc:sldMkLst>
+      </pc:sldChg>
+      <pc:sldChg chg="add">
+        <pc:chgData name="Talbott, Heather" userId="8ebef113-e037-4d89-a70e-4d4fa7ecfcdf" providerId="ADAL" clId="{300CCD01-7C41-45D5-91E2-C009677C6215}" dt="2023-10-16T03:18:04.876" v="0"/>
+        <pc:sldMkLst>
+          <pc:docMk/>
+          <pc:sldMk cId="3522517015" sldId="260"/>
+        </pc:sldMkLst>
+      </pc:sldChg>
+      <pc:sldChg chg="addSp delSp modSp new mod">
+        <pc:chgData name="Talbott, Heather" userId="8ebef113-e037-4d89-a70e-4d4fa7ecfcdf" providerId="ADAL" clId="{300CCD01-7C41-45D5-91E2-C009677C6215}" dt="2023-10-18T00:28:24.256" v="45" actId="21"/>
+        <pc:sldMkLst>
+          <pc:docMk/>
+          <pc:sldMk cId="2479929421" sldId="261"/>
+        </pc:sldMkLst>
+        <pc:spChg chg="add del mod">
+          <ac:chgData name="Talbott, Heather" userId="8ebef113-e037-4d89-a70e-4d4fa7ecfcdf" providerId="ADAL" clId="{300CCD01-7C41-45D5-91E2-C009677C6215}" dt="2023-10-18T00:28:24.256" v="45" actId="21"/>
+          <ac:spMkLst>
+            <pc:docMk/>
+            <pc:sldMk cId="2479929421" sldId="261"/>
+            <ac:spMk id="2" creationId="{8EDBD424-945A-FAD5-AAFE-6FA6E765B024}"/>
+          </ac:spMkLst>
+        </pc:spChg>
+        <pc:spChg chg="add mod">
+          <ac:chgData name="Talbott, Heather" userId="8ebef113-e037-4d89-a70e-4d4fa7ecfcdf" providerId="ADAL" clId="{300CCD01-7C41-45D5-91E2-C009677C6215}" dt="2023-10-18T00:25:51.510" v="2"/>
+          <ac:spMkLst>
+            <pc:docMk/>
+            <pc:sldMk cId="2479929421" sldId="261"/>
+            <ac:spMk id="4" creationId="{5B7B1C14-BD02-9B13-CFDB-EA555F143DCA}"/>
+          </ac:spMkLst>
+        </pc:spChg>
+        <pc:spChg chg="add mod">
+          <ac:chgData name="Talbott, Heather" userId="8ebef113-e037-4d89-a70e-4d4fa7ecfcdf" providerId="ADAL" clId="{300CCD01-7C41-45D5-91E2-C009677C6215}" dt="2023-10-18T00:27:04.995" v="24" actId="20577"/>
+          <ac:spMkLst>
+            <pc:docMk/>
+            <pc:sldMk cId="2479929421" sldId="261"/>
+            <ac:spMk id="5" creationId="{93899194-0327-12F1-796F-726DB13F77B0}"/>
+          </ac:spMkLst>
+        </pc:spChg>
+        <pc:spChg chg="add del mod">
+          <ac:chgData name="Talbott, Heather" userId="8ebef113-e037-4d89-a70e-4d4fa7ecfcdf" providerId="ADAL" clId="{300CCD01-7C41-45D5-91E2-C009677C6215}" dt="2023-10-18T00:27:20.529" v="38" actId="478"/>
+          <ac:spMkLst>
+            <pc:docMk/>
+            <pc:sldMk cId="2479929421" sldId="261"/>
+            <ac:spMk id="7" creationId="{3FBBF7E3-F958-842F-0F26-0214A52B8AB9}"/>
+          </ac:spMkLst>
+        </pc:spChg>
+        <pc:spChg chg="add del mod">
+          <ac:chgData name="Talbott, Heather" userId="8ebef113-e037-4d89-a70e-4d4fa7ecfcdf" providerId="ADAL" clId="{300CCD01-7C41-45D5-91E2-C009677C6215}" dt="2023-10-18T00:26:04.714" v="3" actId="478"/>
+          <ac:spMkLst>
+            <pc:docMk/>
+            <pc:sldMk cId="2479929421" sldId="261"/>
+            <ac:spMk id="8" creationId="{DDB5BFB0-6C75-9396-C18E-90C984DEBFF5}"/>
+          </ac:spMkLst>
+        </pc:spChg>
+        <pc:spChg chg="add mod">
+          <ac:chgData name="Talbott, Heather" userId="8ebef113-e037-4d89-a70e-4d4fa7ecfcdf" providerId="ADAL" clId="{300CCD01-7C41-45D5-91E2-C009677C6215}" dt="2023-10-18T00:25:51.510" v="2"/>
+          <ac:spMkLst>
+            <pc:docMk/>
+            <pc:sldMk cId="2479929421" sldId="261"/>
+            <ac:spMk id="9" creationId="{2AD0FA44-313B-B85D-D858-ABCD5CBD7889}"/>
+          </ac:spMkLst>
+        </pc:spChg>
+        <pc:spChg chg="add del mod">
+          <ac:chgData name="Talbott, Heather" userId="8ebef113-e037-4d89-a70e-4d4fa7ecfcdf" providerId="ADAL" clId="{300CCD01-7C41-45D5-91E2-C009677C6215}" dt="2023-10-18T00:27:49.421" v="39" actId="478"/>
+          <ac:spMkLst>
+            <pc:docMk/>
+            <pc:sldMk cId="2479929421" sldId="261"/>
+            <ac:spMk id="10" creationId="{C6BD2065-FB63-B512-4B5F-B1A232D32769}"/>
+          </ac:spMkLst>
+        </pc:spChg>
+        <pc:spChg chg="add mod">
+          <ac:chgData name="Talbott, Heather" userId="8ebef113-e037-4d89-a70e-4d4fa7ecfcdf" providerId="ADAL" clId="{300CCD01-7C41-45D5-91E2-C009677C6215}" dt="2023-10-18T00:25:51.510" v="2"/>
+          <ac:spMkLst>
+            <pc:docMk/>
+            <pc:sldMk cId="2479929421" sldId="261"/>
+            <ac:spMk id="11" creationId="{0072F4B9-CF38-0417-4718-FA905A3276E8}"/>
+          </ac:spMkLst>
+        </pc:spChg>
+        <pc:spChg chg="add del mod">
+          <ac:chgData name="Talbott, Heather" userId="8ebef113-e037-4d89-a70e-4d4fa7ecfcdf" providerId="ADAL" clId="{300CCD01-7C41-45D5-91E2-C009677C6215}" dt="2023-10-18T00:27:55.403" v="40" actId="478"/>
+          <ac:spMkLst>
+            <pc:docMk/>
+            <pc:sldMk cId="2479929421" sldId="261"/>
+            <ac:spMk id="12" creationId="{A61446FC-1120-14B2-23EC-72923C9B4849}"/>
+          </ac:spMkLst>
+        </pc:spChg>
+        <pc:spChg chg="add del mod">
+          <ac:chgData name="Talbott, Heather" userId="8ebef113-e037-4d89-a70e-4d4fa7ecfcdf" providerId="ADAL" clId="{300CCD01-7C41-45D5-91E2-C009677C6215}" dt="2023-10-18T00:26:04.714" v="3" actId="478"/>
+          <ac:spMkLst>
+            <pc:docMk/>
+            <pc:sldMk cId="2479929421" sldId="261"/>
+            <ac:spMk id="13" creationId="{3981004E-5041-1C42-1A2A-75B659641D63}"/>
+          </ac:spMkLst>
+        </pc:spChg>
+        <pc:spChg chg="add del mod">
+          <ac:chgData name="Talbott, Heather" userId="8ebef113-e037-4d89-a70e-4d4fa7ecfcdf" providerId="ADAL" clId="{300CCD01-7C41-45D5-91E2-C009677C6215}" dt="2023-10-18T00:26:04.714" v="3" actId="478"/>
+          <ac:spMkLst>
+            <pc:docMk/>
+            <pc:sldMk cId="2479929421" sldId="261"/>
+            <ac:spMk id="14" creationId="{AD458E52-1F5A-72D8-5FE8-CD09C29DC91C}"/>
+          </ac:spMkLst>
+        </pc:spChg>
+        <pc:spChg chg="add mod">
+          <ac:chgData name="Talbott, Heather" userId="8ebef113-e037-4d89-a70e-4d4fa7ecfcdf" providerId="ADAL" clId="{300CCD01-7C41-45D5-91E2-C009677C6215}" dt="2023-10-18T00:25:51.510" v="2"/>
+          <ac:spMkLst>
+            <pc:docMk/>
+            <pc:sldMk cId="2479929421" sldId="261"/>
+            <ac:spMk id="15" creationId="{BEFDF4A9-372A-5EEF-4093-A8505AB5F91D}"/>
+          </ac:spMkLst>
+        </pc:spChg>
+        <pc:spChg chg="add mod">
+          <ac:chgData name="Talbott, Heather" userId="8ebef113-e037-4d89-a70e-4d4fa7ecfcdf" providerId="ADAL" clId="{300CCD01-7C41-45D5-91E2-C009677C6215}" dt="2023-10-18T00:25:51.510" v="2"/>
+          <ac:spMkLst>
+            <pc:docMk/>
+            <pc:sldMk cId="2479929421" sldId="261"/>
+            <ac:spMk id="16" creationId="{3AB293AA-CC4F-C5A7-3EC7-8567D7858F94}"/>
+          </ac:spMkLst>
+        </pc:spChg>
+        <pc:spChg chg="add mod">
+          <ac:chgData name="Talbott, Heather" userId="8ebef113-e037-4d89-a70e-4d4fa7ecfcdf" providerId="ADAL" clId="{300CCD01-7C41-45D5-91E2-C009677C6215}" dt="2023-10-18T00:25:51.510" v="2"/>
+          <ac:spMkLst>
+            <pc:docMk/>
+            <pc:sldMk cId="2479929421" sldId="261"/>
+            <ac:spMk id="17" creationId="{4E5E2A2F-FB01-821F-3D4C-C0057740EF4D}"/>
+          </ac:spMkLst>
+        </pc:spChg>
+        <pc:spChg chg="add mod">
+          <ac:chgData name="Talbott, Heather" userId="8ebef113-e037-4d89-a70e-4d4fa7ecfcdf" providerId="ADAL" clId="{300CCD01-7C41-45D5-91E2-C009677C6215}" dt="2023-10-18T00:25:51.510" v="2"/>
+          <ac:spMkLst>
+            <pc:docMk/>
+            <pc:sldMk cId="2479929421" sldId="261"/>
+            <ac:spMk id="18" creationId="{0D7B105F-5C58-ABB4-C87C-C9A3D5DC6521}"/>
+          </ac:spMkLst>
+        </pc:spChg>
+        <pc:spChg chg="add mod">
+          <ac:chgData name="Talbott, Heather" userId="8ebef113-e037-4d89-a70e-4d4fa7ecfcdf" providerId="ADAL" clId="{300CCD01-7C41-45D5-91E2-C009677C6215}" dt="2023-10-18T00:25:51.510" v="2"/>
+          <ac:spMkLst>
+            <pc:docMk/>
+            <pc:sldMk cId="2479929421" sldId="261"/>
+            <ac:spMk id="19" creationId="{613AFAD0-C9D4-7D8B-C5A6-F586A8521F74}"/>
+          </ac:spMkLst>
+        </pc:spChg>
+        <pc:spChg chg="add mod">
+          <ac:chgData name="Talbott, Heather" userId="8ebef113-e037-4d89-a70e-4d4fa7ecfcdf" providerId="ADAL" clId="{300CCD01-7C41-45D5-91E2-C009677C6215}" dt="2023-10-18T00:25:51.510" v="2"/>
+          <ac:spMkLst>
+            <pc:docMk/>
+            <pc:sldMk cId="2479929421" sldId="261"/>
+            <ac:spMk id="20" creationId="{40E5FF7B-DA20-87DB-221E-756F79C557E2}"/>
+          </ac:spMkLst>
+        </pc:spChg>
+        <pc:spChg chg="add mod">
+          <ac:chgData name="Talbott, Heather" userId="8ebef113-e037-4d89-a70e-4d4fa7ecfcdf" providerId="ADAL" clId="{300CCD01-7C41-45D5-91E2-C009677C6215}" dt="2023-10-18T00:25:51.510" v="2"/>
+          <ac:spMkLst>
+            <pc:docMk/>
+            <pc:sldMk cId="2479929421" sldId="261"/>
+            <ac:spMk id="21" creationId="{98FB0AC9-2760-3C0A-51F1-51B87A4FA751}"/>
+          </ac:spMkLst>
+        </pc:spChg>
+        <pc:spChg chg="add mod">
+          <ac:chgData name="Talbott, Heather" userId="8ebef113-e037-4d89-a70e-4d4fa7ecfcdf" providerId="ADAL" clId="{300CCD01-7C41-45D5-91E2-C009677C6215}" dt="2023-10-18T00:25:51.510" v="2"/>
+          <ac:spMkLst>
+            <pc:docMk/>
+            <pc:sldMk cId="2479929421" sldId="261"/>
+            <ac:spMk id="22" creationId="{EF831682-1F9A-D4FC-8620-097A99CB90D0}"/>
+          </ac:spMkLst>
+        </pc:spChg>
+        <pc:spChg chg="add mod">
+          <ac:chgData name="Talbott, Heather" userId="8ebef113-e037-4d89-a70e-4d4fa7ecfcdf" providerId="ADAL" clId="{300CCD01-7C41-45D5-91E2-C009677C6215}" dt="2023-10-18T00:25:51.510" v="2"/>
+          <ac:spMkLst>
+            <pc:docMk/>
+            <pc:sldMk cId="2479929421" sldId="261"/>
+            <ac:spMk id="23" creationId="{04649B96-7A99-0655-254A-6EB49CD3AF78}"/>
+          </ac:spMkLst>
+        </pc:spChg>
+        <pc:spChg chg="add mod">
+          <ac:chgData name="Talbott, Heather" userId="8ebef113-e037-4d89-a70e-4d4fa7ecfcdf" providerId="ADAL" clId="{300CCD01-7C41-45D5-91E2-C009677C6215}" dt="2023-10-18T00:25:51.510" v="2"/>
+          <ac:spMkLst>
+            <pc:docMk/>
+            <pc:sldMk cId="2479929421" sldId="261"/>
+            <ac:spMk id="24" creationId="{C4D0AFBE-76BA-88A1-8E7F-527A778D431B}"/>
+          </ac:spMkLst>
+        </pc:spChg>
+        <pc:spChg chg="add mod">
+          <ac:chgData name="Talbott, Heather" userId="8ebef113-e037-4d89-a70e-4d4fa7ecfcdf" providerId="ADAL" clId="{300CCD01-7C41-45D5-91E2-C009677C6215}" dt="2023-10-18T00:25:51.510" v="2"/>
+          <ac:spMkLst>
+            <pc:docMk/>
+            <pc:sldMk cId="2479929421" sldId="261"/>
+            <ac:spMk id="25" creationId="{250B7943-479D-AE7D-BCFD-6F7A434EDE3D}"/>
+          </ac:spMkLst>
+        </pc:spChg>
+        <pc:spChg chg="add mod">
+          <ac:chgData name="Talbott, Heather" userId="8ebef113-e037-4d89-a70e-4d4fa7ecfcdf" providerId="ADAL" clId="{300CCD01-7C41-45D5-91E2-C009677C6215}" dt="2023-10-18T00:25:51.510" v="2"/>
+          <ac:spMkLst>
+            <pc:docMk/>
+            <pc:sldMk cId="2479929421" sldId="261"/>
+            <ac:spMk id="26" creationId="{C0D1D022-735A-1087-5064-124164421C63}"/>
+          </ac:spMkLst>
+        </pc:spChg>
+        <pc:spChg chg="add mod">
+          <ac:chgData name="Talbott, Heather" userId="8ebef113-e037-4d89-a70e-4d4fa7ecfcdf" providerId="ADAL" clId="{300CCD01-7C41-45D5-91E2-C009677C6215}" dt="2023-10-18T00:25:51.510" v="2"/>
+          <ac:spMkLst>
+            <pc:docMk/>
+            <pc:sldMk cId="2479929421" sldId="261"/>
+            <ac:spMk id="27" creationId="{E81DB94E-C43E-9FA5-FB83-E68C2CA62B69}"/>
+          </ac:spMkLst>
+        </pc:spChg>
+        <pc:spChg chg="add mod">
+          <ac:chgData name="Talbott, Heather" userId="8ebef113-e037-4d89-a70e-4d4fa7ecfcdf" providerId="ADAL" clId="{300CCD01-7C41-45D5-91E2-C009677C6215}" dt="2023-10-18T00:25:51.510" v="2"/>
+          <ac:spMkLst>
+            <pc:docMk/>
+            <pc:sldMk cId="2479929421" sldId="261"/>
+            <ac:spMk id="28" creationId="{670234A8-F802-49EA-DE83-83CA5D776EC0}"/>
+          </ac:spMkLst>
+        </pc:spChg>
+        <pc:spChg chg="add mod">
+          <ac:chgData name="Talbott, Heather" userId="8ebef113-e037-4d89-a70e-4d4fa7ecfcdf" providerId="ADAL" clId="{300CCD01-7C41-45D5-91E2-C009677C6215}" dt="2023-10-18T00:25:51.510" v="2"/>
+          <ac:spMkLst>
+            <pc:docMk/>
+            <pc:sldMk cId="2479929421" sldId="261"/>
+            <ac:spMk id="29" creationId="{E24BCDF0-783F-BF65-BCB9-E44373AC3E94}"/>
+          </ac:spMkLst>
+        </pc:spChg>
+        <pc:spChg chg="add mod">
+          <ac:chgData name="Talbott, Heather" userId="8ebef113-e037-4d89-a70e-4d4fa7ecfcdf" providerId="ADAL" clId="{300CCD01-7C41-45D5-91E2-C009677C6215}" dt="2023-10-18T00:25:51.510" v="2"/>
+          <ac:spMkLst>
+            <pc:docMk/>
+            <pc:sldMk cId="2479929421" sldId="261"/>
+            <ac:spMk id="32" creationId="{8802DB4A-3A41-7318-2807-6357493A5F17}"/>
+          </ac:spMkLst>
+        </pc:spChg>
+        <pc:spChg chg="add del mod">
+          <ac:chgData name="Talbott, Heather" userId="8ebef113-e037-4d89-a70e-4d4fa7ecfcdf" providerId="ADAL" clId="{300CCD01-7C41-45D5-91E2-C009677C6215}" dt="2023-10-18T00:26:04.714" v="3" actId="478"/>
+          <ac:spMkLst>
+            <pc:docMk/>
+            <pc:sldMk cId="2479929421" sldId="261"/>
+            <ac:spMk id="35" creationId="{72A3279B-50AE-CAB0-0D8D-CCD7508AAF44}"/>
+          </ac:spMkLst>
+        </pc:spChg>
+        <pc:spChg chg="mod">
+          <ac:chgData name="Talbott, Heather" userId="8ebef113-e037-4d89-a70e-4d4fa7ecfcdf" providerId="ADAL" clId="{300CCD01-7C41-45D5-91E2-C009677C6215}" dt="2023-10-18T00:25:51.510" v="2"/>
+          <ac:spMkLst>
+            <pc:docMk/>
+            <pc:sldMk cId="2479929421" sldId="261"/>
+            <ac:spMk id="41" creationId="{C783DCC1-E5EF-F5ED-049F-4AED6663B672}"/>
+          </ac:spMkLst>
+        </pc:spChg>
+        <pc:spChg chg="add mod">
+          <ac:chgData name="Talbott, Heather" userId="8ebef113-e037-4d89-a70e-4d4fa7ecfcdf" providerId="ADAL" clId="{300CCD01-7C41-45D5-91E2-C009677C6215}" dt="2023-10-18T00:25:51.510" v="2"/>
+          <ac:spMkLst>
+            <pc:docMk/>
+            <pc:sldMk cId="2479929421" sldId="261"/>
+            <ac:spMk id="52" creationId="{FDA88849-2BAD-7012-CDDA-A11072F6E6AC}"/>
+          </ac:spMkLst>
+        </pc:spChg>
+        <pc:spChg chg="add mod">
+          <ac:chgData name="Talbott, Heather" userId="8ebef113-e037-4d89-a70e-4d4fa7ecfcdf" providerId="ADAL" clId="{300CCD01-7C41-45D5-91E2-C009677C6215}" dt="2023-10-18T00:25:51.510" v="2"/>
+          <ac:spMkLst>
+            <pc:docMk/>
+            <pc:sldMk cId="2479929421" sldId="261"/>
+            <ac:spMk id="56" creationId="{F0077959-2462-EB51-00B0-DD759585C20C}"/>
+          </ac:spMkLst>
+        </pc:spChg>
+        <pc:spChg chg="add mod">
+          <ac:chgData name="Talbott, Heather" userId="8ebef113-e037-4d89-a70e-4d4fa7ecfcdf" providerId="ADAL" clId="{300CCD01-7C41-45D5-91E2-C009677C6215}" dt="2023-10-18T00:27:13.148" v="37" actId="20577"/>
+          <ac:spMkLst>
+            <pc:docMk/>
+            <pc:sldMk cId="2479929421" sldId="261"/>
+            <ac:spMk id="57" creationId="{E27EEB33-B382-6CDE-0026-523FF04F8334}"/>
+          </ac:spMkLst>
+        </pc:spChg>
+        <pc:spChg chg="add mod">
+          <ac:chgData name="Talbott, Heather" userId="8ebef113-e037-4d89-a70e-4d4fa7ecfcdf" providerId="ADAL" clId="{300CCD01-7C41-45D5-91E2-C009677C6215}" dt="2023-10-18T00:25:51.510" v="2"/>
+          <ac:spMkLst>
+            <pc:docMk/>
+            <pc:sldMk cId="2479929421" sldId="261"/>
+            <ac:spMk id="58" creationId="{8115142E-740F-D46F-2CE4-B49F701984F7}"/>
+          </ac:spMkLst>
+        </pc:spChg>
+        <pc:grpChg chg="add mod">
+          <ac:chgData name="Talbott, Heather" userId="8ebef113-e037-4d89-a70e-4d4fa7ecfcdf" providerId="ADAL" clId="{300CCD01-7C41-45D5-91E2-C009677C6215}" dt="2023-10-18T00:25:51.510" v="2"/>
+          <ac:grpSpMkLst>
+            <pc:docMk/>
+            <pc:sldMk cId="2479929421" sldId="261"/>
+            <ac:grpSpMk id="39" creationId="{7C4B820D-65EF-BBA3-F8AF-4B23FD415EFE}"/>
+          </ac:grpSpMkLst>
+        </pc:grpChg>
+        <pc:picChg chg="add mod">
+          <ac:chgData name="Talbott, Heather" userId="8ebef113-e037-4d89-a70e-4d4fa7ecfcdf" providerId="ADAL" clId="{300CCD01-7C41-45D5-91E2-C009677C6215}" dt="2023-10-18T00:25:51.510" v="2"/>
+          <ac:picMkLst>
+            <pc:docMk/>
+            <pc:sldMk cId="2479929421" sldId="261"/>
+            <ac:picMk id="3" creationId="{3D389C39-5DB3-7E9E-0584-8332E1301F72}"/>
+          </ac:picMkLst>
+        </pc:picChg>
+        <pc:cxnChg chg="add del mod">
+          <ac:chgData name="Talbott, Heather" userId="8ebef113-e037-4d89-a70e-4d4fa7ecfcdf" providerId="ADAL" clId="{300CCD01-7C41-45D5-91E2-C009677C6215}" dt="2023-10-18T00:27:20.529" v="38" actId="478"/>
+          <ac:cxnSpMkLst>
+            <pc:docMk/>
+            <pc:sldMk cId="2479929421" sldId="261"/>
+            <ac:cxnSpMk id="6" creationId="{065C678B-5820-2AB9-4263-C4FA9837F3E2}"/>
+          </ac:cxnSpMkLst>
+        </pc:cxnChg>
+        <pc:cxnChg chg="add del mod">
+          <ac:chgData name="Talbott, Heather" userId="8ebef113-e037-4d89-a70e-4d4fa7ecfcdf" providerId="ADAL" clId="{300CCD01-7C41-45D5-91E2-C009677C6215}" dt="2023-10-18T00:27:49.421" v="39" actId="478"/>
+          <ac:cxnSpMkLst>
+            <pc:docMk/>
+            <pc:sldMk cId="2479929421" sldId="261"/>
+            <ac:cxnSpMk id="30" creationId="{6D280174-19FE-30B4-C41E-2CE96E08ED58}"/>
+          </ac:cxnSpMkLst>
+        </pc:cxnChg>
+        <pc:cxnChg chg="add del mod">
+          <ac:chgData name="Talbott, Heather" userId="8ebef113-e037-4d89-a70e-4d4fa7ecfcdf" providerId="ADAL" clId="{300CCD01-7C41-45D5-91E2-C009677C6215}" dt="2023-10-18T00:27:55.403" v="40" actId="478"/>
+          <ac:cxnSpMkLst>
+            <pc:docMk/>
+            <pc:sldMk cId="2479929421" sldId="261"/>
+            <ac:cxnSpMk id="31" creationId="{B9FFF227-0B13-CB9F-B59E-C9D40BF22ADA}"/>
+          </ac:cxnSpMkLst>
+        </pc:cxnChg>
+        <pc:cxnChg chg="add mod">
+          <ac:chgData name="Talbott, Heather" userId="8ebef113-e037-4d89-a70e-4d4fa7ecfcdf" providerId="ADAL" clId="{300CCD01-7C41-45D5-91E2-C009677C6215}" dt="2023-10-18T00:25:51.510" v="2"/>
+          <ac:cxnSpMkLst>
+            <pc:docMk/>
+            <pc:sldMk cId="2479929421" sldId="261"/>
+            <ac:cxnSpMk id="33" creationId="{E3BCF746-C829-39A3-E1FB-ADFD05C385F5}"/>
+          </ac:cxnSpMkLst>
+        </pc:cxnChg>
+        <pc:cxnChg chg="add del mod">
+          <ac:chgData name="Talbott, Heather" userId="8ebef113-e037-4d89-a70e-4d4fa7ecfcdf" providerId="ADAL" clId="{300CCD01-7C41-45D5-91E2-C009677C6215}" dt="2023-10-18T00:26:04.714" v="3" actId="478"/>
+          <ac:cxnSpMkLst>
+            <pc:docMk/>
+            <pc:sldMk cId="2479929421" sldId="261"/>
+            <ac:cxnSpMk id="34" creationId="{7F9A2F92-B186-36BD-2C39-C33CBFCBF64E}"/>
+          </ac:cxnSpMkLst>
+        </pc:cxnChg>
+        <pc:cxnChg chg="add mod">
+          <ac:chgData name="Talbott, Heather" userId="8ebef113-e037-4d89-a70e-4d4fa7ecfcdf" providerId="ADAL" clId="{300CCD01-7C41-45D5-91E2-C009677C6215}" dt="2023-10-18T00:25:51.510" v="2"/>
+          <ac:cxnSpMkLst>
+            <pc:docMk/>
+            <pc:sldMk cId="2479929421" sldId="261"/>
+            <ac:cxnSpMk id="36" creationId="{6E976311-FCEC-0678-CB8E-B0C5B42A81D5}"/>
+          </ac:cxnSpMkLst>
+        </pc:cxnChg>
+        <pc:cxnChg chg="add del mod">
+          <ac:chgData name="Talbott, Heather" userId="8ebef113-e037-4d89-a70e-4d4fa7ecfcdf" providerId="ADAL" clId="{300CCD01-7C41-45D5-91E2-C009677C6215}" dt="2023-10-18T00:26:04.714" v="3" actId="478"/>
+          <ac:cxnSpMkLst>
+            <pc:docMk/>
+            <pc:sldMk cId="2479929421" sldId="261"/>
+            <ac:cxnSpMk id="37" creationId="{C08658B1-25D3-8841-5569-E8D5B80989CD}"/>
+          </ac:cxnSpMkLst>
+        </pc:cxnChg>
+        <pc:cxnChg chg="add mod">
+          <ac:chgData name="Talbott, Heather" userId="8ebef113-e037-4d89-a70e-4d4fa7ecfcdf" providerId="ADAL" clId="{300CCD01-7C41-45D5-91E2-C009677C6215}" dt="2023-10-18T00:25:51.510" v="2"/>
+          <ac:cxnSpMkLst>
+            <pc:docMk/>
+            <pc:sldMk cId="2479929421" sldId="261"/>
+            <ac:cxnSpMk id="38" creationId="{56916A6F-7E9C-0345-672F-D7C4E15E6288}"/>
+          </ac:cxnSpMkLst>
+        </pc:cxnChg>
+        <pc:cxnChg chg="mod">
+          <ac:chgData name="Talbott, Heather" userId="8ebef113-e037-4d89-a70e-4d4fa7ecfcdf" providerId="ADAL" clId="{300CCD01-7C41-45D5-91E2-C009677C6215}" dt="2023-10-18T00:25:51.510" v="2"/>
+          <ac:cxnSpMkLst>
+            <pc:docMk/>
+            <pc:sldMk cId="2479929421" sldId="261"/>
+            <ac:cxnSpMk id="40" creationId="{D569CBB7-CE31-2D4C-C3FA-CB38D138C57D}"/>
+          </ac:cxnSpMkLst>
+        </pc:cxnChg>
+        <pc:cxnChg chg="add mod">
+          <ac:chgData name="Talbott, Heather" userId="8ebef113-e037-4d89-a70e-4d4fa7ecfcdf" providerId="ADAL" clId="{300CCD01-7C41-45D5-91E2-C009677C6215}" dt="2023-10-18T00:25:51.510" v="2"/>
+          <ac:cxnSpMkLst>
+            <pc:docMk/>
+            <pc:sldMk cId="2479929421" sldId="261"/>
+            <ac:cxnSpMk id="42" creationId="{7D6AAEA8-F19D-00CB-05E4-DB02E5A93851}"/>
+          </ac:cxnSpMkLst>
+        </pc:cxnChg>
+        <pc:cxnChg chg="add mod">
+          <ac:chgData name="Talbott, Heather" userId="8ebef113-e037-4d89-a70e-4d4fa7ecfcdf" providerId="ADAL" clId="{300CCD01-7C41-45D5-91E2-C009677C6215}" dt="2023-10-18T00:25:51.510" v="2"/>
+          <ac:cxnSpMkLst>
+            <pc:docMk/>
+            <pc:sldMk cId="2479929421" sldId="261"/>
+            <ac:cxnSpMk id="43" creationId="{C76455A5-0B83-3C82-ECE9-29D85240350B}"/>
+          </ac:cxnSpMkLst>
+        </pc:cxnChg>
+        <pc:cxnChg chg="add mod">
+          <ac:chgData name="Talbott, Heather" userId="8ebef113-e037-4d89-a70e-4d4fa7ecfcdf" providerId="ADAL" clId="{300CCD01-7C41-45D5-91E2-C009677C6215}" dt="2023-10-18T00:25:51.510" v="2"/>
+          <ac:cxnSpMkLst>
+            <pc:docMk/>
+            <pc:sldMk cId="2479929421" sldId="261"/>
+            <ac:cxnSpMk id="44" creationId="{4DAA96F5-56C3-0694-7224-22036E2989D7}"/>
+          </ac:cxnSpMkLst>
+        </pc:cxnChg>
+        <pc:cxnChg chg="add mod">
+          <ac:chgData name="Talbott, Heather" userId="8ebef113-e037-4d89-a70e-4d4fa7ecfcdf" providerId="ADAL" clId="{300CCD01-7C41-45D5-91E2-C009677C6215}" dt="2023-10-18T00:25:51.510" v="2"/>
+          <ac:cxnSpMkLst>
+            <pc:docMk/>
+            <pc:sldMk cId="2479929421" sldId="261"/>
+            <ac:cxnSpMk id="45" creationId="{3F9D54A1-5474-DA3C-320E-3F34457C0FAF}"/>
+          </ac:cxnSpMkLst>
+        </pc:cxnChg>
+        <pc:cxnChg chg="add mod">
+          <ac:chgData name="Talbott, Heather" userId="8ebef113-e037-4d89-a70e-4d4fa7ecfcdf" providerId="ADAL" clId="{300CCD01-7C41-45D5-91E2-C009677C6215}" dt="2023-10-18T00:25:51.510" v="2"/>
+          <ac:cxnSpMkLst>
+            <pc:docMk/>
+            <pc:sldMk cId="2479929421" sldId="261"/>
+            <ac:cxnSpMk id="46" creationId="{44F620E2-0D38-8BB2-F4E9-7F6671A593BC}"/>
+          </ac:cxnSpMkLst>
+        </pc:cxnChg>
+        <pc:cxnChg chg="add mod">
+          <ac:chgData name="Talbott, Heather" userId="8ebef113-e037-4d89-a70e-4d4fa7ecfcdf" providerId="ADAL" clId="{300CCD01-7C41-45D5-91E2-C009677C6215}" dt="2023-10-18T00:25:51.510" v="2"/>
+          <ac:cxnSpMkLst>
+            <pc:docMk/>
+            <pc:sldMk cId="2479929421" sldId="261"/>
+            <ac:cxnSpMk id="47" creationId="{F2E6249A-1AD3-C45D-D3AB-A99FC7758A55}"/>
+          </ac:cxnSpMkLst>
+        </pc:cxnChg>
+        <pc:cxnChg chg="add mod">
+          <ac:chgData name="Talbott, Heather" userId="8ebef113-e037-4d89-a70e-4d4fa7ecfcdf" providerId="ADAL" clId="{300CCD01-7C41-45D5-91E2-C009677C6215}" dt="2023-10-18T00:25:51.510" v="2"/>
+          <ac:cxnSpMkLst>
+            <pc:docMk/>
+            <pc:sldMk cId="2479929421" sldId="261"/>
+            <ac:cxnSpMk id="48" creationId="{5EF18529-2395-5F61-215E-E76805FBF092}"/>
+          </ac:cxnSpMkLst>
+        </pc:cxnChg>
+        <pc:cxnChg chg="add mod">
+          <ac:chgData name="Talbott, Heather" userId="8ebef113-e037-4d89-a70e-4d4fa7ecfcdf" providerId="ADAL" clId="{300CCD01-7C41-45D5-91E2-C009677C6215}" dt="2023-10-18T00:25:51.510" v="2"/>
+          <ac:cxnSpMkLst>
+            <pc:docMk/>
+            <pc:sldMk cId="2479929421" sldId="261"/>
+            <ac:cxnSpMk id="49" creationId="{B00B40A3-7BF9-6C3C-CA78-F918072FAB52}"/>
+          </ac:cxnSpMkLst>
+        </pc:cxnChg>
+        <pc:cxnChg chg="add mod">
+          <ac:chgData name="Talbott, Heather" userId="8ebef113-e037-4d89-a70e-4d4fa7ecfcdf" providerId="ADAL" clId="{300CCD01-7C41-45D5-91E2-C009677C6215}" dt="2023-10-18T00:25:51.510" v="2"/>
+          <ac:cxnSpMkLst>
+            <pc:docMk/>
+            <pc:sldMk cId="2479929421" sldId="261"/>
+            <ac:cxnSpMk id="50" creationId="{3B677BBA-8204-5A05-748A-06B3326BC252}"/>
+          </ac:cxnSpMkLst>
+        </pc:cxnChg>
+        <pc:cxnChg chg="add mod">
+          <ac:chgData name="Talbott, Heather" userId="8ebef113-e037-4d89-a70e-4d4fa7ecfcdf" providerId="ADAL" clId="{300CCD01-7C41-45D5-91E2-C009677C6215}" dt="2023-10-18T00:25:51.510" v="2"/>
+          <ac:cxnSpMkLst>
+            <pc:docMk/>
+            <pc:sldMk cId="2479929421" sldId="261"/>
+            <ac:cxnSpMk id="51" creationId="{2AEAEA98-22E2-D008-10CA-78D5100A6534}"/>
+          </ac:cxnSpMkLst>
+        </pc:cxnChg>
+        <pc:cxnChg chg="add mod">
+          <ac:chgData name="Talbott, Heather" userId="8ebef113-e037-4d89-a70e-4d4fa7ecfcdf" providerId="ADAL" clId="{300CCD01-7C41-45D5-91E2-C009677C6215}" dt="2023-10-18T00:25:51.510" v="2"/>
+          <ac:cxnSpMkLst>
+            <pc:docMk/>
+            <pc:sldMk cId="2479929421" sldId="261"/>
+            <ac:cxnSpMk id="53" creationId="{D5AC5B89-57D1-25D8-5595-14023AE4C4DC}"/>
+          </ac:cxnSpMkLst>
+        </pc:cxnChg>
+        <pc:cxnChg chg="add mod">
+          <ac:chgData name="Talbott, Heather" userId="8ebef113-e037-4d89-a70e-4d4fa7ecfcdf" providerId="ADAL" clId="{300CCD01-7C41-45D5-91E2-C009677C6215}" dt="2023-10-18T00:25:51.510" v="2"/>
+          <ac:cxnSpMkLst>
+            <pc:docMk/>
+            <pc:sldMk cId="2479929421" sldId="261"/>
+            <ac:cxnSpMk id="54" creationId="{FD4D8C5F-5CE8-FC18-404C-E21A79EE0A79}"/>
+          </ac:cxnSpMkLst>
+        </pc:cxnChg>
+        <pc:cxnChg chg="add del mod">
+          <ac:chgData name="Talbott, Heather" userId="8ebef113-e037-4d89-a70e-4d4fa7ecfcdf" providerId="ADAL" clId="{300CCD01-7C41-45D5-91E2-C009677C6215}" dt="2023-10-18T00:26:04.714" v="3" actId="478"/>
+          <ac:cxnSpMkLst>
+            <pc:docMk/>
+            <pc:sldMk cId="2479929421" sldId="261"/>
+            <ac:cxnSpMk id="55" creationId="{BD51C78D-B4EE-8DFF-6982-45CBC6DD8AF8}"/>
+          </ac:cxnSpMkLst>
+        </pc:cxnChg>
+      </pc:sldChg>
+      <pc:sldChg chg="addSp delSp modSp new mod">
+        <pc:chgData name="Talbott, Heather" userId="8ebef113-e037-4d89-a70e-4d4fa7ecfcdf" providerId="ADAL" clId="{300CCD01-7C41-45D5-91E2-C009677C6215}" dt="2023-10-18T00:31:47.454" v="113" actId="1076"/>
+        <pc:sldMkLst>
+          <pc:docMk/>
+          <pc:sldMk cId="204456891" sldId="262"/>
+        </pc:sldMkLst>
+        <pc:spChg chg="mod">
+          <ac:chgData name="Talbott, Heather" userId="8ebef113-e037-4d89-a70e-4d4fa7ecfcdf" providerId="ADAL" clId="{300CCD01-7C41-45D5-91E2-C009677C6215}" dt="2023-10-18T00:31:19.355" v="105" actId="2711"/>
+          <ac:spMkLst>
+            <pc:docMk/>
+            <pc:sldMk cId="204456891" sldId="262"/>
+            <ac:spMk id="4" creationId="{52352936-F0F1-F58E-D115-41C7EF4088E5}"/>
+          </ac:spMkLst>
+        </pc:spChg>
+        <pc:spChg chg="del mod">
+          <ac:chgData name="Talbott, Heather" userId="8ebef113-e037-4d89-a70e-4d4fa7ecfcdf" providerId="ADAL" clId="{300CCD01-7C41-45D5-91E2-C009677C6215}" dt="2023-10-18T00:31:31.750" v="108" actId="478"/>
+          <ac:spMkLst>
+            <pc:docMk/>
+            <pc:sldMk cId="204456891" sldId="262"/>
+            <ac:spMk id="6" creationId="{57150A8B-430B-50E8-44A4-30C581AA145F}"/>
+          </ac:spMkLst>
+        </pc:spChg>
+        <pc:spChg chg="mod">
+          <ac:chgData name="Talbott, Heather" userId="8ebef113-e037-4d89-a70e-4d4fa7ecfcdf" providerId="ADAL" clId="{300CCD01-7C41-45D5-91E2-C009677C6215}" dt="2023-10-18T00:31:41.471" v="111" actId="1076"/>
+          <ac:spMkLst>
+            <pc:docMk/>
+            <pc:sldMk cId="204456891" sldId="262"/>
+            <ac:spMk id="7" creationId="{88740309-1BAA-3EDD-BB5E-599A61774695}"/>
+          </ac:spMkLst>
+        </pc:spChg>
+        <pc:spChg chg="mod">
+          <ac:chgData name="Talbott, Heather" userId="8ebef113-e037-4d89-a70e-4d4fa7ecfcdf" providerId="ADAL" clId="{300CCD01-7C41-45D5-91E2-C009677C6215}" dt="2023-10-18T00:31:28.059" v="107" actId="1076"/>
+          <ac:spMkLst>
+            <pc:docMk/>
+            <pc:sldMk cId="204456891" sldId="262"/>
+            <ac:spMk id="8" creationId="{95CF629F-3ABB-0A10-2B1A-30B941FBD80C}"/>
+          </ac:spMkLst>
+        </pc:spChg>
+        <pc:spChg chg="mod">
+          <ac:chgData name="Talbott, Heather" userId="8ebef113-e037-4d89-a70e-4d4fa7ecfcdf" providerId="ADAL" clId="{300CCD01-7C41-45D5-91E2-C009677C6215}" dt="2023-10-18T00:31:19.355" v="105" actId="2711"/>
+          <ac:spMkLst>
+            <pc:docMk/>
+            <pc:sldMk cId="204456891" sldId="262"/>
+            <ac:spMk id="9" creationId="{11083E09-1639-17C6-1909-4A52D1512165}"/>
+          </ac:spMkLst>
+        </pc:spChg>
+        <pc:spChg chg="mod">
+          <ac:chgData name="Talbott, Heather" userId="8ebef113-e037-4d89-a70e-4d4fa7ecfcdf" providerId="ADAL" clId="{300CCD01-7C41-45D5-91E2-C009677C6215}" dt="2023-10-18T00:31:25.371" v="106" actId="14100"/>
+          <ac:spMkLst>
+            <pc:docMk/>
+            <pc:sldMk cId="204456891" sldId="262"/>
+            <ac:spMk id="10" creationId="{D0BBDAEA-94C4-B6A4-D9CE-6E4E528A3E94}"/>
+          </ac:spMkLst>
+        </pc:spChg>
+        <pc:spChg chg="mod">
+          <ac:chgData name="Talbott, Heather" userId="8ebef113-e037-4d89-a70e-4d4fa7ecfcdf" providerId="ADAL" clId="{300CCD01-7C41-45D5-91E2-C009677C6215}" dt="2023-10-18T00:31:19.355" v="105" actId="2711"/>
+          <ac:spMkLst>
+            <pc:docMk/>
+            <pc:sldMk cId="204456891" sldId="262"/>
+            <ac:spMk id="11" creationId="{CFD37AD0-4DB8-971C-2138-BDF8287D56A6}"/>
+          </ac:spMkLst>
+        </pc:spChg>
+        <pc:spChg chg="mod">
+          <ac:chgData name="Talbott, Heather" userId="8ebef113-e037-4d89-a70e-4d4fa7ecfcdf" providerId="ADAL" clId="{300CCD01-7C41-45D5-91E2-C009677C6215}" dt="2023-10-18T00:31:19.355" v="105" actId="2711"/>
+          <ac:spMkLst>
+            <pc:docMk/>
+            <pc:sldMk cId="204456891" sldId="262"/>
+            <ac:spMk id="17" creationId="{9ECD060E-95A7-E297-F443-8541EAB2A93F}"/>
+          </ac:spMkLst>
+        </pc:spChg>
+        <pc:spChg chg="add mod">
+          <ac:chgData name="Talbott, Heather" userId="8ebef113-e037-4d89-a70e-4d4fa7ecfcdf" providerId="ADAL" clId="{300CCD01-7C41-45D5-91E2-C009677C6215}" dt="2023-10-18T00:31:19.355" v="105" actId="2711"/>
+          <ac:spMkLst>
+            <pc:docMk/>
+            <pc:sldMk cId="204456891" sldId="262"/>
+            <ac:spMk id="20" creationId="{1C4BDB6F-9239-855C-8F52-4278BA40C1C0}"/>
+          </ac:spMkLst>
+        </pc:spChg>
+        <pc:spChg chg="add mod">
+          <ac:chgData name="Talbott, Heather" userId="8ebef113-e037-4d89-a70e-4d4fa7ecfcdf" providerId="ADAL" clId="{300CCD01-7C41-45D5-91E2-C009677C6215}" dt="2023-10-18T00:31:19.355" v="105" actId="2711"/>
+          <ac:spMkLst>
+            <pc:docMk/>
+            <pc:sldMk cId="204456891" sldId="262"/>
+            <ac:spMk id="21" creationId="{0AD76EAD-6041-26D2-85BA-8EC5EC19B23E}"/>
+          </ac:spMkLst>
+        </pc:spChg>
+        <pc:spChg chg="add mod">
+          <ac:chgData name="Talbott, Heather" userId="8ebef113-e037-4d89-a70e-4d4fa7ecfcdf" providerId="ADAL" clId="{300CCD01-7C41-45D5-91E2-C009677C6215}" dt="2023-10-18T00:31:19.355" v="105" actId="2711"/>
+          <ac:spMkLst>
+            <pc:docMk/>
+            <pc:sldMk cId="204456891" sldId="262"/>
+            <ac:spMk id="22" creationId="{B34EE3FD-6D40-0499-79B8-EEA049D014F8}"/>
+          </ac:spMkLst>
+        </pc:spChg>
+        <pc:spChg chg="add mod">
+          <ac:chgData name="Talbott, Heather" userId="8ebef113-e037-4d89-a70e-4d4fa7ecfcdf" providerId="ADAL" clId="{300CCD01-7C41-45D5-91E2-C009677C6215}" dt="2023-10-18T00:31:19.355" v="105" actId="2711"/>
+          <ac:spMkLst>
+            <pc:docMk/>
+            <pc:sldMk cId="204456891" sldId="262"/>
+            <ac:spMk id="23" creationId="{EB4B6D89-6F8E-71B7-2AE1-137770624EA2}"/>
+          </ac:spMkLst>
+        </pc:spChg>
+        <pc:spChg chg="add mod">
+          <ac:chgData name="Talbott, Heather" userId="8ebef113-e037-4d89-a70e-4d4fa7ecfcdf" providerId="ADAL" clId="{300CCD01-7C41-45D5-91E2-C009677C6215}" dt="2023-10-18T00:31:19.355" v="105" actId="2711"/>
+          <ac:spMkLst>
+            <pc:docMk/>
+            <pc:sldMk cId="204456891" sldId="262"/>
+            <ac:spMk id="24" creationId="{FE3C021C-0E3D-1DA6-67A5-F1947FE99EC2}"/>
+          </ac:spMkLst>
+        </pc:spChg>
+        <pc:grpChg chg="add mod">
+          <ac:chgData name="Talbott, Heather" userId="8ebef113-e037-4d89-a70e-4d4fa7ecfcdf" providerId="ADAL" clId="{300CCD01-7C41-45D5-91E2-C009677C6215}" dt="2023-10-18T00:29:54.191" v="63" actId="1076"/>
+          <ac:grpSpMkLst>
+            <pc:docMk/>
+            <pc:sldMk cId="204456891" sldId="262"/>
+            <ac:grpSpMk id="2" creationId="{F5E4CFC9-DF7C-9AB8-8749-187216CB46C3}"/>
+          </ac:grpSpMkLst>
+        </pc:grpChg>
+        <pc:picChg chg="mod">
+          <ac:chgData name="Talbott, Heather" userId="8ebef113-e037-4d89-a70e-4d4fa7ecfcdf" providerId="ADAL" clId="{300CCD01-7C41-45D5-91E2-C009677C6215}" dt="2023-10-18T00:28:16.889" v="42"/>
+          <ac:picMkLst>
+            <pc:docMk/>
+            <pc:sldMk cId="204456891" sldId="262"/>
+            <ac:picMk id="3" creationId="{4FA3D099-FFB9-1EB3-A1A1-BC106538360A}"/>
+          </ac:picMkLst>
+        </pc:picChg>
+        <pc:picChg chg="add mod">
+          <ac:chgData name="Talbott, Heather" userId="8ebef113-e037-4d89-a70e-4d4fa7ecfcdf" providerId="ADAL" clId="{300CCD01-7C41-45D5-91E2-C009677C6215}" dt="2023-10-18T00:31:47.454" v="113" actId="1076"/>
+          <ac:picMkLst>
+            <pc:docMk/>
+            <pc:sldMk cId="204456891" sldId="262"/>
+            <ac:picMk id="26" creationId="{58762470-F88C-1EEA-B228-52433FBA76F1}"/>
+          </ac:picMkLst>
+        </pc:picChg>
+        <pc:cxnChg chg="del mod">
+          <ac:chgData name="Talbott, Heather" userId="8ebef113-e037-4d89-a70e-4d4fa7ecfcdf" providerId="ADAL" clId="{300CCD01-7C41-45D5-91E2-C009677C6215}" dt="2023-10-18T00:31:34.286" v="109" actId="478"/>
+          <ac:cxnSpMkLst>
+            <pc:docMk/>
+            <pc:sldMk cId="204456891" sldId="262"/>
+            <ac:cxnSpMk id="5" creationId="{F98D1A87-926E-DC4A-05AD-B6B50977C4DD}"/>
+          </ac:cxnSpMkLst>
+        </pc:cxnChg>
+        <pc:cxnChg chg="mod">
+          <ac:chgData name="Talbott, Heather" userId="8ebef113-e037-4d89-a70e-4d4fa7ecfcdf" providerId="ADAL" clId="{300CCD01-7C41-45D5-91E2-C009677C6215}" dt="2023-10-18T00:28:16.889" v="42"/>
+          <ac:cxnSpMkLst>
+            <pc:docMk/>
+            <pc:sldMk cId="204456891" sldId="262"/>
+            <ac:cxnSpMk id="12" creationId="{150ED796-70F9-80F6-96C5-F53A0A0FEBD6}"/>
+          </ac:cxnSpMkLst>
+        </pc:cxnChg>
+        <pc:cxnChg chg="mod">
+          <ac:chgData name="Talbott, Heather" userId="8ebef113-e037-4d89-a70e-4d4fa7ecfcdf" providerId="ADAL" clId="{300CCD01-7C41-45D5-91E2-C009677C6215}" dt="2023-10-18T00:28:16.889" v="42"/>
+          <ac:cxnSpMkLst>
+            <pc:docMk/>
+            <pc:sldMk cId="204456891" sldId="262"/>
+            <ac:cxnSpMk id="13" creationId="{3D5DC89B-8310-8D22-8CEE-4DDB134F43E4}"/>
+          </ac:cxnSpMkLst>
+        </pc:cxnChg>
+        <pc:cxnChg chg="mod">
+          <ac:chgData name="Talbott, Heather" userId="8ebef113-e037-4d89-a70e-4d4fa7ecfcdf" providerId="ADAL" clId="{300CCD01-7C41-45D5-91E2-C009677C6215}" dt="2023-10-18T00:28:16.889" v="42"/>
+          <ac:cxnSpMkLst>
+            <pc:docMk/>
+            <pc:sldMk cId="204456891" sldId="262"/>
+            <ac:cxnSpMk id="14" creationId="{453E2D3A-1C27-B7B2-CA33-F325CE69272E}"/>
+          </ac:cxnSpMkLst>
+        </pc:cxnChg>
+        <pc:cxnChg chg="mod">
+          <ac:chgData name="Talbott, Heather" userId="8ebef113-e037-4d89-a70e-4d4fa7ecfcdf" providerId="ADAL" clId="{300CCD01-7C41-45D5-91E2-C009677C6215}" dt="2023-10-18T00:28:16.889" v="42"/>
+          <ac:cxnSpMkLst>
+            <pc:docMk/>
+            <pc:sldMk cId="204456891" sldId="262"/>
+            <ac:cxnSpMk id="15" creationId="{0B176404-0F98-D52A-3F95-2C5E2EBB2E7F}"/>
+          </ac:cxnSpMkLst>
+        </pc:cxnChg>
+        <pc:cxnChg chg="mod">
+          <ac:chgData name="Talbott, Heather" userId="8ebef113-e037-4d89-a70e-4d4fa7ecfcdf" providerId="ADAL" clId="{300CCD01-7C41-45D5-91E2-C009677C6215}" dt="2023-10-18T00:28:16.889" v="42"/>
+          <ac:cxnSpMkLst>
+            <pc:docMk/>
+            <pc:sldMk cId="204456891" sldId="262"/>
+            <ac:cxnSpMk id="16" creationId="{0586ADB4-7939-4C9B-F978-90A00AE55119}"/>
+          </ac:cxnSpMkLst>
+        </pc:cxnChg>
+        <pc:cxnChg chg="mod">
+          <ac:chgData name="Talbott, Heather" userId="8ebef113-e037-4d89-a70e-4d4fa7ecfcdf" providerId="ADAL" clId="{300CCD01-7C41-45D5-91E2-C009677C6215}" dt="2023-10-18T00:28:16.889" v="42"/>
+          <ac:cxnSpMkLst>
+            <pc:docMk/>
+            <pc:sldMk cId="204456891" sldId="262"/>
+            <ac:cxnSpMk id="18" creationId="{A5262DA8-33DC-04B1-B098-8FCA1F2148B5}"/>
+          </ac:cxnSpMkLst>
+        </pc:cxnChg>
+        <pc:cxnChg chg="mod">
+          <ac:chgData name="Talbott, Heather" userId="8ebef113-e037-4d89-a70e-4d4fa7ecfcdf" providerId="ADAL" clId="{300CCD01-7C41-45D5-91E2-C009677C6215}" dt="2023-10-18T00:28:16.889" v="42"/>
+          <ac:cxnSpMkLst>
+            <pc:docMk/>
+            <pc:sldMk cId="204456891" sldId="262"/>
+            <ac:cxnSpMk id="19" creationId="{6F59FC3D-E10C-0D11-8B48-EA284550B92D}"/>
+          </ac:cxnSpMkLst>
+        </pc:cxnChg>
+      </pc:sldChg>
+      <pc:sldChg chg="addSp modSp new mod">
+        <pc:chgData name="Talbott, Heather" userId="8ebef113-e037-4d89-a70e-4d4fa7ecfcdf" providerId="ADAL" clId="{300CCD01-7C41-45D5-91E2-C009677C6215}" dt="2023-10-18T00:33:34.605" v="120" actId="1076"/>
+        <pc:sldMkLst>
+          <pc:docMk/>
+          <pc:sldMk cId="4195555941" sldId="263"/>
+        </pc:sldMkLst>
+        <pc:spChg chg="add mod">
+          <ac:chgData name="Talbott, Heather" userId="8ebef113-e037-4d89-a70e-4d4fa7ecfcdf" providerId="ADAL" clId="{300CCD01-7C41-45D5-91E2-C009677C6215}" dt="2023-10-18T00:33:20.073" v="116" actId="2711"/>
+          <ac:spMkLst>
+            <pc:docMk/>
+            <pc:sldMk cId="4195555941" sldId="263"/>
+            <ac:spMk id="2" creationId="{3DE62E18-4F09-6D80-00C7-AD4238A5C8FD}"/>
+          </ac:spMkLst>
+        </pc:spChg>
+        <pc:spChg chg="add mod">
+          <ac:chgData name="Talbott, Heather" userId="8ebef113-e037-4d89-a70e-4d4fa7ecfcdf" providerId="ADAL" clId="{300CCD01-7C41-45D5-91E2-C009677C6215}" dt="2023-10-18T00:33:25.766" v="118" actId="113"/>
+          <ac:spMkLst>
+            <pc:docMk/>
+            <pc:sldMk cId="4195555941" sldId="263"/>
+            <ac:spMk id="4" creationId="{1D8B700E-9451-4E9F-6502-883144C5CEA8}"/>
+          </ac:spMkLst>
+        </pc:spChg>
+        <pc:spChg chg="add mod">
+          <ac:chgData name="Talbott, Heather" userId="8ebef113-e037-4d89-a70e-4d4fa7ecfcdf" providerId="ADAL" clId="{300CCD01-7C41-45D5-91E2-C009677C6215}" dt="2023-10-18T00:33:25.766" v="118" actId="113"/>
+          <ac:spMkLst>
+            <pc:docMk/>
+            <pc:sldMk cId="4195555941" sldId="263"/>
+            <ac:spMk id="5" creationId="{4C859761-7795-AA3B-41A2-ADBC5630E79C}"/>
+          </ac:spMkLst>
+        </pc:spChg>
+        <pc:spChg chg="add mod">
+          <ac:chgData name="Talbott, Heather" userId="8ebef113-e037-4d89-a70e-4d4fa7ecfcdf" providerId="ADAL" clId="{300CCD01-7C41-45D5-91E2-C009677C6215}" dt="2023-10-18T00:33:25.766" v="118" actId="113"/>
+          <ac:spMkLst>
+            <pc:docMk/>
+            <pc:sldMk cId="4195555941" sldId="263"/>
+            <ac:spMk id="6" creationId="{B1A75D71-9013-B53D-B7EA-341635301492}"/>
+          </ac:spMkLst>
+        </pc:spChg>
+        <pc:spChg chg="add mod">
+          <ac:chgData name="Talbott, Heather" userId="8ebef113-e037-4d89-a70e-4d4fa7ecfcdf" providerId="ADAL" clId="{300CCD01-7C41-45D5-91E2-C009677C6215}" dt="2023-10-18T00:33:25.766" v="118" actId="113"/>
+          <ac:spMkLst>
+            <pc:docMk/>
+            <pc:sldMk cId="4195555941" sldId="263"/>
+            <ac:spMk id="7" creationId="{935079E0-6BA9-E34C-5746-D8B26E9529F4}"/>
+          </ac:spMkLst>
+        </pc:spChg>
+        <pc:picChg chg="add mod">
+          <ac:chgData name="Talbott, Heather" userId="8ebef113-e037-4d89-a70e-4d4fa7ecfcdf" providerId="ADAL" clId="{300CCD01-7C41-45D5-91E2-C009677C6215}" dt="2023-10-18T00:33:25.766" v="118" actId="113"/>
+          <ac:picMkLst>
+            <pc:docMk/>
+            <pc:sldMk cId="4195555941" sldId="263"/>
+            <ac:picMk id="3" creationId="{0F2B0E5C-0043-DA91-EA32-4D383D592264}"/>
+          </ac:picMkLst>
+        </pc:picChg>
+        <pc:picChg chg="add mod">
+          <ac:chgData name="Talbott, Heather" userId="8ebef113-e037-4d89-a70e-4d4fa7ecfcdf" providerId="ADAL" clId="{300CCD01-7C41-45D5-91E2-C009677C6215}" dt="2023-10-18T00:33:34.605" v="120" actId="1076"/>
+          <ac:picMkLst>
+            <pc:docMk/>
+            <pc:sldMk cId="4195555941" sldId="263"/>
+            <ac:picMk id="8" creationId="{B2599345-42A4-F3CA-0843-B9002EAF2614}"/>
+          </ac:picMkLst>
+        </pc:picChg>
+      </pc:sldChg>
+      <pc:sldChg chg="addSp new">
+        <pc:chgData name="Talbott, Heather" userId="8ebef113-e037-4d89-a70e-4d4fa7ecfcdf" providerId="ADAL" clId="{300CCD01-7C41-45D5-91E2-C009677C6215}" dt="2023-10-18T00:34:11.784" v="122"/>
+        <pc:sldMkLst>
+          <pc:docMk/>
+          <pc:sldMk cId="3170101448" sldId="264"/>
+        </pc:sldMkLst>
+        <pc:picChg chg="add">
+          <ac:chgData name="Talbott, Heather" userId="8ebef113-e037-4d89-a70e-4d4fa7ecfcdf" providerId="ADAL" clId="{300CCD01-7C41-45D5-91E2-C009677C6215}" dt="2023-10-18T00:34:11.784" v="122"/>
+          <ac:picMkLst>
+            <pc:docMk/>
+            <pc:sldMk cId="3170101448" sldId="264"/>
+            <ac:picMk id="2" creationId="{4671B625-E115-CD53-FEFE-57005EA46047}"/>
+          </ac:picMkLst>
+        </pc:picChg>
+      </pc:sldChg>
+    </pc:docChg>
+  </pc:docChgLst>
+</pc:chgInfo>
+</file>
+
 <file path=ppt/slideLayouts/slideLayout1.xml><?xml version="1.0" encoding="utf-8"?>
 <p:sldLayout xmlns:a="http://schemas.openxmlformats.org/drawingml/2006/main" xmlns:r="http://schemas.openxmlformats.org/officeDocument/2006/relationships" xmlns:p="http://schemas.openxmlformats.org/presentationml/2006/main" type="title" preserve="1">
   <p:cSld name="Title Slide">
@@ -272,7 +1101,7 @@
           <a:p>
             <a:fld id="{60154281-D5CE-415D-B5A2-EF5A0A00BAE8}" type="datetimeFigureOut">
               <a:rPr lang="en-US" smtClean="0"/>
-              <a:t>2023-10-08</a:t>
+              <a:t>2023-10-17</a:t>
             </a:fld>
             <a:endParaRPr lang="en-US"/>
           </a:p>
@@ -470,7 +1299,7 @@
           <a:p>
             <a:fld id="{60154281-D5CE-415D-B5A2-EF5A0A00BAE8}" type="datetimeFigureOut">
               <a:rPr lang="en-US" smtClean="0"/>
-              <a:t>2023-10-08</a:t>
+              <a:t>2023-10-17</a:t>
             </a:fld>
             <a:endParaRPr lang="en-US"/>
           </a:p>
@@ -678,7 +1507,7 @@
           <a:p>
             <a:fld id="{60154281-D5CE-415D-B5A2-EF5A0A00BAE8}" type="datetimeFigureOut">
               <a:rPr lang="en-US" smtClean="0"/>
-              <a:t>2023-10-08</a:t>
+              <a:t>2023-10-17</a:t>
             </a:fld>
             <a:endParaRPr lang="en-US"/>
           </a:p>
@@ -876,7 +1705,7 @@
           <a:p>
             <a:fld id="{60154281-D5CE-415D-B5A2-EF5A0A00BAE8}" type="datetimeFigureOut">
               <a:rPr lang="en-US" smtClean="0"/>
-              <a:t>2023-10-08</a:t>
+              <a:t>2023-10-17</a:t>
             </a:fld>
             <a:endParaRPr lang="en-US"/>
           </a:p>
@@ -1151,7 +1980,7 @@
           <a:p>
             <a:fld id="{60154281-D5CE-415D-B5A2-EF5A0A00BAE8}" type="datetimeFigureOut">
               <a:rPr lang="en-US" smtClean="0"/>
-              <a:t>2023-10-08</a:t>
+              <a:t>2023-10-17</a:t>
             </a:fld>
             <a:endParaRPr lang="en-US"/>
           </a:p>
@@ -1416,7 +2245,7 @@
           <a:p>
             <a:fld id="{60154281-D5CE-415D-B5A2-EF5A0A00BAE8}" type="datetimeFigureOut">
               <a:rPr lang="en-US" smtClean="0"/>
-              <a:t>2023-10-08</a:t>
+              <a:t>2023-10-17</a:t>
             </a:fld>
             <a:endParaRPr lang="en-US"/>
           </a:p>
@@ -1828,7 +2657,7 @@
           <a:p>
             <a:fld id="{60154281-D5CE-415D-B5A2-EF5A0A00BAE8}" type="datetimeFigureOut">
               <a:rPr lang="en-US" smtClean="0"/>
-              <a:t>2023-10-08</a:t>
+              <a:t>2023-10-17</a:t>
             </a:fld>
             <a:endParaRPr lang="en-US"/>
           </a:p>
@@ -1969,7 +2798,7 @@
           <a:p>
             <a:fld id="{60154281-D5CE-415D-B5A2-EF5A0A00BAE8}" type="datetimeFigureOut">
               <a:rPr lang="en-US" smtClean="0"/>
-              <a:t>2023-10-08</a:t>
+              <a:t>2023-10-17</a:t>
             </a:fld>
             <a:endParaRPr lang="en-US"/>
           </a:p>
@@ -2082,7 +2911,7 @@
           <a:p>
             <a:fld id="{60154281-D5CE-415D-B5A2-EF5A0A00BAE8}" type="datetimeFigureOut">
               <a:rPr lang="en-US" smtClean="0"/>
-              <a:t>2023-10-08</a:t>
+              <a:t>2023-10-17</a:t>
             </a:fld>
             <a:endParaRPr lang="en-US"/>
           </a:p>
@@ -2393,7 +3222,7 @@
           <a:p>
             <a:fld id="{60154281-D5CE-415D-B5A2-EF5A0A00BAE8}" type="datetimeFigureOut">
               <a:rPr lang="en-US" smtClean="0"/>
-              <a:t>2023-10-08</a:t>
+              <a:t>2023-10-17</a:t>
             </a:fld>
             <a:endParaRPr lang="en-US"/>
           </a:p>
@@ -2681,7 +3510,7 @@
           <a:p>
             <a:fld id="{60154281-D5CE-415D-B5A2-EF5A0A00BAE8}" type="datetimeFigureOut">
               <a:rPr lang="en-US" smtClean="0"/>
-              <a:t>2023-10-08</a:t>
+              <a:t>2023-10-17</a:t>
             </a:fld>
             <a:endParaRPr lang="en-US"/>
           </a:p>
@@ -2922,7 +3751,7 @@
           <a:p>
             <a:fld id="{60154281-D5CE-415D-B5A2-EF5A0A00BAE8}" type="datetimeFigureOut">
               <a:rPr lang="en-US" smtClean="0"/>
-              <a:t>2023-10-08</a:t>
+              <a:t>2023-10-17</a:t>
             </a:fld>
             <a:endParaRPr lang="en-US"/>
           </a:p>
@@ -3393,7 +4222,7 @@
         </p:blipFill>
         <p:spPr>
           <a:xfrm>
-            <a:off x="2384392" y="489352"/>
+            <a:off x="-377662" y="-173012"/>
             <a:ext cx="4648849" cy="2276793"/>
           </a:xfrm>
           <a:prstGeom prst="rect">
@@ -3423,7 +4252,7 @@
         </p:blipFill>
         <p:spPr>
           <a:xfrm>
-            <a:off x="4538445" y="1523734"/>
+            <a:off x="741586" y="3047468"/>
             <a:ext cx="3115110" cy="3810532"/>
           </a:xfrm>
           <a:prstGeom prst="rect">
@@ -3477,7 +4306,7 @@
         </p:nvSpPr>
         <p:spPr>
           <a:xfrm>
-            <a:off x="3049229" y="3244334"/>
+            <a:off x="-750088" y="3810053"/>
             <a:ext cx="6098458" cy="369332"/>
           </a:xfrm>
           <a:prstGeom prst="rect">
@@ -3520,7 +4349,7 @@
         </p:blipFill>
         <p:spPr>
           <a:xfrm>
-            <a:off x="3712846" y="1142681"/>
+            <a:off x="6229803" y="761149"/>
             <a:ext cx="4763165" cy="4572638"/>
           </a:xfrm>
           <a:prstGeom prst="rect">
@@ -4525,6 +5354,4463 @@
     <p:extLst>
       <p:ext uri="{BB962C8B-B14F-4D97-AF65-F5344CB8AC3E}">
         <p14:creationId xmlns:p14="http://schemas.microsoft.com/office/powerpoint/2010/main" val="1497910506"/>
+      </p:ext>
+    </p:extLst>
+  </p:cSld>
+  <p:clrMapOvr>
+    <a:masterClrMapping/>
+  </p:clrMapOvr>
+</p:sld>
+</file>
+
+<file path=ppt/slides/slide4.xml><?xml version="1.0" encoding="utf-8"?>
+<p:sld xmlns:a="http://schemas.openxmlformats.org/drawingml/2006/main" xmlns:r="http://schemas.openxmlformats.org/officeDocument/2006/relationships" xmlns:p="http://schemas.openxmlformats.org/presentationml/2006/main">
+  <p:cSld>
+    <p:spTree>
+      <p:nvGrpSpPr>
+        <p:cNvPr id="1" name=""/>
+        <p:cNvGrpSpPr/>
+        <p:nvPr/>
+      </p:nvGrpSpPr>
+      <p:grpSpPr>
+        <a:xfrm>
+          <a:off x="0" y="0"/>
+          <a:ext cx="0" cy="0"/>
+          <a:chOff x="0" y="0"/>
+          <a:chExt cx="0" cy="0"/>
+        </a:xfrm>
+      </p:grpSpPr>
+      <p:sp>
+        <p:nvSpPr>
+          <p:cNvPr id="5" name="TextBox 4">
+            <a:extLst>
+              <a:ext uri="{FF2B5EF4-FFF2-40B4-BE49-F238E27FC236}">
+                <a16:creationId xmlns:a16="http://schemas.microsoft.com/office/drawing/2014/main" id="{01A4CE22-5CCA-479A-7FDA-E0F4CA8F804C}"/>
+              </a:ext>
+            </a:extLst>
+          </p:cNvPr>
+          <p:cNvSpPr txBox="1"/>
+          <p:nvPr/>
+        </p:nvSpPr>
+        <p:spPr>
+          <a:xfrm>
+            <a:off x="3049438" y="3248647"/>
+            <a:ext cx="6098874" cy="369332"/>
+          </a:xfrm>
+          <a:prstGeom prst="rect">
+            <a:avLst/>
+          </a:prstGeom>
+          <a:noFill/>
+        </p:spPr>
+        <p:txBody>
+          <a:bodyPr wrap="square">
+            <a:spAutoFit/>
+          </a:bodyPr>
+          <a:lstStyle/>
+          <a:p>
+            <a:endParaRPr lang="en-US" dirty="0"/>
+          </a:p>
+        </p:txBody>
+      </p:sp>
+      <p:pic>
+        <p:nvPicPr>
+          <p:cNvPr id="7" name="Picture 6">
+            <a:extLst>
+              <a:ext uri="{FF2B5EF4-FFF2-40B4-BE49-F238E27FC236}">
+                <a16:creationId xmlns:a16="http://schemas.microsoft.com/office/drawing/2014/main" id="{E86F7DD5-766F-00F4-665C-A3417B059482}"/>
+              </a:ext>
+            </a:extLst>
+          </p:cNvPr>
+          <p:cNvPicPr>
+            <a:picLocks noChangeAspect="1"/>
+          </p:cNvPicPr>
+          <p:nvPr/>
+        </p:nvPicPr>
+        <p:blipFill>
+          <a:blip r:embed="rId2"/>
+          <a:stretch>
+            <a:fillRect/>
+          </a:stretch>
+        </p:blipFill>
+        <p:spPr>
+          <a:xfrm>
+            <a:off x="3714417" y="2057208"/>
+            <a:ext cx="4763165" cy="2743583"/>
+          </a:xfrm>
+          <a:prstGeom prst="rect">
+            <a:avLst/>
+          </a:prstGeom>
+        </p:spPr>
+      </p:pic>
+      <p:sp>
+        <p:nvSpPr>
+          <p:cNvPr id="9" name="TextBox 8">
+            <a:extLst>
+              <a:ext uri="{FF2B5EF4-FFF2-40B4-BE49-F238E27FC236}">
+                <a16:creationId xmlns:a16="http://schemas.microsoft.com/office/drawing/2014/main" id="{41B777D3-A9D2-340D-7D6F-6AAD46002AD1}"/>
+              </a:ext>
+            </a:extLst>
+          </p:cNvPr>
+          <p:cNvSpPr txBox="1"/>
+          <p:nvPr/>
+        </p:nvSpPr>
+        <p:spPr>
+          <a:xfrm>
+            <a:off x="3049438" y="3248647"/>
+            <a:ext cx="6098874" cy="369332"/>
+          </a:xfrm>
+          <a:prstGeom prst="rect">
+            <a:avLst/>
+          </a:prstGeom>
+          <a:noFill/>
+        </p:spPr>
+        <p:txBody>
+          <a:bodyPr wrap="square">
+            <a:spAutoFit/>
+          </a:bodyPr>
+          <a:lstStyle/>
+          <a:p>
+            <a:endParaRPr lang="en-US" dirty="0"/>
+          </a:p>
+        </p:txBody>
+      </p:sp>
+      <p:pic>
+        <p:nvPicPr>
+          <p:cNvPr id="11" name="Picture 10">
+            <a:extLst>
+              <a:ext uri="{FF2B5EF4-FFF2-40B4-BE49-F238E27FC236}">
+                <a16:creationId xmlns:a16="http://schemas.microsoft.com/office/drawing/2014/main" id="{10965F54-BD16-C008-C267-886B9D70D4B2}"/>
+              </a:ext>
+            </a:extLst>
+          </p:cNvPr>
+          <p:cNvPicPr>
+            <a:picLocks noChangeAspect="1"/>
+          </p:cNvPicPr>
+          <p:nvPr/>
+        </p:nvPicPr>
+        <p:blipFill>
+          <a:blip r:embed="rId3"/>
+          <a:stretch>
+            <a:fillRect/>
+          </a:stretch>
+        </p:blipFill>
+        <p:spPr>
+          <a:xfrm>
+            <a:off x="6760978" y="3076047"/>
+            <a:ext cx="4763165" cy="3781953"/>
+          </a:xfrm>
+          <a:prstGeom prst="rect">
+            <a:avLst/>
+          </a:prstGeom>
+        </p:spPr>
+      </p:pic>
+      <p:pic>
+        <p:nvPicPr>
+          <p:cNvPr id="13" name="Picture 12">
+            <a:extLst>
+              <a:ext uri="{FF2B5EF4-FFF2-40B4-BE49-F238E27FC236}">
+                <a16:creationId xmlns:a16="http://schemas.microsoft.com/office/drawing/2014/main" id="{B261C9EB-FA6E-0345-500C-FA1548C32C47}"/>
+              </a:ext>
+            </a:extLst>
+          </p:cNvPr>
+          <p:cNvPicPr>
+            <a:picLocks noChangeAspect="1"/>
+          </p:cNvPicPr>
+          <p:nvPr/>
+        </p:nvPicPr>
+        <p:blipFill>
+          <a:blip r:embed="rId4"/>
+          <a:stretch>
+            <a:fillRect/>
+          </a:stretch>
+        </p:blipFill>
+        <p:spPr>
+          <a:xfrm>
+            <a:off x="1247974" y="1547749"/>
+            <a:ext cx="3591426" cy="4763165"/>
+          </a:xfrm>
+          <a:prstGeom prst="rect">
+            <a:avLst/>
+          </a:prstGeom>
+        </p:spPr>
+      </p:pic>
+    </p:spTree>
+    <p:extLst>
+      <p:ext uri="{BB962C8B-B14F-4D97-AF65-F5344CB8AC3E}">
+        <p14:creationId xmlns:p14="http://schemas.microsoft.com/office/powerpoint/2010/main" val="2340099664"/>
+      </p:ext>
+    </p:extLst>
+  </p:cSld>
+  <p:clrMapOvr>
+    <a:masterClrMapping/>
+  </p:clrMapOvr>
+</p:sld>
+</file>
+
+<file path=ppt/slides/slide5.xml><?xml version="1.0" encoding="utf-8"?>
+<p:sld xmlns:a="http://schemas.openxmlformats.org/drawingml/2006/main" xmlns:r="http://schemas.openxmlformats.org/officeDocument/2006/relationships" xmlns:p="http://schemas.openxmlformats.org/presentationml/2006/main">
+  <p:cSld>
+    <p:spTree>
+      <p:nvGrpSpPr>
+        <p:cNvPr id="1" name=""/>
+        <p:cNvGrpSpPr/>
+        <p:nvPr/>
+      </p:nvGrpSpPr>
+      <p:grpSpPr>
+        <a:xfrm>
+          <a:off x="0" y="0"/>
+          <a:ext cx="0" cy="0"/>
+          <a:chOff x="0" y="0"/>
+          <a:chExt cx="0" cy="0"/>
+        </a:xfrm>
+      </p:grpSpPr>
+      <p:pic>
+        <p:nvPicPr>
+          <p:cNvPr id="3" name="Picture 2">
+            <a:extLst>
+              <a:ext uri="{FF2B5EF4-FFF2-40B4-BE49-F238E27FC236}">
+                <a16:creationId xmlns:a16="http://schemas.microsoft.com/office/drawing/2014/main" id="{17F710FA-8F44-A2A1-4363-4441C0CFD31B}"/>
+              </a:ext>
+            </a:extLst>
+          </p:cNvPr>
+          <p:cNvPicPr>
+            <a:picLocks noChangeAspect="1"/>
+          </p:cNvPicPr>
+          <p:nvPr/>
+        </p:nvPicPr>
+        <p:blipFill>
+          <a:blip r:embed="rId2"/>
+          <a:stretch>
+            <a:fillRect/>
+          </a:stretch>
+        </p:blipFill>
+        <p:spPr>
+          <a:xfrm>
+            <a:off x="3876365" y="1514208"/>
+            <a:ext cx="4439270" cy="3829584"/>
+          </a:xfrm>
+          <a:prstGeom prst="rect">
+            <a:avLst/>
+          </a:prstGeom>
+        </p:spPr>
+      </p:pic>
+      <p:pic>
+        <p:nvPicPr>
+          <p:cNvPr id="5" name="Picture 4">
+            <a:extLst>
+              <a:ext uri="{FF2B5EF4-FFF2-40B4-BE49-F238E27FC236}">
+                <a16:creationId xmlns:a16="http://schemas.microsoft.com/office/drawing/2014/main" id="{967E11F6-422B-520A-1216-55C007054D07}"/>
+              </a:ext>
+            </a:extLst>
+          </p:cNvPr>
+          <p:cNvPicPr>
+            <a:picLocks noChangeAspect="1"/>
+          </p:cNvPicPr>
+          <p:nvPr/>
+        </p:nvPicPr>
+        <p:blipFill>
+          <a:blip r:embed="rId3"/>
+          <a:stretch>
+            <a:fillRect/>
+          </a:stretch>
+        </p:blipFill>
+        <p:spPr>
+          <a:xfrm>
+            <a:off x="8660708" y="1639412"/>
+            <a:ext cx="3048425" cy="4648849"/>
+          </a:xfrm>
+          <a:prstGeom prst="rect">
+            <a:avLst/>
+          </a:prstGeom>
+        </p:spPr>
+      </p:pic>
+      <p:sp>
+        <p:nvSpPr>
+          <p:cNvPr id="7" name="TextBox 6">
+            <a:extLst>
+              <a:ext uri="{FF2B5EF4-FFF2-40B4-BE49-F238E27FC236}">
+                <a16:creationId xmlns:a16="http://schemas.microsoft.com/office/drawing/2014/main" id="{4982A820-9BA7-BEA5-B0BD-9466DC46A4D2}"/>
+              </a:ext>
+            </a:extLst>
+          </p:cNvPr>
+          <p:cNvSpPr txBox="1"/>
+          <p:nvPr/>
+        </p:nvSpPr>
+        <p:spPr>
+          <a:xfrm>
+            <a:off x="3049438" y="3248647"/>
+            <a:ext cx="6098874" cy="369332"/>
+          </a:xfrm>
+          <a:prstGeom prst="rect">
+            <a:avLst/>
+          </a:prstGeom>
+          <a:noFill/>
+        </p:spPr>
+        <p:txBody>
+          <a:bodyPr wrap="square">
+            <a:spAutoFit/>
+          </a:bodyPr>
+          <a:lstStyle/>
+          <a:p>
+            <a:endParaRPr lang="en-US" dirty="0"/>
+          </a:p>
+        </p:txBody>
+      </p:sp>
+      <p:pic>
+        <p:nvPicPr>
+          <p:cNvPr id="9" name="Picture 8">
+            <a:extLst>
+              <a:ext uri="{FF2B5EF4-FFF2-40B4-BE49-F238E27FC236}">
+                <a16:creationId xmlns:a16="http://schemas.microsoft.com/office/drawing/2014/main" id="{39C8E870-437D-8F1C-9750-BB1FB282C963}"/>
+              </a:ext>
+            </a:extLst>
+          </p:cNvPr>
+          <p:cNvPicPr>
+            <a:picLocks noChangeAspect="1"/>
+          </p:cNvPicPr>
+          <p:nvPr/>
+        </p:nvPicPr>
+        <p:blipFill>
+          <a:blip r:embed="rId4"/>
+          <a:stretch>
+            <a:fillRect/>
+          </a:stretch>
+        </p:blipFill>
+        <p:spPr>
+          <a:xfrm>
+            <a:off x="1829267" y="1865461"/>
+            <a:ext cx="4439270" cy="3467584"/>
+          </a:xfrm>
+          <a:prstGeom prst="rect">
+            <a:avLst/>
+          </a:prstGeom>
+        </p:spPr>
+      </p:pic>
+    </p:spTree>
+    <p:extLst>
+      <p:ext uri="{BB962C8B-B14F-4D97-AF65-F5344CB8AC3E}">
+        <p14:creationId xmlns:p14="http://schemas.microsoft.com/office/powerpoint/2010/main" val="3522517015"/>
+      </p:ext>
+    </p:extLst>
+  </p:cSld>
+  <p:clrMapOvr>
+    <a:masterClrMapping/>
+  </p:clrMapOvr>
+</p:sld>
+</file>
+
+<file path=ppt/slides/slide6.xml><?xml version="1.0" encoding="utf-8"?>
+<p:sld xmlns:a="http://schemas.openxmlformats.org/drawingml/2006/main" xmlns:r="http://schemas.openxmlformats.org/officeDocument/2006/relationships" xmlns:p="http://schemas.openxmlformats.org/presentationml/2006/main">
+  <p:cSld>
+    <p:spTree>
+      <p:nvGrpSpPr>
+        <p:cNvPr id="1" name=""/>
+        <p:cNvGrpSpPr/>
+        <p:nvPr/>
+      </p:nvGrpSpPr>
+      <p:grpSpPr>
+        <a:xfrm>
+          <a:off x="0" y="0"/>
+          <a:ext cx="0" cy="0"/>
+          <a:chOff x="0" y="0"/>
+          <a:chExt cx="0" cy="0"/>
+        </a:xfrm>
+      </p:grpSpPr>
+      <p:sp>
+        <p:nvSpPr>
+          <p:cNvPr id="2" name="Footer Placeholder 1">
+            <a:extLst>
+              <a:ext uri="{FF2B5EF4-FFF2-40B4-BE49-F238E27FC236}">
+                <a16:creationId xmlns:a16="http://schemas.microsoft.com/office/drawing/2014/main" id="{8EDBD424-945A-FAD5-AAFE-6FA6E765B024}"/>
+              </a:ext>
+            </a:extLst>
+          </p:cNvPr>
+          <p:cNvSpPr>
+            <a:spLocks noGrp="1"/>
+          </p:cNvSpPr>
+          <p:nvPr>
+            <p:ph type="ftr" sz="quarter" idx="11"/>
+          </p:nvPr>
+        </p:nvSpPr>
+        <p:spPr>
+          <a:xfrm>
+            <a:off x="1562100" y="6400800"/>
+            <a:ext cx="6019800" cy="457200"/>
+          </a:xfrm>
+        </p:spPr>
+        <p:txBody>
+          <a:bodyPr/>
+          <a:lstStyle/>
+          <a:p>
+            <a:r>
+              <a:rPr lang="en-US" dirty="0"/>
+              <a:t>Copyright © 2021 by John Wiley &amp; Sons, Inc. All rights reserved. </a:t>
+            </a:r>
+          </a:p>
+        </p:txBody>
+      </p:sp>
+      <p:pic>
+        <p:nvPicPr>
+          <p:cNvPr id="3" name="Picture 2">
+            <a:extLst>
+              <a:ext uri="{FF2B5EF4-FFF2-40B4-BE49-F238E27FC236}">
+                <a16:creationId xmlns:a16="http://schemas.microsoft.com/office/drawing/2014/main" id="{3D389C39-5DB3-7E9E-0584-8332E1301F72}"/>
+              </a:ext>
+            </a:extLst>
+          </p:cNvPr>
+          <p:cNvPicPr>
+            <a:picLocks noChangeAspect="1"/>
+          </p:cNvPicPr>
+          <p:nvPr/>
+        </p:nvPicPr>
+        <p:blipFill>
+          <a:blip r:embed="rId2">
+            <a:extLst>
+              <a:ext uri="{28A0092B-C50C-407E-A947-70E740481C1C}">
+                <a14:useLocalDpi xmlns:a14="http://schemas.microsoft.com/office/drawing/2010/main" val="0"/>
+              </a:ext>
+            </a:extLst>
+          </a:blip>
+          <a:stretch>
+            <a:fillRect/>
+          </a:stretch>
+        </p:blipFill>
+        <p:spPr>
+          <a:xfrm>
+            <a:off x="1790700" y="457526"/>
+            <a:ext cx="5562600" cy="5942948"/>
+          </a:xfrm>
+          <a:prstGeom prst="rect">
+            <a:avLst/>
+          </a:prstGeom>
+        </p:spPr>
+      </p:pic>
+      <p:sp>
+        <p:nvSpPr>
+          <p:cNvPr id="4" name="Rectangle 3">
+            <a:extLst>
+              <a:ext uri="{FF2B5EF4-FFF2-40B4-BE49-F238E27FC236}">
+                <a16:creationId xmlns:a16="http://schemas.microsoft.com/office/drawing/2014/main" id="{5B7B1C14-BD02-9B13-CFDB-EA555F143DCA}"/>
+              </a:ext>
+            </a:extLst>
+          </p:cNvPr>
+          <p:cNvSpPr>
+            <a:spLocks noChangeArrowheads="1"/>
+          </p:cNvSpPr>
+          <p:nvPr/>
+        </p:nvSpPr>
+        <p:spPr bwMode="auto">
+          <a:xfrm>
+            <a:off x="4308412" y="6047010"/>
+            <a:ext cx="3273425" cy="307975"/>
+          </a:xfrm>
+          <a:prstGeom prst="rect">
+            <a:avLst/>
+          </a:prstGeom>
+          <a:noFill/>
+          <a:ln w="9525">
+            <a:noFill/>
+            <a:miter lim="800000"/>
+            <a:headEnd/>
+            <a:tailEnd/>
+          </a:ln>
+        </p:spPr>
+        <p:txBody>
+          <a:bodyPr>
+            <a:prstTxWarp prst="textNoShape">
+              <a:avLst/>
+            </a:prstTxWarp>
+            <a:spAutoFit/>
+          </a:bodyPr>
+          <a:lstStyle/>
+          <a:p>
+            <a:pPr algn="ctr"/>
+            <a:r>
+              <a:rPr lang="en-US" sz="1400" dirty="0">
+                <a:latin typeface="Arial" charset="0"/>
+              </a:rPr>
+              <a:t>(a) Parts of a neuron</a:t>
+            </a:r>
+          </a:p>
+        </p:txBody>
+      </p:sp>
+      <p:sp>
+        <p:nvSpPr>
+          <p:cNvPr id="5" name="Rectangle 4">
+            <a:extLst>
+              <a:ext uri="{FF2B5EF4-FFF2-40B4-BE49-F238E27FC236}">
+                <a16:creationId xmlns:a16="http://schemas.microsoft.com/office/drawing/2014/main" id="{93899194-0327-12F1-796F-726DB13F77B0}"/>
+              </a:ext>
+            </a:extLst>
+          </p:cNvPr>
+          <p:cNvSpPr>
+            <a:spLocks noChangeArrowheads="1"/>
+          </p:cNvSpPr>
+          <p:nvPr/>
+        </p:nvSpPr>
+        <p:spPr bwMode="auto">
+          <a:xfrm>
+            <a:off x="4001408" y="319596"/>
+            <a:ext cx="1660525" cy="277812"/>
+          </a:xfrm>
+          <a:prstGeom prst="rect">
+            <a:avLst/>
+          </a:prstGeom>
+          <a:noFill/>
+          <a:ln w="9525">
+            <a:noFill/>
+            <a:miter lim="800000"/>
+            <a:headEnd/>
+            <a:tailEnd/>
+          </a:ln>
+        </p:spPr>
+        <p:txBody>
+          <a:bodyPr>
+            <a:prstTxWarp prst="textNoShape">
+              <a:avLst/>
+            </a:prstTxWarp>
+            <a:spAutoFit/>
+          </a:bodyPr>
+          <a:lstStyle/>
+          <a:p>
+            <a:r>
+              <a:rPr lang="en-US" sz="1200" b="1" dirty="0">
+                <a:latin typeface="Arial" charset="0"/>
+              </a:rPr>
+              <a:t>(branches)</a:t>
+            </a:r>
+          </a:p>
+        </p:txBody>
+      </p:sp>
+      <p:sp>
+        <p:nvSpPr>
+          <p:cNvPr id="9" name="Rectangle 8">
+            <a:extLst>
+              <a:ext uri="{FF2B5EF4-FFF2-40B4-BE49-F238E27FC236}">
+                <a16:creationId xmlns:a16="http://schemas.microsoft.com/office/drawing/2014/main" id="{2AD0FA44-313B-B85D-D858-ABCD5CBD7889}"/>
+              </a:ext>
+            </a:extLst>
+          </p:cNvPr>
+          <p:cNvSpPr>
+            <a:spLocks noChangeArrowheads="1"/>
+          </p:cNvSpPr>
+          <p:nvPr/>
+        </p:nvSpPr>
+        <p:spPr bwMode="auto">
+          <a:xfrm>
+            <a:off x="6699716" y="2101544"/>
+            <a:ext cx="2133600" cy="277812"/>
+          </a:xfrm>
+          <a:prstGeom prst="rect">
+            <a:avLst/>
+          </a:prstGeom>
+          <a:noFill/>
+          <a:ln w="9525">
+            <a:noFill/>
+            <a:miter lim="800000"/>
+            <a:headEnd/>
+            <a:tailEnd/>
+          </a:ln>
+        </p:spPr>
+        <p:txBody>
+          <a:bodyPr>
+            <a:prstTxWarp prst="textNoShape">
+              <a:avLst/>
+            </a:prstTxWarp>
+            <a:spAutoFit/>
+          </a:bodyPr>
+          <a:lstStyle/>
+          <a:p>
+            <a:r>
+              <a:rPr lang="en-US" sz="1200" dirty="0">
+                <a:latin typeface="Arial" charset="0"/>
+              </a:rPr>
+              <a:t>Nucleus</a:t>
+            </a:r>
+          </a:p>
+        </p:txBody>
+      </p:sp>
+      <p:sp>
+        <p:nvSpPr>
+          <p:cNvPr id="11" name="Rectangle 10">
+            <a:extLst>
+              <a:ext uri="{FF2B5EF4-FFF2-40B4-BE49-F238E27FC236}">
+                <a16:creationId xmlns:a16="http://schemas.microsoft.com/office/drawing/2014/main" id="{0072F4B9-CF38-0417-4718-FA905A3276E8}"/>
+              </a:ext>
+            </a:extLst>
+          </p:cNvPr>
+          <p:cNvSpPr>
+            <a:spLocks noChangeArrowheads="1"/>
+          </p:cNvSpPr>
+          <p:nvPr/>
+        </p:nvSpPr>
+        <p:spPr bwMode="auto">
+          <a:xfrm>
+            <a:off x="3586800" y="1721072"/>
+            <a:ext cx="1660525" cy="276225"/>
+          </a:xfrm>
+          <a:prstGeom prst="rect">
+            <a:avLst/>
+          </a:prstGeom>
+          <a:noFill/>
+          <a:ln w="9525">
+            <a:noFill/>
+            <a:miter lim="800000"/>
+            <a:headEnd/>
+            <a:tailEnd/>
+          </a:ln>
+        </p:spPr>
+        <p:txBody>
+          <a:bodyPr>
+            <a:prstTxWarp prst="textNoShape">
+              <a:avLst/>
+            </a:prstTxWarp>
+            <a:spAutoFit/>
+          </a:bodyPr>
+          <a:lstStyle/>
+          <a:p>
+            <a:r>
+              <a:rPr lang="en-US" sz="1200" dirty="0">
+                <a:latin typeface="Arial" charset="0"/>
+              </a:rPr>
+              <a:t>Axon hillock</a:t>
+            </a:r>
+          </a:p>
+        </p:txBody>
+      </p:sp>
+      <p:sp>
+        <p:nvSpPr>
+          <p:cNvPr id="15" name="Rectangle 16">
+            <a:extLst>
+              <a:ext uri="{FF2B5EF4-FFF2-40B4-BE49-F238E27FC236}">
+                <a16:creationId xmlns:a16="http://schemas.microsoft.com/office/drawing/2014/main" id="{BEFDF4A9-372A-5EEF-4093-A8505AB5F91D}"/>
+              </a:ext>
+            </a:extLst>
+          </p:cNvPr>
+          <p:cNvSpPr>
+            <a:spLocks noChangeArrowheads="1"/>
+          </p:cNvSpPr>
+          <p:nvPr/>
+        </p:nvSpPr>
+        <p:spPr bwMode="auto">
+          <a:xfrm>
+            <a:off x="3397187" y="2287810"/>
+            <a:ext cx="2014538" cy="277812"/>
+          </a:xfrm>
+          <a:prstGeom prst="rect">
+            <a:avLst/>
+          </a:prstGeom>
+          <a:noFill/>
+          <a:ln w="9525">
+            <a:noFill/>
+            <a:miter lim="800000"/>
+            <a:headEnd/>
+            <a:tailEnd/>
+          </a:ln>
+        </p:spPr>
+        <p:txBody>
+          <a:bodyPr>
+            <a:prstTxWarp prst="textNoShape">
+              <a:avLst/>
+            </a:prstTxWarp>
+            <a:spAutoFit/>
+          </a:bodyPr>
+          <a:lstStyle/>
+          <a:p>
+            <a:r>
+              <a:rPr lang="en-US" sz="1200" dirty="0">
+                <a:latin typeface="Arial" charset="0"/>
+              </a:rPr>
+              <a:t>Nucleus of Schwann cell</a:t>
+            </a:r>
+          </a:p>
+        </p:txBody>
+      </p:sp>
+      <p:sp>
+        <p:nvSpPr>
+          <p:cNvPr id="16" name="Rectangle 17">
+            <a:extLst>
+              <a:ext uri="{FF2B5EF4-FFF2-40B4-BE49-F238E27FC236}">
+                <a16:creationId xmlns:a16="http://schemas.microsoft.com/office/drawing/2014/main" id="{3AB293AA-CC4F-C5A7-3EC7-8567D7858F94}"/>
+              </a:ext>
+            </a:extLst>
+          </p:cNvPr>
+          <p:cNvSpPr>
+            <a:spLocks noChangeArrowheads="1"/>
+          </p:cNvSpPr>
+          <p:nvPr/>
+        </p:nvSpPr>
+        <p:spPr bwMode="auto">
+          <a:xfrm>
+            <a:off x="3094159" y="2681094"/>
+            <a:ext cx="1660525" cy="276225"/>
+          </a:xfrm>
+          <a:prstGeom prst="rect">
+            <a:avLst/>
+          </a:prstGeom>
+          <a:noFill/>
+          <a:ln w="9525">
+            <a:noFill/>
+            <a:miter lim="800000"/>
+            <a:headEnd/>
+            <a:tailEnd/>
+          </a:ln>
+        </p:spPr>
+        <p:txBody>
+          <a:bodyPr>
+            <a:prstTxWarp prst="textNoShape">
+              <a:avLst/>
+            </a:prstTxWarp>
+            <a:spAutoFit/>
+          </a:bodyPr>
+          <a:lstStyle/>
+          <a:p>
+            <a:r>
+              <a:rPr lang="en-US" sz="1200" dirty="0">
+                <a:latin typeface="Arial" charset="0"/>
+              </a:rPr>
+              <a:t>Schwann cell:</a:t>
+            </a:r>
+          </a:p>
+        </p:txBody>
+      </p:sp>
+      <p:sp>
+        <p:nvSpPr>
+          <p:cNvPr id="17" name="Rectangle 18">
+            <a:extLst>
+              <a:ext uri="{FF2B5EF4-FFF2-40B4-BE49-F238E27FC236}">
+                <a16:creationId xmlns:a16="http://schemas.microsoft.com/office/drawing/2014/main" id="{4E5E2A2F-FB01-821F-3D4C-C0057740EF4D}"/>
+              </a:ext>
+            </a:extLst>
+          </p:cNvPr>
+          <p:cNvSpPr>
+            <a:spLocks noChangeArrowheads="1"/>
+          </p:cNvSpPr>
+          <p:nvPr/>
+        </p:nvSpPr>
+        <p:spPr bwMode="auto">
+          <a:xfrm>
+            <a:off x="3329572" y="2910930"/>
+            <a:ext cx="1658937" cy="276225"/>
+          </a:xfrm>
+          <a:prstGeom prst="rect">
+            <a:avLst/>
+          </a:prstGeom>
+          <a:noFill/>
+          <a:ln w="9525">
+            <a:noFill/>
+            <a:miter lim="800000"/>
+            <a:headEnd/>
+            <a:tailEnd/>
+          </a:ln>
+        </p:spPr>
+        <p:txBody>
+          <a:bodyPr>
+            <a:prstTxWarp prst="textNoShape">
+              <a:avLst/>
+            </a:prstTxWarp>
+            <a:spAutoFit/>
+          </a:bodyPr>
+          <a:lstStyle/>
+          <a:p>
+            <a:r>
+              <a:rPr lang="en-US" sz="1200" dirty="0">
+                <a:latin typeface="Arial" charset="0"/>
+              </a:rPr>
+              <a:t>Cytoplasm</a:t>
+            </a:r>
+          </a:p>
+        </p:txBody>
+      </p:sp>
+      <p:sp>
+        <p:nvSpPr>
+          <p:cNvPr id="18" name="Rectangle 19">
+            <a:extLst>
+              <a:ext uri="{FF2B5EF4-FFF2-40B4-BE49-F238E27FC236}">
+                <a16:creationId xmlns:a16="http://schemas.microsoft.com/office/drawing/2014/main" id="{0D7B105F-5C58-ABB4-C87C-C9A3D5DC6521}"/>
+              </a:ext>
+            </a:extLst>
+          </p:cNvPr>
+          <p:cNvSpPr>
+            <a:spLocks noChangeArrowheads="1"/>
+          </p:cNvSpPr>
+          <p:nvPr/>
+        </p:nvSpPr>
+        <p:spPr bwMode="auto">
+          <a:xfrm>
+            <a:off x="3329572" y="3138586"/>
+            <a:ext cx="1658937" cy="277812"/>
+          </a:xfrm>
+          <a:prstGeom prst="rect">
+            <a:avLst/>
+          </a:prstGeom>
+          <a:noFill/>
+          <a:ln w="9525">
+            <a:noFill/>
+            <a:miter lim="800000"/>
+            <a:headEnd/>
+            <a:tailEnd/>
+          </a:ln>
+        </p:spPr>
+        <p:txBody>
+          <a:bodyPr>
+            <a:prstTxWarp prst="textNoShape">
+              <a:avLst/>
+            </a:prstTxWarp>
+            <a:spAutoFit/>
+          </a:bodyPr>
+          <a:lstStyle/>
+          <a:p>
+            <a:r>
+              <a:rPr lang="en-US" sz="1200" dirty="0">
+                <a:latin typeface="Arial" charset="0"/>
+              </a:rPr>
+              <a:t>Myelin sheath</a:t>
+            </a:r>
+          </a:p>
+        </p:txBody>
+      </p:sp>
+      <p:sp>
+        <p:nvSpPr>
+          <p:cNvPr id="19" name="Rectangle 20">
+            <a:extLst>
+              <a:ext uri="{FF2B5EF4-FFF2-40B4-BE49-F238E27FC236}">
+                <a16:creationId xmlns:a16="http://schemas.microsoft.com/office/drawing/2014/main" id="{613AFAD0-C9D4-7D8B-C5A6-F586A8521F74}"/>
+              </a:ext>
+            </a:extLst>
+          </p:cNvPr>
+          <p:cNvSpPr>
+            <a:spLocks noChangeArrowheads="1"/>
+          </p:cNvSpPr>
+          <p:nvPr/>
+        </p:nvSpPr>
+        <p:spPr bwMode="auto">
+          <a:xfrm>
+            <a:off x="3365083" y="3349431"/>
+            <a:ext cx="1658937" cy="277812"/>
+          </a:xfrm>
+          <a:prstGeom prst="rect">
+            <a:avLst/>
+          </a:prstGeom>
+          <a:noFill/>
+          <a:ln w="9525">
+            <a:noFill/>
+            <a:miter lim="800000"/>
+            <a:headEnd/>
+            <a:tailEnd/>
+          </a:ln>
+        </p:spPr>
+        <p:txBody>
+          <a:bodyPr>
+            <a:prstTxWarp prst="textNoShape">
+              <a:avLst/>
+            </a:prstTxWarp>
+            <a:spAutoFit/>
+          </a:bodyPr>
+          <a:lstStyle/>
+          <a:p>
+            <a:r>
+              <a:rPr lang="en-US" sz="1200" dirty="0">
+                <a:latin typeface="Arial" charset="0"/>
+              </a:rPr>
+              <a:t>Neurolemma</a:t>
+            </a:r>
+          </a:p>
+        </p:txBody>
+      </p:sp>
+      <p:sp>
+        <p:nvSpPr>
+          <p:cNvPr id="20" name="Rectangle 21">
+            <a:extLst>
+              <a:ext uri="{FF2B5EF4-FFF2-40B4-BE49-F238E27FC236}">
+                <a16:creationId xmlns:a16="http://schemas.microsoft.com/office/drawing/2014/main" id="{40E5FF7B-DA20-87DB-221E-756F79C557E2}"/>
+              </a:ext>
+            </a:extLst>
+          </p:cNvPr>
+          <p:cNvSpPr>
+            <a:spLocks noChangeArrowheads="1"/>
+          </p:cNvSpPr>
+          <p:nvPr/>
+        </p:nvSpPr>
+        <p:spPr bwMode="auto">
+          <a:xfrm>
+            <a:off x="3498787" y="3575272"/>
+            <a:ext cx="1658938" cy="276225"/>
+          </a:xfrm>
+          <a:prstGeom prst="rect">
+            <a:avLst/>
+          </a:prstGeom>
+          <a:noFill/>
+          <a:ln w="9525">
+            <a:noFill/>
+            <a:miter lim="800000"/>
+            <a:headEnd/>
+            <a:tailEnd/>
+          </a:ln>
+        </p:spPr>
+        <p:txBody>
+          <a:bodyPr>
+            <a:prstTxWarp prst="textNoShape">
+              <a:avLst/>
+            </a:prstTxWarp>
+            <a:spAutoFit/>
+          </a:bodyPr>
+          <a:lstStyle/>
+          <a:p>
+            <a:r>
+              <a:rPr lang="en-US" sz="1200" dirty="0">
+                <a:latin typeface="Arial" charset="0"/>
+              </a:rPr>
+              <a:t>Myelin sheath gap</a:t>
+            </a:r>
+          </a:p>
+        </p:txBody>
+      </p:sp>
+      <p:sp>
+        <p:nvSpPr>
+          <p:cNvPr id="21" name="Rectangle 22">
+            <a:extLst>
+              <a:ext uri="{FF2B5EF4-FFF2-40B4-BE49-F238E27FC236}">
+                <a16:creationId xmlns:a16="http://schemas.microsoft.com/office/drawing/2014/main" id="{98FB0AC9-2760-3C0A-51F1-51B87A4FA751}"/>
+              </a:ext>
+            </a:extLst>
+          </p:cNvPr>
+          <p:cNvSpPr>
+            <a:spLocks noChangeArrowheads="1"/>
+          </p:cNvSpPr>
+          <p:nvPr/>
+        </p:nvSpPr>
+        <p:spPr bwMode="auto">
+          <a:xfrm>
+            <a:off x="1566214" y="1184667"/>
+            <a:ext cx="1465262" cy="276225"/>
+          </a:xfrm>
+          <a:prstGeom prst="rect">
+            <a:avLst/>
+          </a:prstGeom>
+          <a:noFill/>
+          <a:ln w="9525">
+            <a:noFill/>
+            <a:miter lim="800000"/>
+            <a:headEnd/>
+            <a:tailEnd/>
+          </a:ln>
+        </p:spPr>
+        <p:txBody>
+          <a:bodyPr>
+            <a:prstTxWarp prst="textNoShape">
+              <a:avLst/>
+            </a:prstTxWarp>
+            <a:spAutoFit/>
+          </a:bodyPr>
+          <a:lstStyle/>
+          <a:p>
+            <a:r>
+              <a:rPr lang="en-US" sz="1200" dirty="0">
+                <a:latin typeface="Arial" charset="0"/>
+              </a:rPr>
+              <a:t>Axon collateral</a:t>
+            </a:r>
+          </a:p>
+        </p:txBody>
+      </p:sp>
+      <p:sp>
+        <p:nvSpPr>
+          <p:cNvPr id="22" name="Rectangle 23">
+            <a:extLst>
+              <a:ext uri="{FF2B5EF4-FFF2-40B4-BE49-F238E27FC236}">
+                <a16:creationId xmlns:a16="http://schemas.microsoft.com/office/drawing/2014/main" id="{EF831682-1F9A-D4FC-8620-097A99CB90D0}"/>
+              </a:ext>
+            </a:extLst>
+          </p:cNvPr>
+          <p:cNvSpPr>
+            <a:spLocks noChangeArrowheads="1"/>
+          </p:cNvSpPr>
+          <p:nvPr/>
+        </p:nvSpPr>
+        <p:spPr bwMode="auto">
+          <a:xfrm>
+            <a:off x="1619187" y="2008410"/>
+            <a:ext cx="1023938" cy="277812"/>
+          </a:xfrm>
+          <a:prstGeom prst="rect">
+            <a:avLst/>
+          </a:prstGeom>
+          <a:noFill/>
+          <a:ln w="9525">
+            <a:noFill/>
+            <a:miter lim="800000"/>
+            <a:headEnd/>
+            <a:tailEnd/>
+          </a:ln>
+        </p:spPr>
+        <p:txBody>
+          <a:bodyPr>
+            <a:prstTxWarp prst="textNoShape">
+              <a:avLst/>
+            </a:prstTxWarp>
+            <a:spAutoFit/>
+          </a:bodyPr>
+          <a:lstStyle/>
+          <a:p>
+            <a:r>
+              <a:rPr lang="en-US" sz="1200" b="1" dirty="0">
+                <a:latin typeface="Arial" charset="0"/>
+              </a:rPr>
+              <a:t>Axon</a:t>
+            </a:r>
+          </a:p>
+        </p:txBody>
+      </p:sp>
+      <p:sp>
+        <p:nvSpPr>
+          <p:cNvPr id="23" name="Rectangle 24">
+            <a:extLst>
+              <a:ext uri="{FF2B5EF4-FFF2-40B4-BE49-F238E27FC236}">
+                <a16:creationId xmlns:a16="http://schemas.microsoft.com/office/drawing/2014/main" id="{04649B96-7A99-0655-254A-6EB49CD3AF78}"/>
+              </a:ext>
+            </a:extLst>
+          </p:cNvPr>
+          <p:cNvSpPr>
+            <a:spLocks noChangeArrowheads="1"/>
+          </p:cNvSpPr>
+          <p:nvPr/>
+        </p:nvSpPr>
+        <p:spPr bwMode="auto">
+          <a:xfrm>
+            <a:off x="1449325" y="3067272"/>
+            <a:ext cx="855662" cy="461963"/>
+          </a:xfrm>
+          <a:prstGeom prst="rect">
+            <a:avLst/>
+          </a:prstGeom>
+          <a:noFill/>
+          <a:ln w="9525">
+            <a:noFill/>
+            <a:miter lim="800000"/>
+            <a:headEnd/>
+            <a:tailEnd/>
+          </a:ln>
+        </p:spPr>
+        <p:txBody>
+          <a:bodyPr>
+            <a:prstTxWarp prst="textNoShape">
+              <a:avLst/>
+            </a:prstTxWarp>
+            <a:spAutoFit/>
+          </a:bodyPr>
+          <a:lstStyle/>
+          <a:p>
+            <a:r>
+              <a:rPr lang="en-US" sz="1200" dirty="0">
+                <a:latin typeface="Arial" charset="0"/>
+              </a:rPr>
+              <a:t>Nerve impulse</a:t>
+            </a:r>
+          </a:p>
+        </p:txBody>
+      </p:sp>
+      <p:sp>
+        <p:nvSpPr>
+          <p:cNvPr id="24" name="Rectangle 25">
+            <a:extLst>
+              <a:ext uri="{FF2B5EF4-FFF2-40B4-BE49-F238E27FC236}">
+                <a16:creationId xmlns:a16="http://schemas.microsoft.com/office/drawing/2014/main" id="{C4D0AFBE-76BA-88A1-8E7F-527A778D431B}"/>
+              </a:ext>
+            </a:extLst>
+          </p:cNvPr>
+          <p:cNvSpPr>
+            <a:spLocks noChangeArrowheads="1"/>
+          </p:cNvSpPr>
+          <p:nvPr/>
+        </p:nvSpPr>
+        <p:spPr bwMode="auto">
+          <a:xfrm>
+            <a:off x="1461670" y="4094616"/>
+            <a:ext cx="1397000" cy="276225"/>
+          </a:xfrm>
+          <a:prstGeom prst="rect">
+            <a:avLst/>
+          </a:prstGeom>
+          <a:noFill/>
+          <a:ln w="9525">
+            <a:noFill/>
+            <a:miter lim="800000"/>
+            <a:headEnd/>
+            <a:tailEnd/>
+          </a:ln>
+        </p:spPr>
+        <p:txBody>
+          <a:bodyPr>
+            <a:prstTxWarp prst="textNoShape">
+              <a:avLst/>
+            </a:prstTxWarp>
+            <a:spAutoFit/>
+          </a:bodyPr>
+          <a:lstStyle/>
+          <a:p>
+            <a:r>
+              <a:rPr lang="en-US" sz="1200" dirty="0">
+                <a:latin typeface="Arial" charset="0"/>
+              </a:rPr>
+              <a:t>Axon:</a:t>
+            </a:r>
+          </a:p>
+        </p:txBody>
+      </p:sp>
+      <p:sp>
+        <p:nvSpPr>
+          <p:cNvPr id="25" name="Rectangle 26">
+            <a:extLst>
+              <a:ext uri="{FF2B5EF4-FFF2-40B4-BE49-F238E27FC236}">
+                <a16:creationId xmlns:a16="http://schemas.microsoft.com/office/drawing/2014/main" id="{250B7943-479D-AE7D-BCFD-6F7A434EDE3D}"/>
+              </a:ext>
+            </a:extLst>
+          </p:cNvPr>
+          <p:cNvSpPr>
+            <a:spLocks noChangeArrowheads="1"/>
+          </p:cNvSpPr>
+          <p:nvPr/>
+        </p:nvSpPr>
+        <p:spPr bwMode="auto">
+          <a:xfrm>
+            <a:off x="1537870" y="4356554"/>
+            <a:ext cx="1335088" cy="277812"/>
+          </a:xfrm>
+          <a:prstGeom prst="rect">
+            <a:avLst/>
+          </a:prstGeom>
+          <a:noFill/>
+          <a:ln w="9525">
+            <a:noFill/>
+            <a:miter lim="800000"/>
+            <a:headEnd/>
+            <a:tailEnd/>
+          </a:ln>
+        </p:spPr>
+        <p:txBody>
+          <a:bodyPr>
+            <a:prstTxWarp prst="textNoShape">
+              <a:avLst/>
+            </a:prstTxWarp>
+            <a:spAutoFit/>
+          </a:bodyPr>
+          <a:lstStyle/>
+          <a:p>
+            <a:r>
+              <a:rPr lang="en-US" sz="1200" dirty="0">
+                <a:latin typeface="Arial" charset="0"/>
+              </a:rPr>
+              <a:t>Axoplasm</a:t>
+            </a:r>
+          </a:p>
+        </p:txBody>
+      </p:sp>
+      <p:sp>
+        <p:nvSpPr>
+          <p:cNvPr id="26" name="Rectangle 27">
+            <a:extLst>
+              <a:ext uri="{FF2B5EF4-FFF2-40B4-BE49-F238E27FC236}">
+                <a16:creationId xmlns:a16="http://schemas.microsoft.com/office/drawing/2014/main" id="{C0D1D022-735A-1087-5064-124164421C63}"/>
+              </a:ext>
+            </a:extLst>
+          </p:cNvPr>
+          <p:cNvSpPr>
+            <a:spLocks noChangeArrowheads="1"/>
+          </p:cNvSpPr>
+          <p:nvPr/>
+        </p:nvSpPr>
+        <p:spPr bwMode="auto">
+          <a:xfrm>
+            <a:off x="1537870" y="4610554"/>
+            <a:ext cx="1335088" cy="277812"/>
+          </a:xfrm>
+          <a:prstGeom prst="rect">
+            <a:avLst/>
+          </a:prstGeom>
+          <a:noFill/>
+          <a:ln w="9525">
+            <a:noFill/>
+            <a:miter lim="800000"/>
+            <a:headEnd/>
+            <a:tailEnd/>
+          </a:ln>
+        </p:spPr>
+        <p:txBody>
+          <a:bodyPr>
+            <a:prstTxWarp prst="textNoShape">
+              <a:avLst/>
+            </a:prstTxWarp>
+            <a:spAutoFit/>
+          </a:bodyPr>
+          <a:lstStyle/>
+          <a:p>
+            <a:r>
+              <a:rPr lang="en-US" sz="1200" dirty="0">
+                <a:latin typeface="Arial" charset="0"/>
+              </a:rPr>
+              <a:t>Axolemma</a:t>
+            </a:r>
+          </a:p>
+        </p:txBody>
+      </p:sp>
+      <p:sp>
+        <p:nvSpPr>
+          <p:cNvPr id="27" name="Rectangle 28">
+            <a:extLst>
+              <a:ext uri="{FF2B5EF4-FFF2-40B4-BE49-F238E27FC236}">
+                <a16:creationId xmlns:a16="http://schemas.microsoft.com/office/drawing/2014/main" id="{E81DB94E-C43E-9FA5-FB83-E68C2CA62B69}"/>
+              </a:ext>
+            </a:extLst>
+          </p:cNvPr>
+          <p:cNvSpPr>
+            <a:spLocks noChangeArrowheads="1"/>
+          </p:cNvSpPr>
+          <p:nvPr/>
+        </p:nvSpPr>
+        <p:spPr bwMode="auto">
+          <a:xfrm>
+            <a:off x="966725" y="5762847"/>
+            <a:ext cx="1660525" cy="276225"/>
+          </a:xfrm>
+          <a:prstGeom prst="rect">
+            <a:avLst/>
+          </a:prstGeom>
+          <a:noFill/>
+          <a:ln w="9525">
+            <a:noFill/>
+            <a:miter lim="800000"/>
+            <a:headEnd/>
+            <a:tailEnd/>
+          </a:ln>
+        </p:spPr>
+        <p:txBody>
+          <a:bodyPr>
+            <a:prstTxWarp prst="textNoShape">
+              <a:avLst/>
+            </a:prstTxWarp>
+            <a:spAutoFit/>
+          </a:bodyPr>
+          <a:lstStyle/>
+          <a:p>
+            <a:r>
+              <a:rPr lang="en-US" sz="1200" dirty="0">
+                <a:latin typeface="Arial" charset="0"/>
+              </a:rPr>
+              <a:t>Axon terminal</a:t>
+            </a:r>
+          </a:p>
+        </p:txBody>
+      </p:sp>
+      <p:sp>
+        <p:nvSpPr>
+          <p:cNvPr id="28" name="Rectangle 29">
+            <a:extLst>
+              <a:ext uri="{FF2B5EF4-FFF2-40B4-BE49-F238E27FC236}">
+                <a16:creationId xmlns:a16="http://schemas.microsoft.com/office/drawing/2014/main" id="{670234A8-F802-49EA-DE83-83CA5D776EC0}"/>
+              </a:ext>
+            </a:extLst>
+          </p:cNvPr>
+          <p:cNvSpPr>
+            <a:spLocks noChangeArrowheads="1"/>
+          </p:cNvSpPr>
+          <p:nvPr/>
+        </p:nvSpPr>
+        <p:spPr bwMode="auto">
+          <a:xfrm>
+            <a:off x="966725" y="6064472"/>
+            <a:ext cx="1660525" cy="276225"/>
+          </a:xfrm>
+          <a:prstGeom prst="rect">
+            <a:avLst/>
+          </a:prstGeom>
+          <a:noFill/>
+          <a:ln w="9525">
+            <a:noFill/>
+            <a:miter lim="800000"/>
+            <a:headEnd/>
+            <a:tailEnd/>
+          </a:ln>
+        </p:spPr>
+        <p:txBody>
+          <a:bodyPr>
+            <a:prstTxWarp prst="textNoShape">
+              <a:avLst/>
+            </a:prstTxWarp>
+            <a:spAutoFit/>
+          </a:bodyPr>
+          <a:lstStyle/>
+          <a:p>
+            <a:r>
+              <a:rPr lang="en-US" sz="1200" dirty="0">
+                <a:latin typeface="Arial" charset="0"/>
+              </a:rPr>
+              <a:t>Synaptic end bulb</a:t>
+            </a:r>
+          </a:p>
+        </p:txBody>
+      </p:sp>
+      <p:sp>
+        <p:nvSpPr>
+          <p:cNvPr id="29" name="Rectangle 30">
+            <a:extLst>
+              <a:ext uri="{FF2B5EF4-FFF2-40B4-BE49-F238E27FC236}">
+                <a16:creationId xmlns:a16="http://schemas.microsoft.com/office/drawing/2014/main" id="{E24BCDF0-783F-BF65-BCB9-E44373AC3E94}"/>
+              </a:ext>
+            </a:extLst>
+          </p:cNvPr>
+          <p:cNvSpPr>
+            <a:spLocks noChangeArrowheads="1"/>
+          </p:cNvSpPr>
+          <p:nvPr/>
+        </p:nvSpPr>
+        <p:spPr bwMode="auto">
+          <a:xfrm>
+            <a:off x="4006787" y="3829272"/>
+            <a:ext cx="1084263" cy="276225"/>
+          </a:xfrm>
+          <a:prstGeom prst="rect">
+            <a:avLst/>
+          </a:prstGeom>
+          <a:noFill/>
+          <a:ln w="9525">
+            <a:noFill/>
+            <a:miter lim="800000"/>
+            <a:headEnd/>
+            <a:tailEnd/>
+          </a:ln>
+        </p:spPr>
+        <p:txBody>
+          <a:bodyPr>
+            <a:prstTxWarp prst="textNoShape">
+              <a:avLst/>
+            </a:prstTxWarp>
+            <a:spAutoFit/>
+          </a:bodyPr>
+          <a:lstStyle/>
+          <a:p>
+            <a:r>
+              <a:rPr lang="en-US" sz="1200" dirty="0">
+                <a:latin typeface="Arial" charset="0"/>
+              </a:rPr>
+              <a:t>Neurofibril</a:t>
+            </a:r>
+          </a:p>
+        </p:txBody>
+      </p:sp>
+      <p:sp>
+        <p:nvSpPr>
+          <p:cNvPr id="32" name="Freeform 33">
+            <a:extLst>
+              <a:ext uri="{FF2B5EF4-FFF2-40B4-BE49-F238E27FC236}">
+                <a16:creationId xmlns:a16="http://schemas.microsoft.com/office/drawing/2014/main" id="{8802DB4A-3A41-7318-2807-6357493A5F17}"/>
+              </a:ext>
+            </a:extLst>
+          </p:cNvPr>
+          <p:cNvSpPr/>
+          <p:nvPr/>
+        </p:nvSpPr>
+        <p:spPr bwMode="auto">
+          <a:xfrm rot="688829">
+            <a:off x="4614714" y="1147973"/>
+            <a:ext cx="166998" cy="774844"/>
+          </a:xfrm>
+          <a:custGeom>
+            <a:avLst/>
+            <a:gdLst>
+              <a:gd name="connsiteX0" fmla="*/ 0 w 230188"/>
+              <a:gd name="connsiteY0" fmla="*/ 777875 h 777875"/>
+              <a:gd name="connsiteX1" fmla="*/ 230188 w 230188"/>
+              <a:gd name="connsiteY1" fmla="*/ 619125 h 777875"/>
+              <a:gd name="connsiteX2" fmla="*/ 190500 w 230188"/>
+              <a:gd name="connsiteY2" fmla="*/ 0 h 777875"/>
+            </a:gdLst>
+            <a:ahLst/>
+            <a:cxnLst>
+              <a:cxn ang="0">
+                <a:pos x="connsiteX0" y="connsiteY0"/>
+              </a:cxn>
+              <a:cxn ang="0">
+                <a:pos x="connsiteX1" y="connsiteY1"/>
+              </a:cxn>
+              <a:cxn ang="0">
+                <a:pos x="connsiteX2" y="connsiteY2"/>
+              </a:cxn>
+            </a:cxnLst>
+            <a:rect l="l" t="t" r="r" b="b"/>
+            <a:pathLst>
+              <a:path w="230188" h="777875">
+                <a:moveTo>
+                  <a:pt x="0" y="777875"/>
+                </a:moveTo>
+                <a:lnTo>
+                  <a:pt x="230188" y="619125"/>
+                </a:lnTo>
+                <a:lnTo>
+                  <a:pt x="190500" y="0"/>
+                </a:lnTo>
+              </a:path>
+            </a:pathLst>
+          </a:custGeom>
+          <a:noFill/>
+          <a:ln w="15875" cap="flat" cmpd="sng" algn="ctr">
+            <a:solidFill>
+              <a:schemeClr val="tx1"/>
+            </a:solidFill>
+            <a:prstDash val="solid"/>
+            <a:round/>
+            <a:headEnd type="none" w="med" len="med"/>
+            <a:tailEnd type="none" w="med" len="med"/>
+          </a:ln>
+          <a:effectLst>
+            <a:outerShdw blurRad="25400" dist="12700" dir="2700000">
+              <a:srgbClr val="FFFFFF"/>
+            </a:outerShdw>
+          </a:effectLst>
+        </p:spPr>
+        <p:txBody>
+          <a:bodyPr>
+            <a:prstTxWarp prst="textNoShape">
+              <a:avLst/>
+            </a:prstTxWarp>
+          </a:bodyPr>
+          <a:lstStyle/>
+          <a:p>
+            <a:pPr>
+              <a:defRPr/>
+            </a:pPr>
+            <a:endParaRPr lang="en-US" dirty="0">
+              <a:latin typeface="Arial" charset="0"/>
+            </a:endParaRPr>
+          </a:p>
+        </p:txBody>
+      </p:sp>
+      <p:cxnSp>
+        <p:nvCxnSpPr>
+          <p:cNvPr id="33" name="Straight Connector 32">
+            <a:extLst>
+              <a:ext uri="{FF2B5EF4-FFF2-40B4-BE49-F238E27FC236}">
+                <a16:creationId xmlns:a16="http://schemas.microsoft.com/office/drawing/2014/main" id="{E3BCF746-C829-39A3-E1FB-ADFD05C385F5}"/>
+              </a:ext>
+            </a:extLst>
+          </p:cNvPr>
+          <p:cNvCxnSpPr/>
+          <p:nvPr/>
+        </p:nvCxnSpPr>
+        <p:spPr bwMode="auto">
+          <a:xfrm flipH="1">
+            <a:off x="3133817" y="2432273"/>
+            <a:ext cx="293534" cy="209"/>
+          </a:xfrm>
+          <a:prstGeom prst="line">
+            <a:avLst/>
+          </a:prstGeom>
+          <a:solidFill>
+            <a:schemeClr val="accent1"/>
+          </a:solidFill>
+          <a:ln w="15875" cap="flat" cmpd="sng" algn="ctr">
+            <a:solidFill>
+              <a:schemeClr val="tx1"/>
+            </a:solidFill>
+            <a:prstDash val="solid"/>
+            <a:round/>
+            <a:headEnd type="none" w="med" len="med"/>
+            <a:tailEnd type="none" w="med" len="med"/>
+          </a:ln>
+          <a:effectLst>
+            <a:outerShdw blurRad="25400" dist="12700" dir="12000000">
+              <a:schemeClr val="bg1"/>
+            </a:outerShdw>
+          </a:effectLst>
+        </p:spPr>
+      </p:cxnSp>
+      <p:cxnSp>
+        <p:nvCxnSpPr>
+          <p:cNvPr id="36" name="Straight Connector 35">
+            <a:extLst>
+              <a:ext uri="{FF2B5EF4-FFF2-40B4-BE49-F238E27FC236}">
+                <a16:creationId xmlns:a16="http://schemas.microsoft.com/office/drawing/2014/main" id="{6E976311-FCEC-0678-CB8E-B0C5B42A81D5}"/>
+              </a:ext>
+            </a:extLst>
+          </p:cNvPr>
+          <p:cNvCxnSpPr/>
+          <p:nvPr/>
+        </p:nvCxnSpPr>
+        <p:spPr bwMode="auto">
+          <a:xfrm flipH="1" flipV="1">
+            <a:off x="5752730" y="1624614"/>
+            <a:ext cx="963392" cy="595987"/>
+          </a:xfrm>
+          <a:prstGeom prst="line">
+            <a:avLst/>
+          </a:prstGeom>
+          <a:solidFill>
+            <a:schemeClr val="accent1"/>
+          </a:solidFill>
+          <a:ln w="15875" cap="flat" cmpd="sng" algn="ctr">
+            <a:solidFill>
+              <a:schemeClr val="tx1"/>
+            </a:solidFill>
+            <a:prstDash val="solid"/>
+            <a:round/>
+            <a:headEnd type="none" w="med" len="med"/>
+            <a:tailEnd type="none" w="med" len="med"/>
+          </a:ln>
+          <a:effectLst>
+            <a:outerShdw blurRad="25400" dist="12700" dir="6060000">
+              <a:schemeClr val="bg1"/>
+            </a:outerShdw>
+          </a:effectLst>
+        </p:spPr>
+      </p:cxnSp>
+      <p:cxnSp>
+        <p:nvCxnSpPr>
+          <p:cNvPr id="38" name="Straight Connector 37">
+            <a:extLst>
+              <a:ext uri="{FF2B5EF4-FFF2-40B4-BE49-F238E27FC236}">
+                <a16:creationId xmlns:a16="http://schemas.microsoft.com/office/drawing/2014/main" id="{56916A6F-7E9C-0345-672F-D7C4E15E6288}"/>
+              </a:ext>
+            </a:extLst>
+          </p:cNvPr>
+          <p:cNvCxnSpPr/>
+          <p:nvPr/>
+        </p:nvCxnSpPr>
+        <p:spPr bwMode="auto">
+          <a:xfrm flipH="1" flipV="1">
+            <a:off x="3036163" y="2982897"/>
+            <a:ext cx="328474" cy="79899"/>
+          </a:xfrm>
+          <a:prstGeom prst="line">
+            <a:avLst/>
+          </a:prstGeom>
+          <a:solidFill>
+            <a:schemeClr val="accent1"/>
+          </a:solidFill>
+          <a:ln w="15875" cap="flat" cmpd="sng" algn="ctr">
+            <a:solidFill>
+              <a:schemeClr val="tx1"/>
+            </a:solidFill>
+            <a:prstDash val="solid"/>
+            <a:round/>
+            <a:headEnd type="none" w="med" len="med"/>
+            <a:tailEnd type="none" w="med" len="med"/>
+          </a:ln>
+          <a:effectLst>
+            <a:outerShdw blurRad="25400" dist="12700" dir="16200000">
+              <a:schemeClr val="bg1"/>
+            </a:outerShdw>
+          </a:effectLst>
+        </p:spPr>
+      </p:cxnSp>
+      <p:grpSp>
+        <p:nvGrpSpPr>
+          <p:cNvPr id="39" name="Group 52">
+            <a:extLst>
+              <a:ext uri="{FF2B5EF4-FFF2-40B4-BE49-F238E27FC236}">
+                <a16:creationId xmlns:a16="http://schemas.microsoft.com/office/drawing/2014/main" id="{7C4B820D-65EF-BBA3-F8AF-4B23FD415EFE}"/>
+              </a:ext>
+            </a:extLst>
+          </p:cNvPr>
+          <p:cNvGrpSpPr/>
+          <p:nvPr/>
+        </p:nvGrpSpPr>
+        <p:grpSpPr>
+          <a:xfrm>
+            <a:off x="2929633" y="3163182"/>
+            <a:ext cx="452761" cy="139300"/>
+            <a:chOff x="2864404" y="3047500"/>
+            <a:chExt cx="555481" cy="104096"/>
+          </a:xfrm>
+          <a:effectLst>
+            <a:outerShdw blurRad="25400" dist="12700" dir="2700000">
+              <a:srgbClr val="FFFFFF"/>
+            </a:outerShdw>
+          </a:effectLst>
+        </p:grpSpPr>
+        <p:cxnSp>
+          <p:nvCxnSpPr>
+            <p:cNvPr id="40" name="Straight Connector 39">
+              <a:extLst>
+                <a:ext uri="{FF2B5EF4-FFF2-40B4-BE49-F238E27FC236}">
+                  <a16:creationId xmlns:a16="http://schemas.microsoft.com/office/drawing/2014/main" id="{D569CBB7-CE31-2D4C-C3FA-CB38D138C57D}"/>
+                </a:ext>
+              </a:extLst>
+            </p:cNvPr>
+            <p:cNvCxnSpPr>
+              <a:endCxn id="41" idx="2"/>
+            </p:cNvCxnSpPr>
+            <p:nvPr/>
+          </p:nvCxnSpPr>
+          <p:spPr bwMode="auto">
+            <a:xfrm flipH="1" flipV="1">
+              <a:off x="2974651" y="3110041"/>
+              <a:ext cx="445234" cy="41555"/>
+            </a:xfrm>
+            <a:prstGeom prst="line">
+              <a:avLst/>
+            </a:prstGeom>
+            <a:solidFill>
+              <a:schemeClr val="accent1"/>
+            </a:solidFill>
+            <a:ln w="15875" cap="flat" cmpd="sng" algn="ctr">
+              <a:solidFill>
+                <a:schemeClr val="tx1"/>
+              </a:solidFill>
+              <a:prstDash val="solid"/>
+              <a:round/>
+              <a:headEnd type="none" w="med" len="med"/>
+              <a:tailEnd type="none" w="med" len="med"/>
+            </a:ln>
+            <a:effectLst>
+              <a:outerShdw blurRad="25400" dist="12700" dir="16200000">
+                <a:schemeClr val="bg1"/>
+              </a:outerShdw>
+            </a:effectLst>
+          </p:spPr>
+        </p:cxnSp>
+        <p:sp>
+          <p:nvSpPr>
+            <p:cNvPr id="41" name="Right Bracket 40">
+              <a:extLst>
+                <a:ext uri="{FF2B5EF4-FFF2-40B4-BE49-F238E27FC236}">
+                  <a16:creationId xmlns:a16="http://schemas.microsoft.com/office/drawing/2014/main" id="{C783DCC1-E5EF-F5ED-049F-4AED6663B672}"/>
+                </a:ext>
+              </a:extLst>
+            </p:cNvPr>
+            <p:cNvSpPr/>
+            <p:nvPr/>
+          </p:nvSpPr>
+          <p:spPr bwMode="auto">
+            <a:xfrm rot="4260373">
+              <a:off x="2925328" y="2986576"/>
+              <a:ext cx="64292" cy="186139"/>
+            </a:xfrm>
+            <a:prstGeom prst="rightBracket">
+              <a:avLst/>
+            </a:prstGeom>
+            <a:noFill/>
+            <a:ln w="15875" cap="flat" cmpd="sng" algn="ctr">
+              <a:solidFill>
+                <a:schemeClr val="tx1"/>
+              </a:solidFill>
+              <a:prstDash val="solid"/>
+              <a:round/>
+              <a:headEnd type="none" w="med" len="med"/>
+              <a:tailEnd type="none" w="med" len="med"/>
+            </a:ln>
+            <a:effectLst/>
+          </p:spPr>
+          <p:txBody>
+            <a:bodyPr>
+              <a:prstTxWarp prst="textNoShape">
+                <a:avLst/>
+              </a:prstTxWarp>
+            </a:bodyPr>
+            <a:lstStyle/>
+            <a:p>
+              <a:pPr>
+                <a:defRPr/>
+              </a:pPr>
+              <a:endParaRPr lang="en-US" dirty="0">
+                <a:latin typeface="Arial" charset="0"/>
+              </a:endParaRPr>
+            </a:p>
+          </p:txBody>
+        </p:sp>
+      </p:grpSp>
+      <p:cxnSp>
+        <p:nvCxnSpPr>
+          <p:cNvPr id="42" name="Straight Connector 41">
+            <a:extLst>
+              <a:ext uri="{FF2B5EF4-FFF2-40B4-BE49-F238E27FC236}">
+                <a16:creationId xmlns:a16="http://schemas.microsoft.com/office/drawing/2014/main" id="{7D6AAEA8-F19D-00CB-05E4-DB02E5A93851}"/>
+              </a:ext>
+            </a:extLst>
+          </p:cNvPr>
+          <p:cNvCxnSpPr/>
+          <p:nvPr/>
+        </p:nvCxnSpPr>
+        <p:spPr bwMode="auto">
+          <a:xfrm flipH="1">
+            <a:off x="3222594" y="3505006"/>
+            <a:ext cx="170006" cy="19429"/>
+          </a:xfrm>
+          <a:prstGeom prst="line">
+            <a:avLst/>
+          </a:prstGeom>
+          <a:solidFill>
+            <a:schemeClr val="accent1"/>
+          </a:solidFill>
+          <a:ln w="15875" cap="flat" cmpd="sng" algn="ctr">
+            <a:solidFill>
+              <a:schemeClr val="tx1"/>
+            </a:solidFill>
+            <a:prstDash val="solid"/>
+            <a:round/>
+            <a:headEnd type="none" w="med" len="med"/>
+            <a:tailEnd type="none" w="med" len="med"/>
+          </a:ln>
+          <a:effectLst>
+            <a:outerShdw blurRad="25400" dist="12700" dir="12000000">
+              <a:schemeClr val="bg1"/>
+            </a:outerShdw>
+          </a:effectLst>
+        </p:spPr>
+      </p:cxnSp>
+      <p:cxnSp>
+        <p:nvCxnSpPr>
+          <p:cNvPr id="43" name="Straight Connector 42">
+            <a:extLst>
+              <a:ext uri="{FF2B5EF4-FFF2-40B4-BE49-F238E27FC236}">
+                <a16:creationId xmlns:a16="http://schemas.microsoft.com/office/drawing/2014/main" id="{C76455A5-0B83-3C82-ECE9-29D85240350B}"/>
+              </a:ext>
+            </a:extLst>
+          </p:cNvPr>
+          <p:cNvCxnSpPr/>
+          <p:nvPr/>
+        </p:nvCxnSpPr>
+        <p:spPr bwMode="auto">
+          <a:xfrm flipH="1">
+            <a:off x="3258105" y="3734021"/>
+            <a:ext cx="298891" cy="154398"/>
+          </a:xfrm>
+          <a:prstGeom prst="line">
+            <a:avLst/>
+          </a:prstGeom>
+          <a:solidFill>
+            <a:schemeClr val="accent1"/>
+          </a:solidFill>
+          <a:ln w="15875" cap="flat" cmpd="sng" algn="ctr">
+            <a:solidFill>
+              <a:schemeClr val="tx1"/>
+            </a:solidFill>
+            <a:prstDash val="solid"/>
+            <a:round/>
+            <a:headEnd type="none" w="med" len="med"/>
+            <a:tailEnd type="none" w="med" len="med"/>
+          </a:ln>
+          <a:effectLst>
+            <a:outerShdw blurRad="25400" dist="12700" dir="12000000">
+              <a:schemeClr val="bg1"/>
+            </a:outerShdw>
+          </a:effectLst>
+        </p:spPr>
+      </p:cxnSp>
+      <p:cxnSp>
+        <p:nvCxnSpPr>
+          <p:cNvPr id="44" name="Straight Connector 43">
+            <a:extLst>
+              <a:ext uri="{FF2B5EF4-FFF2-40B4-BE49-F238E27FC236}">
+                <a16:creationId xmlns:a16="http://schemas.microsoft.com/office/drawing/2014/main" id="{4DAA96F5-56C3-0694-7224-22036E2989D7}"/>
+              </a:ext>
+            </a:extLst>
+          </p:cNvPr>
+          <p:cNvCxnSpPr/>
+          <p:nvPr/>
+        </p:nvCxnSpPr>
+        <p:spPr bwMode="auto">
+          <a:xfrm rot="10800000" flipV="1">
+            <a:off x="3439758" y="4015596"/>
+            <a:ext cx="582613" cy="255587"/>
+          </a:xfrm>
+          <a:prstGeom prst="line">
+            <a:avLst/>
+          </a:prstGeom>
+          <a:solidFill>
+            <a:schemeClr val="accent1"/>
+          </a:solidFill>
+          <a:ln w="15875" cap="flat" cmpd="sng" algn="ctr">
+            <a:solidFill>
+              <a:schemeClr val="tx1"/>
+            </a:solidFill>
+            <a:prstDash val="solid"/>
+            <a:round/>
+            <a:headEnd type="none" w="med" len="med"/>
+            <a:tailEnd type="none" w="med" len="med"/>
+          </a:ln>
+          <a:effectLst>
+            <a:outerShdw blurRad="25400" dist="12700" dir="12000000">
+              <a:schemeClr val="bg1"/>
+            </a:outerShdw>
+          </a:effectLst>
+        </p:spPr>
+      </p:cxnSp>
+      <p:cxnSp>
+        <p:nvCxnSpPr>
+          <p:cNvPr id="45" name="Straight Connector 44">
+            <a:extLst>
+              <a:ext uri="{FF2B5EF4-FFF2-40B4-BE49-F238E27FC236}">
+                <a16:creationId xmlns:a16="http://schemas.microsoft.com/office/drawing/2014/main" id="{3F9D54A1-5474-DA3C-320E-3F34457C0FAF}"/>
+              </a:ext>
+            </a:extLst>
+          </p:cNvPr>
+          <p:cNvCxnSpPr/>
+          <p:nvPr/>
+        </p:nvCxnSpPr>
+        <p:spPr bwMode="auto">
+          <a:xfrm rot="10800000" flipV="1">
+            <a:off x="2344321" y="4393066"/>
+            <a:ext cx="1284288" cy="112713"/>
+          </a:xfrm>
+          <a:prstGeom prst="line">
+            <a:avLst/>
+          </a:prstGeom>
+          <a:solidFill>
+            <a:schemeClr val="accent1"/>
+          </a:solidFill>
+          <a:ln w="15875" cap="flat" cmpd="sng" algn="ctr">
+            <a:solidFill>
+              <a:schemeClr val="tx1"/>
+            </a:solidFill>
+            <a:prstDash val="solid"/>
+            <a:round/>
+            <a:headEnd type="none" w="med" len="med"/>
+            <a:tailEnd type="none" w="med" len="med"/>
+          </a:ln>
+          <a:effectLst>
+            <a:outerShdw blurRad="25400" dist="12700" dir="5820000">
+              <a:schemeClr val="bg1"/>
+            </a:outerShdw>
+          </a:effectLst>
+        </p:spPr>
+      </p:cxnSp>
+      <p:cxnSp>
+        <p:nvCxnSpPr>
+          <p:cNvPr id="46" name="Straight Connector 45">
+            <a:extLst>
+              <a:ext uri="{FF2B5EF4-FFF2-40B4-BE49-F238E27FC236}">
+                <a16:creationId xmlns:a16="http://schemas.microsoft.com/office/drawing/2014/main" id="{44F620E2-0D38-8BB2-F4E9-7F6671A593BC}"/>
+              </a:ext>
+            </a:extLst>
+          </p:cNvPr>
+          <p:cNvCxnSpPr/>
+          <p:nvPr/>
+        </p:nvCxnSpPr>
+        <p:spPr bwMode="auto">
+          <a:xfrm rot="10800000" flipV="1">
+            <a:off x="2364958" y="4535941"/>
+            <a:ext cx="1325562" cy="241300"/>
+          </a:xfrm>
+          <a:prstGeom prst="line">
+            <a:avLst/>
+          </a:prstGeom>
+          <a:solidFill>
+            <a:schemeClr val="accent1"/>
+          </a:solidFill>
+          <a:ln w="15875" cap="flat" cmpd="sng" algn="ctr">
+            <a:solidFill>
+              <a:schemeClr val="tx1"/>
+            </a:solidFill>
+            <a:prstDash val="solid"/>
+            <a:round/>
+            <a:headEnd type="none" w="med" len="med"/>
+            <a:tailEnd type="none" w="med" len="med"/>
+          </a:ln>
+          <a:effectLst>
+            <a:outerShdw blurRad="25400" dist="12700" dir="5820000">
+              <a:schemeClr val="bg1"/>
+            </a:outerShdw>
+          </a:effectLst>
+        </p:spPr>
+      </p:cxnSp>
+      <p:cxnSp>
+        <p:nvCxnSpPr>
+          <p:cNvPr id="47" name="Straight Connector 46">
+            <a:extLst>
+              <a:ext uri="{FF2B5EF4-FFF2-40B4-BE49-F238E27FC236}">
+                <a16:creationId xmlns:a16="http://schemas.microsoft.com/office/drawing/2014/main" id="{F2E6249A-1AD3-C45D-D3AB-A99FC7758A55}"/>
+              </a:ext>
+            </a:extLst>
+          </p:cNvPr>
+          <p:cNvCxnSpPr/>
+          <p:nvPr/>
+        </p:nvCxnSpPr>
+        <p:spPr bwMode="auto">
+          <a:xfrm flipH="1" flipV="1">
+            <a:off x="2059619" y="5930283"/>
+            <a:ext cx="1072456" cy="131015"/>
+          </a:xfrm>
+          <a:prstGeom prst="line">
+            <a:avLst/>
+          </a:prstGeom>
+          <a:solidFill>
+            <a:schemeClr val="accent1"/>
+          </a:solidFill>
+          <a:ln w="15875" cap="flat" cmpd="sng" algn="ctr">
+            <a:solidFill>
+              <a:schemeClr val="tx1"/>
+            </a:solidFill>
+            <a:prstDash val="solid"/>
+            <a:round/>
+            <a:headEnd type="none" w="med" len="med"/>
+            <a:tailEnd type="none" w="med" len="med"/>
+          </a:ln>
+          <a:effectLst>
+            <a:outerShdw blurRad="25400" dist="12700" dir="5820000">
+              <a:schemeClr val="bg1"/>
+            </a:outerShdw>
+          </a:effectLst>
+        </p:spPr>
+      </p:cxnSp>
+      <p:cxnSp>
+        <p:nvCxnSpPr>
+          <p:cNvPr id="48" name="Straight Connector 47">
+            <a:extLst>
+              <a:ext uri="{FF2B5EF4-FFF2-40B4-BE49-F238E27FC236}">
+                <a16:creationId xmlns:a16="http://schemas.microsoft.com/office/drawing/2014/main" id="{5EF18529-2395-5F61-215E-E76805FBF092}"/>
+              </a:ext>
+            </a:extLst>
+          </p:cNvPr>
+          <p:cNvCxnSpPr/>
+          <p:nvPr/>
+        </p:nvCxnSpPr>
+        <p:spPr bwMode="auto">
+          <a:xfrm flipH="1" flipV="1">
+            <a:off x="2332730" y="6228634"/>
+            <a:ext cx="712311" cy="65634"/>
+          </a:xfrm>
+          <a:prstGeom prst="line">
+            <a:avLst/>
+          </a:prstGeom>
+          <a:solidFill>
+            <a:schemeClr val="accent1"/>
+          </a:solidFill>
+          <a:ln w="15875" cap="flat" cmpd="sng" algn="ctr">
+            <a:solidFill>
+              <a:schemeClr val="tx1"/>
+            </a:solidFill>
+            <a:prstDash val="solid"/>
+            <a:round/>
+            <a:headEnd type="none" w="med" len="med"/>
+            <a:tailEnd type="none" w="med" len="med"/>
+          </a:ln>
+          <a:effectLst>
+            <a:outerShdw blurRad="25400" dist="12700" dir="5820000">
+              <a:schemeClr val="bg1"/>
+            </a:outerShdw>
+          </a:effectLst>
+        </p:spPr>
+      </p:cxnSp>
+      <p:cxnSp>
+        <p:nvCxnSpPr>
+          <p:cNvPr id="49" name="Straight Connector 48">
+            <a:extLst>
+              <a:ext uri="{FF2B5EF4-FFF2-40B4-BE49-F238E27FC236}">
+                <a16:creationId xmlns:a16="http://schemas.microsoft.com/office/drawing/2014/main" id="{B00B40A3-7BF9-6C3C-CA78-F918072FAB52}"/>
+              </a:ext>
+            </a:extLst>
+          </p:cNvPr>
+          <p:cNvCxnSpPr/>
+          <p:nvPr/>
+        </p:nvCxnSpPr>
+        <p:spPr bwMode="auto">
+          <a:xfrm rot="10800000">
+            <a:off x="2014476" y="3243485"/>
+            <a:ext cx="398462" cy="25400"/>
+          </a:xfrm>
+          <a:prstGeom prst="line">
+            <a:avLst/>
+          </a:prstGeom>
+          <a:solidFill>
+            <a:schemeClr val="accent1"/>
+          </a:solidFill>
+          <a:ln w="15875" cap="flat" cmpd="sng" algn="ctr">
+            <a:solidFill>
+              <a:schemeClr val="tx1"/>
+            </a:solidFill>
+            <a:prstDash val="solid"/>
+            <a:round/>
+            <a:headEnd type="none" w="med" len="med"/>
+            <a:tailEnd type="none" w="med" len="med"/>
+          </a:ln>
+          <a:effectLst>
+            <a:outerShdw blurRad="25400" dist="12700" dir="5820000">
+              <a:schemeClr val="bg1"/>
+            </a:outerShdw>
+          </a:effectLst>
+        </p:spPr>
+      </p:cxnSp>
+      <p:cxnSp>
+        <p:nvCxnSpPr>
+          <p:cNvPr id="50" name="Straight Connector 49">
+            <a:extLst>
+              <a:ext uri="{FF2B5EF4-FFF2-40B4-BE49-F238E27FC236}">
+                <a16:creationId xmlns:a16="http://schemas.microsoft.com/office/drawing/2014/main" id="{3B677BBA-8204-5A05-748A-06B3326BC252}"/>
+              </a:ext>
+            </a:extLst>
+          </p:cNvPr>
+          <p:cNvCxnSpPr/>
+          <p:nvPr/>
+        </p:nvCxnSpPr>
+        <p:spPr bwMode="auto">
+          <a:xfrm rot="10800000" flipV="1">
+            <a:off x="2233550" y="2167160"/>
+            <a:ext cx="763587" cy="0"/>
+          </a:xfrm>
+          <a:prstGeom prst="line">
+            <a:avLst/>
+          </a:prstGeom>
+          <a:solidFill>
+            <a:schemeClr val="accent1"/>
+          </a:solidFill>
+          <a:ln w="15875" cap="flat" cmpd="sng" algn="ctr">
+            <a:solidFill>
+              <a:schemeClr val="tx1"/>
+            </a:solidFill>
+            <a:prstDash val="solid"/>
+            <a:round/>
+            <a:headEnd type="none" w="med" len="med"/>
+            <a:tailEnd type="none" w="med" len="med"/>
+          </a:ln>
+          <a:effectLst>
+            <a:outerShdw blurRad="25400" dist="12700" dir="5820000">
+              <a:schemeClr val="bg1"/>
+            </a:outerShdw>
+          </a:effectLst>
+        </p:spPr>
+      </p:cxnSp>
+      <p:cxnSp>
+        <p:nvCxnSpPr>
+          <p:cNvPr id="51" name="Straight Connector 50">
+            <a:extLst>
+              <a:ext uri="{FF2B5EF4-FFF2-40B4-BE49-F238E27FC236}">
+                <a16:creationId xmlns:a16="http://schemas.microsoft.com/office/drawing/2014/main" id="{2AEAEA98-22E2-D008-10CA-78D5100A6534}"/>
+              </a:ext>
+            </a:extLst>
+          </p:cNvPr>
+          <p:cNvCxnSpPr/>
+          <p:nvPr/>
+        </p:nvCxnSpPr>
+        <p:spPr bwMode="auto">
+          <a:xfrm rot="10800000">
+            <a:off x="2682289" y="1338654"/>
+            <a:ext cx="889000" cy="1588"/>
+          </a:xfrm>
+          <a:prstGeom prst="line">
+            <a:avLst/>
+          </a:prstGeom>
+          <a:solidFill>
+            <a:schemeClr val="accent1"/>
+          </a:solidFill>
+          <a:ln w="15875" cap="flat" cmpd="sng" algn="ctr">
+            <a:solidFill>
+              <a:schemeClr val="tx1"/>
+            </a:solidFill>
+            <a:prstDash val="solid"/>
+            <a:round/>
+            <a:headEnd type="none" w="med" len="med"/>
+            <a:tailEnd type="none" w="med" len="med"/>
+          </a:ln>
+          <a:effectLst>
+            <a:outerShdw blurRad="25400" dist="12700" dir="5820000">
+              <a:schemeClr val="bg1"/>
+            </a:outerShdw>
+          </a:effectLst>
+        </p:spPr>
+      </p:cxnSp>
+      <p:sp>
+        <p:nvSpPr>
+          <p:cNvPr id="52" name="Rectangle 51">
+            <a:extLst>
+              <a:ext uri="{FF2B5EF4-FFF2-40B4-BE49-F238E27FC236}">
+                <a16:creationId xmlns:a16="http://schemas.microsoft.com/office/drawing/2014/main" id="{FDA88849-2BAD-7012-CDDA-A11072F6E6AC}"/>
+              </a:ext>
+            </a:extLst>
+          </p:cNvPr>
+          <p:cNvSpPr>
+            <a:spLocks noChangeArrowheads="1"/>
+          </p:cNvSpPr>
+          <p:nvPr/>
+        </p:nvSpPr>
+        <p:spPr bwMode="auto">
+          <a:xfrm>
+            <a:off x="5695887" y="3394297"/>
+            <a:ext cx="46038" cy="388938"/>
+          </a:xfrm>
+          <a:prstGeom prst="rect">
+            <a:avLst/>
+          </a:prstGeom>
+          <a:solidFill>
+            <a:srgbClr val="FFFFFF"/>
+          </a:solidFill>
+          <a:ln w="9525">
+            <a:noFill/>
+            <a:round/>
+            <a:headEnd/>
+            <a:tailEnd/>
+          </a:ln>
+        </p:spPr>
+        <p:txBody>
+          <a:bodyPr>
+            <a:prstTxWarp prst="textNoShape">
+              <a:avLst/>
+            </a:prstTxWarp>
+          </a:bodyPr>
+          <a:lstStyle/>
+          <a:p>
+            <a:endParaRPr lang="en-US" dirty="0">
+              <a:latin typeface="Arial" charset="0"/>
+            </a:endParaRPr>
+          </a:p>
+        </p:txBody>
+      </p:sp>
+      <p:cxnSp>
+        <p:nvCxnSpPr>
+          <p:cNvPr id="53" name="Straight Connector 52">
+            <a:extLst>
+              <a:ext uri="{FF2B5EF4-FFF2-40B4-BE49-F238E27FC236}">
+                <a16:creationId xmlns:a16="http://schemas.microsoft.com/office/drawing/2014/main" id="{D5AC5B89-57D1-25D8-5595-14023AE4C4DC}"/>
+              </a:ext>
+            </a:extLst>
+          </p:cNvPr>
+          <p:cNvCxnSpPr>
+            <a:cxnSpLocks noChangeShapeType="1"/>
+          </p:cNvCxnSpPr>
+          <p:nvPr/>
+        </p:nvCxnSpPr>
+        <p:spPr bwMode="auto">
+          <a:xfrm rot="16200000" flipH="1">
+            <a:off x="5529200" y="3610197"/>
+            <a:ext cx="347662" cy="1588"/>
+          </a:xfrm>
+          <a:prstGeom prst="line">
+            <a:avLst/>
+          </a:prstGeom>
+          <a:noFill/>
+          <a:ln w="12700">
+            <a:solidFill>
+              <a:schemeClr val="tx1"/>
+            </a:solidFill>
+            <a:round/>
+            <a:headEnd/>
+            <a:tailEnd/>
+          </a:ln>
+        </p:spPr>
+      </p:cxnSp>
+      <p:cxnSp>
+        <p:nvCxnSpPr>
+          <p:cNvPr id="54" name="Straight Connector 56">
+            <a:extLst>
+              <a:ext uri="{FF2B5EF4-FFF2-40B4-BE49-F238E27FC236}">
+                <a16:creationId xmlns:a16="http://schemas.microsoft.com/office/drawing/2014/main" id="{FD4D8C5F-5CE8-FC18-404C-E21A79EE0A79}"/>
+              </a:ext>
+            </a:extLst>
+          </p:cNvPr>
+          <p:cNvCxnSpPr>
+            <a:cxnSpLocks noChangeShapeType="1"/>
+          </p:cNvCxnSpPr>
+          <p:nvPr/>
+        </p:nvCxnSpPr>
+        <p:spPr bwMode="auto">
+          <a:xfrm rot="16200000" flipH="1">
+            <a:off x="5570475" y="3610197"/>
+            <a:ext cx="347662" cy="1588"/>
+          </a:xfrm>
+          <a:prstGeom prst="line">
+            <a:avLst/>
+          </a:prstGeom>
+          <a:noFill/>
+          <a:ln w="12700">
+            <a:solidFill>
+              <a:schemeClr val="tx1"/>
+            </a:solidFill>
+            <a:round/>
+            <a:headEnd/>
+            <a:tailEnd/>
+          </a:ln>
+        </p:spPr>
+      </p:cxnSp>
+      <p:sp>
+        <p:nvSpPr>
+          <p:cNvPr id="56" name="Freeform 2">
+            <a:extLst>
+              <a:ext uri="{FF2B5EF4-FFF2-40B4-BE49-F238E27FC236}">
+                <a16:creationId xmlns:a16="http://schemas.microsoft.com/office/drawing/2014/main" id="{F0077959-2462-EB51-00B0-DD759585C20C}"/>
+              </a:ext>
+            </a:extLst>
+          </p:cNvPr>
+          <p:cNvSpPr/>
+          <p:nvPr/>
+        </p:nvSpPr>
+        <p:spPr bwMode="auto">
+          <a:xfrm>
+            <a:off x="4864963" y="488272"/>
+            <a:ext cx="834501" cy="523782"/>
+          </a:xfrm>
+          <a:custGeom>
+            <a:avLst/>
+            <a:gdLst>
+              <a:gd name="connsiteX0" fmla="*/ 834501 w 834501"/>
+              <a:gd name="connsiteY0" fmla="*/ 435006 h 523782"/>
+              <a:gd name="connsiteX1" fmla="*/ 0 w 834501"/>
+              <a:gd name="connsiteY1" fmla="*/ 0 h 523782"/>
+              <a:gd name="connsiteX2" fmla="*/ 648070 w 834501"/>
+              <a:gd name="connsiteY2" fmla="*/ 523782 h 523782"/>
+              <a:gd name="connsiteX3" fmla="*/ 648070 w 834501"/>
+              <a:gd name="connsiteY3" fmla="*/ 523782 h 523782"/>
+            </a:gdLst>
+            <a:ahLst/>
+            <a:cxnLst>
+              <a:cxn ang="0">
+                <a:pos x="connsiteX0" y="connsiteY0"/>
+              </a:cxn>
+              <a:cxn ang="0">
+                <a:pos x="connsiteX1" y="connsiteY1"/>
+              </a:cxn>
+              <a:cxn ang="0">
+                <a:pos x="connsiteX2" y="connsiteY2"/>
+              </a:cxn>
+              <a:cxn ang="0">
+                <a:pos x="connsiteX3" y="connsiteY3"/>
+              </a:cxn>
+            </a:cxnLst>
+            <a:rect l="l" t="t" r="r" b="b"/>
+            <a:pathLst>
+              <a:path w="834501" h="523782">
+                <a:moveTo>
+                  <a:pt x="834501" y="435006"/>
+                </a:moveTo>
+                <a:lnTo>
+                  <a:pt x="0" y="0"/>
+                </a:lnTo>
+                <a:lnTo>
+                  <a:pt x="648070" y="523782"/>
+                </a:lnTo>
+                <a:lnTo>
+                  <a:pt x="648070" y="523782"/>
+                </a:lnTo>
+              </a:path>
+            </a:pathLst>
+          </a:custGeom>
+          <a:noFill/>
+          <a:ln w="15875" cap="flat" cmpd="sng" algn="ctr">
+            <a:solidFill>
+              <a:schemeClr val="tx1"/>
+            </a:solidFill>
+            <a:prstDash val="solid"/>
+            <a:round/>
+            <a:headEnd type="none" w="med" len="med"/>
+            <a:tailEnd type="none" w="med" len="med"/>
+          </a:ln>
+          <a:effectLst/>
+        </p:spPr>
+        <p:txBody>
+          <a:bodyPr vert="horz" wrap="square" lIns="91440" tIns="45720" rIns="91440" bIns="45720" numCol="1" rtlCol="0" anchor="t" anchorCtr="0" compatLnSpc="1">
+            <a:prstTxWarp prst="textNoShape">
+              <a:avLst/>
+            </a:prstTxWarp>
+          </a:bodyPr>
+          <a:lstStyle/>
+          <a:p>
+            <a:pPr marL="0" marR="0" indent="0" algn="l" defTabSz="914400" rtl="0" eaLnBrk="0" fontAlgn="base" latinLnBrk="0" hangingPunct="0">
+              <a:lnSpc>
+                <a:spcPct val="100000"/>
+              </a:lnSpc>
+              <a:spcBef>
+                <a:spcPct val="0"/>
+              </a:spcBef>
+              <a:spcAft>
+                <a:spcPct val="0"/>
+              </a:spcAft>
+              <a:buClrTx/>
+              <a:buSzTx/>
+              <a:buFontTx/>
+              <a:buNone/>
+              <a:tabLst/>
+            </a:pPr>
+            <a:endParaRPr kumimoji="0" lang="en-US" sz="2400" b="0" i="0" u="none" strike="noStrike" cap="none" normalizeH="0" baseline="0" dirty="0">
+              <a:ln>
+                <a:noFill/>
+              </a:ln>
+              <a:solidFill>
+                <a:schemeClr val="tx1"/>
+              </a:solidFill>
+              <a:effectLst/>
+              <a:latin typeface="Times" pitchFamily="-102" charset="0"/>
+            </a:endParaRPr>
+          </a:p>
+        </p:txBody>
+      </p:sp>
+      <p:sp>
+        <p:nvSpPr>
+          <p:cNvPr id="57" name="Rectangle 56">
+            <a:extLst>
+              <a:ext uri="{FF2B5EF4-FFF2-40B4-BE49-F238E27FC236}">
+                <a16:creationId xmlns:a16="http://schemas.microsoft.com/office/drawing/2014/main" id="{E27EEB33-B382-6CDE-0026-523FF04F8334}"/>
+              </a:ext>
+            </a:extLst>
+          </p:cNvPr>
+          <p:cNvSpPr>
+            <a:spLocks noChangeArrowheads="1"/>
+          </p:cNvSpPr>
+          <p:nvPr/>
+        </p:nvSpPr>
+        <p:spPr bwMode="auto">
+          <a:xfrm>
+            <a:off x="6250572" y="229871"/>
+            <a:ext cx="1153405" cy="276999"/>
+          </a:xfrm>
+          <a:prstGeom prst="rect">
+            <a:avLst/>
+          </a:prstGeom>
+          <a:noFill/>
+          <a:ln w="9525">
+            <a:noFill/>
+            <a:miter lim="800000"/>
+            <a:headEnd/>
+            <a:tailEnd/>
+          </a:ln>
+        </p:spPr>
+        <p:txBody>
+          <a:bodyPr wrap="square">
+            <a:prstTxWarp prst="textNoShape">
+              <a:avLst/>
+            </a:prstTxWarp>
+            <a:spAutoFit/>
+          </a:bodyPr>
+          <a:lstStyle/>
+          <a:p>
+            <a:r>
+              <a:rPr lang="en-US" sz="1200" dirty="0">
+                <a:latin typeface="Arial" charset="0"/>
+              </a:rPr>
+              <a:t>(small bumps)</a:t>
+            </a:r>
+          </a:p>
+        </p:txBody>
+      </p:sp>
+      <p:sp>
+        <p:nvSpPr>
+          <p:cNvPr id="58" name="Freeform 481">
+            <a:extLst>
+              <a:ext uri="{FF2B5EF4-FFF2-40B4-BE49-F238E27FC236}">
+                <a16:creationId xmlns:a16="http://schemas.microsoft.com/office/drawing/2014/main" id="{8115142E-740F-D46F-2CE4-B49F701984F7}"/>
+              </a:ext>
+            </a:extLst>
+          </p:cNvPr>
+          <p:cNvSpPr/>
+          <p:nvPr/>
+        </p:nvSpPr>
+        <p:spPr bwMode="auto">
+          <a:xfrm>
+            <a:off x="6356412" y="656948"/>
+            <a:ext cx="292963" cy="230819"/>
+          </a:xfrm>
+          <a:custGeom>
+            <a:avLst/>
+            <a:gdLst>
+              <a:gd name="connsiteX0" fmla="*/ 0 w 292963"/>
+              <a:gd name="connsiteY0" fmla="*/ 230819 h 230819"/>
+              <a:gd name="connsiteX1" fmla="*/ 177553 w 292963"/>
+              <a:gd name="connsiteY1" fmla="*/ 0 h 230819"/>
+              <a:gd name="connsiteX2" fmla="*/ 292963 w 292963"/>
+              <a:gd name="connsiteY2" fmla="*/ 230819 h 230819"/>
+            </a:gdLst>
+            <a:ahLst/>
+            <a:cxnLst>
+              <a:cxn ang="0">
+                <a:pos x="connsiteX0" y="connsiteY0"/>
+              </a:cxn>
+              <a:cxn ang="0">
+                <a:pos x="connsiteX1" y="connsiteY1"/>
+              </a:cxn>
+              <a:cxn ang="0">
+                <a:pos x="connsiteX2" y="connsiteY2"/>
+              </a:cxn>
+            </a:cxnLst>
+            <a:rect l="l" t="t" r="r" b="b"/>
+            <a:pathLst>
+              <a:path w="292963" h="230819">
+                <a:moveTo>
+                  <a:pt x="0" y="230819"/>
+                </a:moveTo>
+                <a:lnTo>
+                  <a:pt x="177553" y="0"/>
+                </a:lnTo>
+                <a:lnTo>
+                  <a:pt x="292963" y="230819"/>
+                </a:lnTo>
+              </a:path>
+            </a:pathLst>
+          </a:custGeom>
+          <a:noFill/>
+          <a:ln w="19050" cap="flat" cmpd="sng" algn="ctr">
+            <a:solidFill>
+              <a:schemeClr val="tx1"/>
+            </a:solidFill>
+            <a:prstDash val="solid"/>
+            <a:round/>
+            <a:headEnd type="none" w="med" len="med"/>
+            <a:tailEnd type="none" w="med" len="med"/>
+          </a:ln>
+          <a:effectLst/>
+        </p:spPr>
+        <p:txBody>
+          <a:bodyPr vert="horz" wrap="square" lIns="91440" tIns="45720" rIns="91440" bIns="45720" numCol="1" rtlCol="0" anchor="t" anchorCtr="0" compatLnSpc="1">
+            <a:prstTxWarp prst="textNoShape">
+              <a:avLst/>
+            </a:prstTxWarp>
+          </a:bodyPr>
+          <a:lstStyle/>
+          <a:p>
+            <a:pPr marL="0" marR="0" indent="0" algn="l" defTabSz="914400" rtl="0" eaLnBrk="0" fontAlgn="base" latinLnBrk="0" hangingPunct="0">
+              <a:lnSpc>
+                <a:spcPct val="100000"/>
+              </a:lnSpc>
+              <a:spcBef>
+                <a:spcPct val="0"/>
+              </a:spcBef>
+              <a:spcAft>
+                <a:spcPct val="0"/>
+              </a:spcAft>
+              <a:buClrTx/>
+              <a:buSzTx/>
+              <a:buFontTx/>
+              <a:buNone/>
+              <a:tabLst/>
+            </a:pPr>
+            <a:endParaRPr kumimoji="0" lang="en-US" sz="2400" b="0" i="0" u="none" strike="noStrike" cap="none" normalizeH="0" baseline="0" dirty="0">
+              <a:ln>
+                <a:noFill/>
+              </a:ln>
+              <a:solidFill>
+                <a:schemeClr val="tx1"/>
+              </a:solidFill>
+              <a:effectLst/>
+              <a:latin typeface="Times" pitchFamily="-102" charset="0"/>
+            </a:endParaRPr>
+          </a:p>
+        </p:txBody>
+      </p:sp>
+    </p:spTree>
+    <p:extLst>
+      <p:ext uri="{BB962C8B-B14F-4D97-AF65-F5344CB8AC3E}">
+        <p14:creationId xmlns:p14="http://schemas.microsoft.com/office/powerpoint/2010/main" val="2479929421"/>
+      </p:ext>
+    </p:extLst>
+  </p:cSld>
+  <p:clrMapOvr>
+    <a:masterClrMapping/>
+  </p:clrMapOvr>
+</p:sld>
+</file>
+
+<file path=ppt/slides/slide7.xml><?xml version="1.0" encoding="utf-8"?>
+<p:sld xmlns:a="http://schemas.openxmlformats.org/drawingml/2006/main" xmlns:r="http://schemas.openxmlformats.org/officeDocument/2006/relationships" xmlns:p="http://schemas.openxmlformats.org/presentationml/2006/main">
+  <p:cSld>
+    <p:spTree>
+      <p:nvGrpSpPr>
+        <p:cNvPr id="1" name=""/>
+        <p:cNvGrpSpPr/>
+        <p:nvPr/>
+      </p:nvGrpSpPr>
+      <p:grpSpPr>
+        <a:xfrm>
+          <a:off x="0" y="0"/>
+          <a:ext cx="0" cy="0"/>
+          <a:chOff x="0" y="0"/>
+          <a:chExt cx="0" cy="0"/>
+        </a:xfrm>
+      </p:grpSpPr>
+      <p:grpSp>
+        <p:nvGrpSpPr>
+          <p:cNvPr id="2" name="Group 1">
+            <a:extLst>
+              <a:ext uri="{FF2B5EF4-FFF2-40B4-BE49-F238E27FC236}">
+                <a16:creationId xmlns:a16="http://schemas.microsoft.com/office/drawing/2014/main" id="{F5E4CFC9-DF7C-9AB8-8749-187216CB46C3}"/>
+              </a:ext>
+            </a:extLst>
+          </p:cNvPr>
+          <p:cNvGrpSpPr>
+            <a:grpSpLocks noChangeAspect="1"/>
+          </p:cNvGrpSpPr>
+          <p:nvPr/>
+        </p:nvGrpSpPr>
+        <p:grpSpPr>
+          <a:xfrm>
+            <a:off x="2678591" y="1175971"/>
+            <a:ext cx="4832539" cy="4984090"/>
+            <a:chOff x="1265162" y="457526"/>
+            <a:chExt cx="6316675" cy="6514771"/>
+          </a:xfrm>
+        </p:grpSpPr>
+        <p:pic>
+          <p:nvPicPr>
+            <p:cNvPr id="3" name="Picture 2">
+              <a:extLst>
+                <a:ext uri="{FF2B5EF4-FFF2-40B4-BE49-F238E27FC236}">
+                  <a16:creationId xmlns:a16="http://schemas.microsoft.com/office/drawing/2014/main" id="{4FA3D099-FFB9-1EB3-A1A1-BC106538360A}"/>
+                </a:ext>
+              </a:extLst>
+            </p:cNvPr>
+            <p:cNvPicPr>
+              <a:picLocks noChangeAspect="1"/>
+            </p:cNvPicPr>
+            <p:nvPr/>
+          </p:nvPicPr>
+          <p:blipFill>
+            <a:blip r:embed="rId2">
+              <a:extLst>
+                <a:ext uri="{28A0092B-C50C-407E-A947-70E740481C1C}">
+                  <a14:useLocalDpi xmlns:a14="http://schemas.microsoft.com/office/drawing/2010/main" val="0"/>
+                </a:ext>
+              </a:extLst>
+            </a:blip>
+            <a:stretch>
+              <a:fillRect/>
+            </a:stretch>
+          </p:blipFill>
+          <p:spPr>
+            <a:xfrm>
+              <a:off x="1790700" y="457526"/>
+              <a:ext cx="5562600" cy="5942948"/>
+            </a:xfrm>
+            <a:prstGeom prst="rect">
+              <a:avLst/>
+            </a:prstGeom>
+          </p:spPr>
+        </p:pic>
+        <p:sp>
+          <p:nvSpPr>
+            <p:cNvPr id="4" name="Rectangle 3">
+              <a:extLst>
+                <a:ext uri="{FF2B5EF4-FFF2-40B4-BE49-F238E27FC236}">
+                  <a16:creationId xmlns:a16="http://schemas.microsoft.com/office/drawing/2014/main" id="{52352936-F0F1-F58E-D115-41C7EF4088E5}"/>
+                </a:ext>
+              </a:extLst>
+            </p:cNvPr>
+            <p:cNvSpPr>
+              <a:spLocks noChangeArrowheads="1"/>
+            </p:cNvSpPr>
+            <p:nvPr/>
+          </p:nvSpPr>
+          <p:spPr bwMode="auto">
+            <a:xfrm>
+              <a:off x="4308411" y="6047010"/>
+              <a:ext cx="3273426" cy="925287"/>
+            </a:xfrm>
+            <a:prstGeom prst="rect">
+              <a:avLst/>
+            </a:prstGeom>
+            <a:noFill/>
+            <a:ln w="9525">
+              <a:noFill/>
+              <a:miter lim="800000"/>
+              <a:headEnd/>
+              <a:tailEnd/>
+            </a:ln>
+          </p:spPr>
+          <p:txBody>
+            <a:bodyPr>
+              <a:prstTxWarp prst="textNoShape">
+                <a:avLst/>
+              </a:prstTxWarp>
+              <a:spAutoFit/>
+            </a:bodyPr>
+            <a:lstStyle/>
+            <a:p>
+              <a:pPr algn="ctr"/>
+              <a:r>
+                <a:rPr lang="en-US" sz="2000" b="1" dirty="0">
+                  <a:latin typeface="Atkinson Hyperlegible" pitchFamily="50" charset="0"/>
+                </a:rPr>
+                <a:t>(a) Parts of a neuron</a:t>
+              </a:r>
+            </a:p>
+          </p:txBody>
+        </p:sp>
+        <p:sp>
+          <p:nvSpPr>
+            <p:cNvPr id="7" name="Rectangle 6">
+              <a:extLst>
+                <a:ext uri="{FF2B5EF4-FFF2-40B4-BE49-F238E27FC236}">
+                  <a16:creationId xmlns:a16="http://schemas.microsoft.com/office/drawing/2014/main" id="{88740309-1BAA-3EDD-BB5E-599A61774695}"/>
+                </a:ext>
+              </a:extLst>
+            </p:cNvPr>
+            <p:cNvSpPr>
+              <a:spLocks noChangeArrowheads="1"/>
+            </p:cNvSpPr>
+            <p:nvPr/>
+          </p:nvSpPr>
+          <p:spPr bwMode="auto">
+            <a:xfrm>
+              <a:off x="3698114" y="2027377"/>
+              <a:ext cx="2247010" cy="482759"/>
+            </a:xfrm>
+            <a:prstGeom prst="rect">
+              <a:avLst/>
+            </a:prstGeom>
+            <a:noFill/>
+            <a:ln w="9525">
+              <a:noFill/>
+              <a:miter lim="800000"/>
+              <a:headEnd/>
+              <a:tailEnd/>
+            </a:ln>
+          </p:spPr>
+          <p:txBody>
+            <a:bodyPr wrap="square">
+              <a:prstTxWarp prst="textNoShape">
+                <a:avLst/>
+              </a:prstTxWarp>
+              <a:spAutoFit/>
+            </a:bodyPr>
+            <a:lstStyle/>
+            <a:p>
+              <a:r>
+                <a:rPr lang="en-US" b="1" dirty="0">
+                  <a:latin typeface="Atkinson Hyperlegible" pitchFamily="50" charset="0"/>
+                </a:rPr>
+                <a:t>H</a:t>
+              </a:r>
+            </a:p>
+          </p:txBody>
+        </p:sp>
+        <p:sp>
+          <p:nvSpPr>
+            <p:cNvPr id="8" name="Rectangle 7">
+              <a:extLst>
+                <a:ext uri="{FF2B5EF4-FFF2-40B4-BE49-F238E27FC236}">
+                  <a16:creationId xmlns:a16="http://schemas.microsoft.com/office/drawing/2014/main" id="{95CF629F-3ABB-0A10-2B1A-30B941FBD80C}"/>
+                </a:ext>
+              </a:extLst>
+            </p:cNvPr>
+            <p:cNvSpPr>
+              <a:spLocks noChangeArrowheads="1"/>
+            </p:cNvSpPr>
+            <p:nvPr/>
+          </p:nvSpPr>
+          <p:spPr bwMode="auto">
+            <a:xfrm>
+              <a:off x="2005610" y="918312"/>
+              <a:ext cx="1465262" cy="482759"/>
+            </a:xfrm>
+            <a:prstGeom prst="rect">
+              <a:avLst/>
+            </a:prstGeom>
+            <a:noFill/>
+            <a:ln w="9525">
+              <a:noFill/>
+              <a:miter lim="800000"/>
+              <a:headEnd/>
+              <a:tailEnd/>
+            </a:ln>
+          </p:spPr>
+          <p:txBody>
+            <a:bodyPr>
+              <a:prstTxWarp prst="textNoShape">
+                <a:avLst/>
+              </a:prstTxWarp>
+              <a:spAutoFit/>
+            </a:bodyPr>
+            <a:lstStyle/>
+            <a:p>
+              <a:r>
+                <a:rPr lang="en-US" b="1" dirty="0">
+                  <a:latin typeface="Atkinson Hyperlegible" pitchFamily="50" charset="0"/>
+                </a:rPr>
+                <a:t>C</a:t>
+              </a:r>
+            </a:p>
+          </p:txBody>
+        </p:sp>
+        <p:sp>
+          <p:nvSpPr>
+            <p:cNvPr id="9" name="Rectangle 8">
+              <a:extLst>
+                <a:ext uri="{FF2B5EF4-FFF2-40B4-BE49-F238E27FC236}">
+                  <a16:creationId xmlns:a16="http://schemas.microsoft.com/office/drawing/2014/main" id="{11083E09-1639-17C6-1909-4A52D1512165}"/>
+                </a:ext>
+              </a:extLst>
+            </p:cNvPr>
+            <p:cNvSpPr>
+              <a:spLocks noChangeArrowheads="1"/>
+            </p:cNvSpPr>
+            <p:nvPr/>
+          </p:nvSpPr>
+          <p:spPr bwMode="auto">
+            <a:xfrm>
+              <a:off x="1836139" y="1915761"/>
+              <a:ext cx="1023937" cy="482759"/>
+            </a:xfrm>
+            <a:prstGeom prst="rect">
+              <a:avLst/>
+            </a:prstGeom>
+            <a:noFill/>
+            <a:ln w="9525">
+              <a:noFill/>
+              <a:miter lim="800000"/>
+              <a:headEnd/>
+              <a:tailEnd/>
+            </a:ln>
+          </p:spPr>
+          <p:txBody>
+            <a:bodyPr>
+              <a:prstTxWarp prst="textNoShape">
+                <a:avLst/>
+              </a:prstTxWarp>
+              <a:spAutoFit/>
+            </a:bodyPr>
+            <a:lstStyle/>
+            <a:p>
+              <a:r>
+                <a:rPr lang="en-US" b="1" dirty="0">
+                  <a:latin typeface="Atkinson Hyperlegible" pitchFamily="50" charset="0"/>
+                </a:rPr>
+                <a:t>D</a:t>
+              </a:r>
+            </a:p>
+          </p:txBody>
+        </p:sp>
+        <p:sp>
+          <p:nvSpPr>
+            <p:cNvPr id="10" name="Rectangle 9">
+              <a:extLst>
+                <a:ext uri="{FF2B5EF4-FFF2-40B4-BE49-F238E27FC236}">
+                  <a16:creationId xmlns:a16="http://schemas.microsoft.com/office/drawing/2014/main" id="{D0BBDAEA-94C4-B6A4-D9CE-6E4E528A3E94}"/>
+                </a:ext>
+              </a:extLst>
+            </p:cNvPr>
+            <p:cNvSpPr>
+              <a:spLocks noChangeArrowheads="1"/>
+            </p:cNvSpPr>
+            <p:nvPr/>
+          </p:nvSpPr>
+          <p:spPr bwMode="auto">
+            <a:xfrm>
+              <a:off x="1265162" y="4678427"/>
+              <a:ext cx="2247008" cy="482759"/>
+            </a:xfrm>
+            <a:prstGeom prst="rect">
+              <a:avLst/>
+            </a:prstGeom>
+            <a:noFill/>
+            <a:ln w="9525">
+              <a:noFill/>
+              <a:miter lim="800000"/>
+              <a:headEnd/>
+              <a:tailEnd/>
+            </a:ln>
+          </p:spPr>
+          <p:txBody>
+            <a:bodyPr wrap="square">
+              <a:prstTxWarp prst="textNoShape">
+                <a:avLst/>
+              </a:prstTxWarp>
+              <a:spAutoFit/>
+            </a:bodyPr>
+            <a:lstStyle/>
+            <a:p>
+              <a:r>
+                <a:rPr lang="en-US" b="1" dirty="0">
+                  <a:latin typeface="Atkinson Hyperlegible" pitchFamily="50" charset="0"/>
+                </a:rPr>
+                <a:t>E (branches)</a:t>
+              </a:r>
+            </a:p>
+          </p:txBody>
+        </p:sp>
+        <p:sp>
+          <p:nvSpPr>
+            <p:cNvPr id="11" name="Rectangle 10">
+              <a:extLst>
+                <a:ext uri="{FF2B5EF4-FFF2-40B4-BE49-F238E27FC236}">
+                  <a16:creationId xmlns:a16="http://schemas.microsoft.com/office/drawing/2014/main" id="{CFD37AD0-4DB8-971C-2138-BDF8287D56A6}"/>
+                </a:ext>
+              </a:extLst>
+            </p:cNvPr>
+            <p:cNvSpPr>
+              <a:spLocks noChangeArrowheads="1"/>
+            </p:cNvSpPr>
+            <p:nvPr/>
+          </p:nvSpPr>
+          <p:spPr bwMode="auto">
+            <a:xfrm>
+              <a:off x="1932184" y="5985851"/>
+              <a:ext cx="1660525" cy="482759"/>
+            </a:xfrm>
+            <a:prstGeom prst="rect">
+              <a:avLst/>
+            </a:prstGeom>
+            <a:noFill/>
+            <a:ln w="9525">
+              <a:noFill/>
+              <a:miter lim="800000"/>
+              <a:headEnd/>
+              <a:tailEnd/>
+            </a:ln>
+          </p:spPr>
+          <p:txBody>
+            <a:bodyPr>
+              <a:prstTxWarp prst="textNoShape">
+                <a:avLst/>
+              </a:prstTxWarp>
+              <a:spAutoFit/>
+            </a:bodyPr>
+            <a:lstStyle/>
+            <a:p>
+              <a:r>
+                <a:rPr lang="en-US" b="1" dirty="0">
+                  <a:latin typeface="Atkinson Hyperlegible" pitchFamily="50" charset="0"/>
+                </a:rPr>
+                <a:t>F</a:t>
+              </a:r>
+            </a:p>
+          </p:txBody>
+        </p:sp>
+        <p:cxnSp>
+          <p:nvCxnSpPr>
+            <p:cNvPr id="12" name="Straight Connector 11">
+              <a:extLst>
+                <a:ext uri="{FF2B5EF4-FFF2-40B4-BE49-F238E27FC236}">
+                  <a16:creationId xmlns:a16="http://schemas.microsoft.com/office/drawing/2014/main" id="{150ED796-70F9-80F6-96C5-F53A0A0FEBD6}"/>
+                </a:ext>
+              </a:extLst>
+            </p:cNvPr>
+            <p:cNvCxnSpPr>
+              <a:cxnSpLocks/>
+            </p:cNvCxnSpPr>
+            <p:nvPr/>
+          </p:nvCxnSpPr>
+          <p:spPr bwMode="auto">
+            <a:xfrm flipH="1">
+              <a:off x="4062570" y="1257481"/>
+              <a:ext cx="692114" cy="817382"/>
+            </a:xfrm>
+            <a:prstGeom prst="line">
+              <a:avLst/>
+            </a:prstGeom>
+            <a:solidFill>
+              <a:schemeClr val="accent1"/>
+            </a:solidFill>
+            <a:ln w="15875" cap="flat" cmpd="sng" algn="ctr">
+              <a:solidFill>
+                <a:schemeClr val="tx1"/>
+              </a:solidFill>
+              <a:prstDash val="solid"/>
+              <a:round/>
+              <a:headEnd type="none" w="med" len="med"/>
+              <a:tailEnd type="none" w="med" len="med"/>
+            </a:ln>
+            <a:effectLst>
+              <a:outerShdw blurRad="25400" dist="12700" dir="12000000">
+                <a:schemeClr val="bg1"/>
+              </a:outerShdw>
+            </a:effectLst>
+          </p:spPr>
+        </p:cxnSp>
+        <p:cxnSp>
+          <p:nvCxnSpPr>
+            <p:cNvPr id="13" name="Straight Connector 12">
+              <a:extLst>
+                <a:ext uri="{FF2B5EF4-FFF2-40B4-BE49-F238E27FC236}">
+                  <a16:creationId xmlns:a16="http://schemas.microsoft.com/office/drawing/2014/main" id="{3D5DC89B-8310-8D22-8CEE-4DDB134F43E4}"/>
+                </a:ext>
+              </a:extLst>
+            </p:cNvPr>
+            <p:cNvCxnSpPr>
+              <a:cxnSpLocks/>
+            </p:cNvCxnSpPr>
+            <p:nvPr/>
+          </p:nvCxnSpPr>
+          <p:spPr bwMode="auto">
+            <a:xfrm flipH="1" flipV="1">
+              <a:off x="2091023" y="5087427"/>
+              <a:ext cx="1284876" cy="429910"/>
+            </a:xfrm>
+            <a:prstGeom prst="line">
+              <a:avLst/>
+            </a:prstGeom>
+            <a:solidFill>
+              <a:schemeClr val="accent1"/>
+            </a:solidFill>
+            <a:ln w="15875" cap="flat" cmpd="sng" algn="ctr">
+              <a:solidFill>
+                <a:schemeClr val="tx1"/>
+              </a:solidFill>
+              <a:prstDash val="solid"/>
+              <a:round/>
+              <a:headEnd type="none" w="med" len="med"/>
+              <a:tailEnd type="none" w="med" len="med"/>
+            </a:ln>
+            <a:effectLst>
+              <a:outerShdw blurRad="25400" dist="12700" dir="5820000">
+                <a:schemeClr val="bg1"/>
+              </a:outerShdw>
+            </a:effectLst>
+          </p:spPr>
+        </p:cxnSp>
+        <p:cxnSp>
+          <p:nvCxnSpPr>
+            <p:cNvPr id="14" name="Straight Connector 13">
+              <a:extLst>
+                <a:ext uri="{FF2B5EF4-FFF2-40B4-BE49-F238E27FC236}">
+                  <a16:creationId xmlns:a16="http://schemas.microsoft.com/office/drawing/2014/main" id="{453E2D3A-1C27-B7B2-CA33-F325CE69272E}"/>
+                </a:ext>
+              </a:extLst>
+            </p:cNvPr>
+            <p:cNvCxnSpPr/>
+            <p:nvPr/>
+          </p:nvCxnSpPr>
+          <p:spPr bwMode="auto">
+            <a:xfrm flipH="1" flipV="1">
+              <a:off x="2332730" y="6228634"/>
+              <a:ext cx="712311" cy="65634"/>
+            </a:xfrm>
+            <a:prstGeom prst="line">
+              <a:avLst/>
+            </a:prstGeom>
+            <a:solidFill>
+              <a:schemeClr val="accent1"/>
+            </a:solidFill>
+            <a:ln w="15875" cap="flat" cmpd="sng" algn="ctr">
+              <a:solidFill>
+                <a:schemeClr val="tx1"/>
+              </a:solidFill>
+              <a:prstDash val="solid"/>
+              <a:round/>
+              <a:headEnd type="none" w="med" len="med"/>
+              <a:tailEnd type="none" w="med" len="med"/>
+            </a:ln>
+            <a:effectLst>
+              <a:outerShdw blurRad="25400" dist="12700" dir="5820000">
+                <a:schemeClr val="bg1"/>
+              </a:outerShdw>
+            </a:effectLst>
+          </p:spPr>
+        </p:cxnSp>
+        <p:cxnSp>
+          <p:nvCxnSpPr>
+            <p:cNvPr id="15" name="Straight Connector 14">
+              <a:extLst>
+                <a:ext uri="{FF2B5EF4-FFF2-40B4-BE49-F238E27FC236}">
+                  <a16:creationId xmlns:a16="http://schemas.microsoft.com/office/drawing/2014/main" id="{0B176404-0F98-D52A-3F95-2C5E2EBB2E7F}"/>
+                </a:ext>
+              </a:extLst>
+            </p:cNvPr>
+            <p:cNvCxnSpPr/>
+            <p:nvPr/>
+          </p:nvCxnSpPr>
+          <p:spPr bwMode="auto">
+            <a:xfrm rot="10800000" flipV="1">
+              <a:off x="2233550" y="2167160"/>
+              <a:ext cx="763587" cy="0"/>
+            </a:xfrm>
+            <a:prstGeom prst="line">
+              <a:avLst/>
+            </a:prstGeom>
+            <a:solidFill>
+              <a:schemeClr val="accent1"/>
+            </a:solidFill>
+            <a:ln w="15875" cap="flat" cmpd="sng" algn="ctr">
+              <a:solidFill>
+                <a:schemeClr val="tx1"/>
+              </a:solidFill>
+              <a:prstDash val="solid"/>
+              <a:round/>
+              <a:headEnd type="none" w="med" len="med"/>
+              <a:tailEnd type="none" w="med" len="med"/>
+            </a:ln>
+            <a:effectLst>
+              <a:outerShdw blurRad="25400" dist="12700" dir="5820000">
+                <a:schemeClr val="bg1"/>
+              </a:outerShdw>
+            </a:effectLst>
+          </p:spPr>
+        </p:cxnSp>
+        <p:cxnSp>
+          <p:nvCxnSpPr>
+            <p:cNvPr id="16" name="Straight Connector 15">
+              <a:extLst>
+                <a:ext uri="{FF2B5EF4-FFF2-40B4-BE49-F238E27FC236}">
+                  <a16:creationId xmlns:a16="http://schemas.microsoft.com/office/drawing/2014/main" id="{0586ADB4-7939-4C9B-F978-90A00AE55119}"/>
+                </a:ext>
+              </a:extLst>
+            </p:cNvPr>
+            <p:cNvCxnSpPr>
+              <a:cxnSpLocks/>
+            </p:cNvCxnSpPr>
+            <p:nvPr/>
+          </p:nvCxnSpPr>
+          <p:spPr bwMode="auto">
+            <a:xfrm flipH="1" flipV="1">
+              <a:off x="2429302" y="1175232"/>
+              <a:ext cx="1141988" cy="165011"/>
+            </a:xfrm>
+            <a:prstGeom prst="line">
+              <a:avLst/>
+            </a:prstGeom>
+            <a:solidFill>
+              <a:schemeClr val="accent1"/>
+            </a:solidFill>
+            <a:ln w="15875" cap="flat" cmpd="sng" algn="ctr">
+              <a:solidFill>
+                <a:schemeClr val="tx1"/>
+              </a:solidFill>
+              <a:prstDash val="solid"/>
+              <a:round/>
+              <a:headEnd type="none" w="med" len="med"/>
+              <a:tailEnd type="none" w="med" len="med"/>
+            </a:ln>
+            <a:effectLst>
+              <a:outerShdw blurRad="25400" dist="12700" dir="5820000">
+                <a:schemeClr val="bg1"/>
+              </a:outerShdw>
+            </a:effectLst>
+          </p:spPr>
+        </p:cxnSp>
+        <p:sp>
+          <p:nvSpPr>
+            <p:cNvPr id="17" name="Rectangle 51">
+              <a:extLst>
+                <a:ext uri="{FF2B5EF4-FFF2-40B4-BE49-F238E27FC236}">
+                  <a16:creationId xmlns:a16="http://schemas.microsoft.com/office/drawing/2014/main" id="{9ECD060E-95A7-E297-F443-8541EAB2A93F}"/>
+                </a:ext>
+              </a:extLst>
+            </p:cNvPr>
+            <p:cNvSpPr>
+              <a:spLocks noChangeArrowheads="1"/>
+            </p:cNvSpPr>
+            <p:nvPr/>
+          </p:nvSpPr>
+          <p:spPr bwMode="auto">
+            <a:xfrm>
+              <a:off x="5695887" y="3394297"/>
+              <a:ext cx="46038" cy="388938"/>
+            </a:xfrm>
+            <a:prstGeom prst="rect">
+              <a:avLst/>
+            </a:prstGeom>
+            <a:solidFill>
+              <a:srgbClr val="FFFFFF"/>
+            </a:solidFill>
+            <a:ln w="9525">
+              <a:noFill/>
+              <a:round/>
+              <a:headEnd/>
+              <a:tailEnd/>
+            </a:ln>
+          </p:spPr>
+          <p:txBody>
+            <a:bodyPr>
+              <a:prstTxWarp prst="textNoShape">
+                <a:avLst/>
+              </a:prstTxWarp>
+            </a:bodyPr>
+            <a:lstStyle/>
+            <a:p>
+              <a:endParaRPr lang="en-US" sz="2800" b="1" dirty="0">
+                <a:latin typeface="Atkinson Hyperlegible" pitchFamily="50" charset="0"/>
+              </a:endParaRPr>
+            </a:p>
+          </p:txBody>
+        </p:sp>
+        <p:cxnSp>
+          <p:nvCxnSpPr>
+            <p:cNvPr id="18" name="Straight Connector 17">
+              <a:extLst>
+                <a:ext uri="{FF2B5EF4-FFF2-40B4-BE49-F238E27FC236}">
+                  <a16:creationId xmlns:a16="http://schemas.microsoft.com/office/drawing/2014/main" id="{A5262DA8-33DC-04B1-B098-8FCA1F2148B5}"/>
+                </a:ext>
+              </a:extLst>
+            </p:cNvPr>
+            <p:cNvCxnSpPr>
+              <a:cxnSpLocks noChangeShapeType="1"/>
+            </p:cNvCxnSpPr>
+            <p:nvPr/>
+          </p:nvCxnSpPr>
+          <p:spPr bwMode="auto">
+            <a:xfrm rot="16200000" flipH="1">
+              <a:off x="5529200" y="3610197"/>
+              <a:ext cx="347662" cy="1588"/>
+            </a:xfrm>
+            <a:prstGeom prst="line">
+              <a:avLst/>
+            </a:prstGeom>
+            <a:noFill/>
+            <a:ln w="12700">
+              <a:solidFill>
+                <a:schemeClr val="tx1"/>
+              </a:solidFill>
+              <a:round/>
+              <a:headEnd/>
+              <a:tailEnd/>
+            </a:ln>
+          </p:spPr>
+        </p:cxnSp>
+        <p:cxnSp>
+          <p:nvCxnSpPr>
+            <p:cNvPr id="19" name="Straight Connector 56">
+              <a:extLst>
+                <a:ext uri="{FF2B5EF4-FFF2-40B4-BE49-F238E27FC236}">
+                  <a16:creationId xmlns:a16="http://schemas.microsoft.com/office/drawing/2014/main" id="{6F59FC3D-E10C-0D11-8B48-EA284550B92D}"/>
+                </a:ext>
+              </a:extLst>
+            </p:cNvPr>
+            <p:cNvCxnSpPr>
+              <a:cxnSpLocks noChangeShapeType="1"/>
+            </p:cNvCxnSpPr>
+            <p:nvPr/>
+          </p:nvCxnSpPr>
+          <p:spPr bwMode="auto">
+            <a:xfrm rot="16200000" flipH="1">
+              <a:off x="5570475" y="3610197"/>
+              <a:ext cx="347662" cy="1588"/>
+            </a:xfrm>
+            <a:prstGeom prst="line">
+              <a:avLst/>
+            </a:prstGeom>
+            <a:noFill/>
+            <a:ln w="12700">
+              <a:solidFill>
+                <a:schemeClr val="tx1"/>
+              </a:solidFill>
+              <a:round/>
+              <a:headEnd/>
+              <a:tailEnd/>
+            </a:ln>
+          </p:spPr>
+        </p:cxnSp>
+      </p:grpSp>
+      <p:sp>
+        <p:nvSpPr>
+          <p:cNvPr id="20" name="Footer Placeholder 1">
+            <a:extLst>
+              <a:ext uri="{FF2B5EF4-FFF2-40B4-BE49-F238E27FC236}">
+                <a16:creationId xmlns:a16="http://schemas.microsoft.com/office/drawing/2014/main" id="{1C4BDB6F-9239-855C-8F52-4278BA40C1C0}"/>
+              </a:ext>
+            </a:extLst>
+          </p:cNvPr>
+          <p:cNvSpPr>
+            <a:spLocks noGrp="1"/>
+          </p:cNvSpPr>
+          <p:nvPr>
+            <p:ph type="ftr" sz="quarter" idx="11"/>
+          </p:nvPr>
+        </p:nvSpPr>
+        <p:spPr>
+          <a:xfrm>
+            <a:off x="1996913" y="6192908"/>
+            <a:ext cx="6019800" cy="457200"/>
+          </a:xfrm>
+        </p:spPr>
+        <p:txBody>
+          <a:bodyPr/>
+          <a:lstStyle/>
+          <a:p>
+            <a:r>
+              <a:rPr lang="en-US" b="1" dirty="0">
+                <a:latin typeface="Atkinson Hyperlegible" pitchFamily="50" charset="0"/>
+              </a:rPr>
+              <a:t>Copyright © 2021 by John Wiley &amp; Sons, Inc. All rights reserved. </a:t>
+            </a:r>
+          </a:p>
+        </p:txBody>
+      </p:sp>
+      <p:sp>
+        <p:nvSpPr>
+          <p:cNvPr id="21" name="Rectangle 20">
+            <a:extLst>
+              <a:ext uri="{FF2B5EF4-FFF2-40B4-BE49-F238E27FC236}">
+                <a16:creationId xmlns:a16="http://schemas.microsoft.com/office/drawing/2014/main" id="{0AD76EAD-6041-26D2-85BA-8EC5EC19B23E}"/>
+              </a:ext>
+            </a:extLst>
+          </p:cNvPr>
+          <p:cNvSpPr>
+            <a:spLocks noChangeArrowheads="1"/>
+          </p:cNvSpPr>
+          <p:nvPr/>
+        </p:nvSpPr>
+        <p:spPr bwMode="auto">
+          <a:xfrm>
+            <a:off x="4193128" y="710861"/>
+            <a:ext cx="1660525" cy="369332"/>
+          </a:xfrm>
+          <a:prstGeom prst="rect">
+            <a:avLst/>
+          </a:prstGeom>
+          <a:noFill/>
+          <a:ln w="9525">
+            <a:noFill/>
+            <a:miter lim="800000"/>
+            <a:headEnd/>
+            <a:tailEnd/>
+          </a:ln>
+        </p:spPr>
+        <p:txBody>
+          <a:bodyPr>
+            <a:prstTxWarp prst="textNoShape">
+              <a:avLst/>
+            </a:prstTxWarp>
+            <a:spAutoFit/>
+          </a:bodyPr>
+          <a:lstStyle/>
+          <a:p>
+            <a:r>
+              <a:rPr lang="en-US" b="1" dirty="0">
+                <a:latin typeface="Atkinson Hyperlegible" pitchFamily="50" charset="0"/>
+                <a:cs typeface="Arial" panose="020B0604020202020204" pitchFamily="34" charset="0"/>
+              </a:rPr>
+              <a:t>B (branches)</a:t>
+            </a:r>
+          </a:p>
+        </p:txBody>
+      </p:sp>
+      <p:sp>
+        <p:nvSpPr>
+          <p:cNvPr id="22" name="Freeform 2">
+            <a:extLst>
+              <a:ext uri="{FF2B5EF4-FFF2-40B4-BE49-F238E27FC236}">
+                <a16:creationId xmlns:a16="http://schemas.microsoft.com/office/drawing/2014/main" id="{B34EE3FD-6D40-0499-79B8-EEA049D014F8}"/>
+              </a:ext>
+            </a:extLst>
+          </p:cNvPr>
+          <p:cNvSpPr/>
+          <p:nvPr/>
+        </p:nvSpPr>
+        <p:spPr bwMode="auto">
+          <a:xfrm>
+            <a:off x="5056683" y="1068790"/>
+            <a:ext cx="834501" cy="523782"/>
+          </a:xfrm>
+          <a:custGeom>
+            <a:avLst/>
+            <a:gdLst>
+              <a:gd name="connsiteX0" fmla="*/ 834501 w 834501"/>
+              <a:gd name="connsiteY0" fmla="*/ 435006 h 523782"/>
+              <a:gd name="connsiteX1" fmla="*/ 0 w 834501"/>
+              <a:gd name="connsiteY1" fmla="*/ 0 h 523782"/>
+              <a:gd name="connsiteX2" fmla="*/ 648070 w 834501"/>
+              <a:gd name="connsiteY2" fmla="*/ 523782 h 523782"/>
+              <a:gd name="connsiteX3" fmla="*/ 648070 w 834501"/>
+              <a:gd name="connsiteY3" fmla="*/ 523782 h 523782"/>
+            </a:gdLst>
+            <a:ahLst/>
+            <a:cxnLst>
+              <a:cxn ang="0">
+                <a:pos x="connsiteX0" y="connsiteY0"/>
+              </a:cxn>
+              <a:cxn ang="0">
+                <a:pos x="connsiteX1" y="connsiteY1"/>
+              </a:cxn>
+              <a:cxn ang="0">
+                <a:pos x="connsiteX2" y="connsiteY2"/>
+              </a:cxn>
+              <a:cxn ang="0">
+                <a:pos x="connsiteX3" y="connsiteY3"/>
+              </a:cxn>
+            </a:cxnLst>
+            <a:rect l="l" t="t" r="r" b="b"/>
+            <a:pathLst>
+              <a:path w="834501" h="523782">
+                <a:moveTo>
+                  <a:pt x="834501" y="435006"/>
+                </a:moveTo>
+                <a:lnTo>
+                  <a:pt x="0" y="0"/>
+                </a:lnTo>
+                <a:lnTo>
+                  <a:pt x="648070" y="523782"/>
+                </a:lnTo>
+                <a:lnTo>
+                  <a:pt x="648070" y="523782"/>
+                </a:lnTo>
+              </a:path>
+            </a:pathLst>
+          </a:custGeom>
+          <a:noFill/>
+          <a:ln w="15875" cap="flat" cmpd="sng" algn="ctr">
+            <a:solidFill>
+              <a:schemeClr val="tx1"/>
+            </a:solidFill>
+            <a:prstDash val="solid"/>
+            <a:round/>
+            <a:headEnd type="none" w="med" len="med"/>
+            <a:tailEnd type="none" w="med" len="med"/>
+          </a:ln>
+          <a:effectLst/>
+        </p:spPr>
+        <p:txBody>
+          <a:bodyPr vert="horz" wrap="square" lIns="91440" tIns="45720" rIns="91440" bIns="45720" numCol="1" rtlCol="0" anchor="t" anchorCtr="0" compatLnSpc="1">
+            <a:prstTxWarp prst="textNoShape">
+              <a:avLst/>
+            </a:prstTxWarp>
+          </a:bodyPr>
+          <a:lstStyle/>
+          <a:p>
+            <a:pPr marL="0" marR="0" indent="0" algn="l" defTabSz="914400" rtl="0" eaLnBrk="0" fontAlgn="base" latinLnBrk="0" hangingPunct="0">
+              <a:lnSpc>
+                <a:spcPct val="100000"/>
+              </a:lnSpc>
+              <a:spcBef>
+                <a:spcPct val="0"/>
+              </a:spcBef>
+              <a:spcAft>
+                <a:spcPct val="0"/>
+              </a:spcAft>
+              <a:buClrTx/>
+              <a:buSzTx/>
+              <a:buFontTx/>
+              <a:buNone/>
+              <a:tabLst/>
+            </a:pPr>
+            <a:endParaRPr kumimoji="0" lang="en-US" sz="2400" b="1" i="0" u="none" strike="noStrike" cap="none" normalizeH="0" baseline="0" dirty="0">
+              <a:ln>
+                <a:noFill/>
+              </a:ln>
+              <a:solidFill>
+                <a:schemeClr val="tx1"/>
+              </a:solidFill>
+              <a:effectLst/>
+              <a:latin typeface="Atkinson Hyperlegible" pitchFamily="50" charset="0"/>
+            </a:endParaRPr>
+          </a:p>
+        </p:txBody>
+      </p:sp>
+      <p:sp>
+        <p:nvSpPr>
+          <p:cNvPr id="23" name="Rectangle 22">
+            <a:extLst>
+              <a:ext uri="{FF2B5EF4-FFF2-40B4-BE49-F238E27FC236}">
+                <a16:creationId xmlns:a16="http://schemas.microsoft.com/office/drawing/2014/main" id="{EB4B6D89-6F8E-71B7-2AE1-137770624EA2}"/>
+              </a:ext>
+            </a:extLst>
+          </p:cNvPr>
+          <p:cNvSpPr>
+            <a:spLocks noChangeArrowheads="1"/>
+          </p:cNvSpPr>
+          <p:nvPr/>
+        </p:nvSpPr>
+        <p:spPr bwMode="auto">
+          <a:xfrm>
+            <a:off x="6350245" y="651494"/>
+            <a:ext cx="1153405" cy="646331"/>
+          </a:xfrm>
+          <a:prstGeom prst="rect">
+            <a:avLst/>
+          </a:prstGeom>
+          <a:noFill/>
+          <a:ln w="9525">
+            <a:noFill/>
+            <a:miter lim="800000"/>
+            <a:headEnd/>
+            <a:tailEnd/>
+          </a:ln>
+        </p:spPr>
+        <p:txBody>
+          <a:bodyPr wrap="square">
+            <a:prstTxWarp prst="textNoShape">
+              <a:avLst/>
+            </a:prstTxWarp>
+            <a:spAutoFit/>
+          </a:bodyPr>
+          <a:lstStyle/>
+          <a:p>
+            <a:r>
+              <a:rPr lang="en-US" b="1" dirty="0">
+                <a:latin typeface="Atkinson Hyperlegible" pitchFamily="50" charset="0"/>
+                <a:cs typeface="Arial" panose="020B0604020202020204" pitchFamily="34" charset="0"/>
+              </a:rPr>
+              <a:t>A (small bumps)</a:t>
+            </a:r>
+          </a:p>
+        </p:txBody>
+      </p:sp>
+      <p:sp>
+        <p:nvSpPr>
+          <p:cNvPr id="24" name="Freeform 481">
+            <a:extLst>
+              <a:ext uri="{FF2B5EF4-FFF2-40B4-BE49-F238E27FC236}">
+                <a16:creationId xmlns:a16="http://schemas.microsoft.com/office/drawing/2014/main" id="{FE3C021C-0E3D-1DA6-67A5-F1947FE99EC2}"/>
+              </a:ext>
+            </a:extLst>
+          </p:cNvPr>
+          <p:cNvSpPr/>
+          <p:nvPr/>
+        </p:nvSpPr>
+        <p:spPr bwMode="auto">
+          <a:xfrm>
+            <a:off x="6610887" y="1273326"/>
+            <a:ext cx="292963" cy="230819"/>
+          </a:xfrm>
+          <a:custGeom>
+            <a:avLst/>
+            <a:gdLst>
+              <a:gd name="connsiteX0" fmla="*/ 0 w 292963"/>
+              <a:gd name="connsiteY0" fmla="*/ 230819 h 230819"/>
+              <a:gd name="connsiteX1" fmla="*/ 177553 w 292963"/>
+              <a:gd name="connsiteY1" fmla="*/ 0 h 230819"/>
+              <a:gd name="connsiteX2" fmla="*/ 292963 w 292963"/>
+              <a:gd name="connsiteY2" fmla="*/ 230819 h 230819"/>
+            </a:gdLst>
+            <a:ahLst/>
+            <a:cxnLst>
+              <a:cxn ang="0">
+                <a:pos x="connsiteX0" y="connsiteY0"/>
+              </a:cxn>
+              <a:cxn ang="0">
+                <a:pos x="connsiteX1" y="connsiteY1"/>
+              </a:cxn>
+              <a:cxn ang="0">
+                <a:pos x="connsiteX2" y="connsiteY2"/>
+              </a:cxn>
+            </a:cxnLst>
+            <a:rect l="l" t="t" r="r" b="b"/>
+            <a:pathLst>
+              <a:path w="292963" h="230819">
+                <a:moveTo>
+                  <a:pt x="0" y="230819"/>
+                </a:moveTo>
+                <a:lnTo>
+                  <a:pt x="177553" y="0"/>
+                </a:lnTo>
+                <a:lnTo>
+                  <a:pt x="292963" y="230819"/>
+                </a:lnTo>
+              </a:path>
+            </a:pathLst>
+          </a:custGeom>
+          <a:noFill/>
+          <a:ln w="19050" cap="flat" cmpd="sng" algn="ctr">
+            <a:solidFill>
+              <a:schemeClr val="tx1"/>
+            </a:solidFill>
+            <a:prstDash val="solid"/>
+            <a:round/>
+            <a:headEnd type="none" w="med" len="med"/>
+            <a:tailEnd type="none" w="med" len="med"/>
+          </a:ln>
+          <a:effectLst/>
+        </p:spPr>
+        <p:txBody>
+          <a:bodyPr vert="horz" wrap="square" lIns="91440" tIns="45720" rIns="91440" bIns="45720" numCol="1" rtlCol="0" anchor="t" anchorCtr="0" compatLnSpc="1">
+            <a:prstTxWarp prst="textNoShape">
+              <a:avLst/>
+            </a:prstTxWarp>
+          </a:bodyPr>
+          <a:lstStyle/>
+          <a:p>
+            <a:pPr marL="0" marR="0" indent="0" algn="l" defTabSz="914400" rtl="0" eaLnBrk="0" fontAlgn="base" latinLnBrk="0" hangingPunct="0">
+              <a:lnSpc>
+                <a:spcPct val="100000"/>
+              </a:lnSpc>
+              <a:spcBef>
+                <a:spcPct val="0"/>
+              </a:spcBef>
+              <a:spcAft>
+                <a:spcPct val="0"/>
+              </a:spcAft>
+              <a:buClrTx/>
+              <a:buSzTx/>
+              <a:buFontTx/>
+              <a:buNone/>
+              <a:tabLst/>
+            </a:pPr>
+            <a:endParaRPr kumimoji="0" lang="en-US" sz="2400" b="1" i="0" u="none" strike="noStrike" cap="none" normalizeH="0" baseline="0" dirty="0">
+              <a:ln>
+                <a:noFill/>
+              </a:ln>
+              <a:solidFill>
+                <a:schemeClr val="tx1"/>
+              </a:solidFill>
+              <a:effectLst/>
+              <a:latin typeface="Atkinson Hyperlegible" pitchFamily="50" charset="0"/>
+            </a:endParaRPr>
+          </a:p>
+        </p:txBody>
+      </p:sp>
+      <p:pic>
+        <p:nvPicPr>
+          <p:cNvPr id="26" name="Picture 25">
+            <a:extLst>
+              <a:ext uri="{FF2B5EF4-FFF2-40B4-BE49-F238E27FC236}">
+                <a16:creationId xmlns:a16="http://schemas.microsoft.com/office/drawing/2014/main" id="{58762470-F88C-1EEA-B228-52433FBA76F1}"/>
+              </a:ext>
+            </a:extLst>
+          </p:cNvPr>
+          <p:cNvPicPr>
+            <a:picLocks noChangeAspect="1"/>
+          </p:cNvPicPr>
+          <p:nvPr/>
+        </p:nvPicPr>
+        <p:blipFill>
+          <a:blip r:embed="rId3"/>
+          <a:stretch>
+            <a:fillRect/>
+          </a:stretch>
+        </p:blipFill>
+        <p:spPr>
+          <a:xfrm>
+            <a:off x="6401197" y="366909"/>
+            <a:ext cx="6017274" cy="6029467"/>
+          </a:xfrm>
+          <a:prstGeom prst="rect">
+            <a:avLst/>
+          </a:prstGeom>
+        </p:spPr>
+      </p:pic>
+    </p:spTree>
+    <p:extLst>
+      <p:ext uri="{BB962C8B-B14F-4D97-AF65-F5344CB8AC3E}">
+        <p14:creationId xmlns:p14="http://schemas.microsoft.com/office/powerpoint/2010/main" val="204456891"/>
+      </p:ext>
+    </p:extLst>
+  </p:cSld>
+  <p:clrMapOvr>
+    <a:masterClrMapping/>
+  </p:clrMapOvr>
+</p:sld>
+</file>
+
+<file path=ppt/slides/slide8.xml><?xml version="1.0" encoding="utf-8"?>
+<p:sld xmlns:a="http://schemas.openxmlformats.org/drawingml/2006/main" xmlns:r="http://schemas.openxmlformats.org/officeDocument/2006/relationships" xmlns:p="http://schemas.openxmlformats.org/presentationml/2006/main">
+  <p:cSld>
+    <p:spTree>
+      <p:nvGrpSpPr>
+        <p:cNvPr id="1" name=""/>
+        <p:cNvGrpSpPr/>
+        <p:nvPr/>
+      </p:nvGrpSpPr>
+      <p:grpSpPr>
+        <a:xfrm>
+          <a:off x="0" y="0"/>
+          <a:ext cx="0" cy="0"/>
+          <a:chOff x="0" y="0"/>
+          <a:chExt cx="0" cy="0"/>
+        </a:xfrm>
+      </p:grpSpPr>
+      <p:sp>
+        <p:nvSpPr>
+          <p:cNvPr id="2" name="Footer Placeholder 1">
+            <a:extLst>
+              <a:ext uri="{FF2B5EF4-FFF2-40B4-BE49-F238E27FC236}">
+                <a16:creationId xmlns:a16="http://schemas.microsoft.com/office/drawing/2014/main" id="{3DE62E18-4F09-6D80-00C7-AD4238A5C8FD}"/>
+              </a:ext>
+            </a:extLst>
+          </p:cNvPr>
+          <p:cNvSpPr txBox="1">
+            <a:spLocks/>
+          </p:cNvSpPr>
+          <p:nvPr/>
+        </p:nvSpPr>
+        <p:spPr>
+          <a:xfrm>
+            <a:off x="1409700" y="6400800"/>
+            <a:ext cx="6324600" cy="457200"/>
+          </a:xfrm>
+          <a:prstGeom prst="rect">
+            <a:avLst/>
+          </a:prstGeom>
+        </p:spPr>
+        <p:txBody>
+          <a:bodyPr vert="horz" lIns="91440" tIns="45720" rIns="91440" bIns="45720" rtlCol="0" anchor="ctr"/>
+          <a:lstStyle>
+            <a:defPPr>
+              <a:defRPr lang="en-US"/>
+            </a:defPPr>
+            <a:lvl1pPr marL="0" algn="l" defTabSz="914400" rtl="0" eaLnBrk="1" latinLnBrk="0" hangingPunct="1">
+              <a:defRPr sz="1200" kern="1200">
+                <a:solidFill>
+                  <a:schemeClr val="tx1">
+                    <a:tint val="75000"/>
+                  </a:schemeClr>
+                </a:solidFill>
+                <a:latin typeface="+mn-lt"/>
+                <a:ea typeface="+mn-ea"/>
+                <a:cs typeface="+mn-cs"/>
+              </a:defRPr>
+            </a:lvl1pPr>
+            <a:lvl2pPr marL="457200" algn="l" defTabSz="914400" rtl="0" eaLnBrk="1" latinLnBrk="0" hangingPunct="1">
+              <a:defRPr sz="1800" kern="1200">
+                <a:solidFill>
+                  <a:schemeClr val="tx1"/>
+                </a:solidFill>
+                <a:latin typeface="+mn-lt"/>
+                <a:ea typeface="+mn-ea"/>
+                <a:cs typeface="+mn-cs"/>
+              </a:defRPr>
+            </a:lvl2pPr>
+            <a:lvl3pPr marL="914400" algn="l" defTabSz="914400" rtl="0" eaLnBrk="1" latinLnBrk="0" hangingPunct="1">
+              <a:defRPr sz="1800" kern="1200">
+                <a:solidFill>
+                  <a:schemeClr val="tx1"/>
+                </a:solidFill>
+                <a:latin typeface="+mn-lt"/>
+                <a:ea typeface="+mn-ea"/>
+                <a:cs typeface="+mn-cs"/>
+              </a:defRPr>
+            </a:lvl3pPr>
+            <a:lvl4pPr marL="1371600" algn="l" defTabSz="914400" rtl="0" eaLnBrk="1" latinLnBrk="0" hangingPunct="1">
+              <a:defRPr sz="1800" kern="1200">
+                <a:solidFill>
+                  <a:schemeClr val="tx1"/>
+                </a:solidFill>
+                <a:latin typeface="+mn-lt"/>
+                <a:ea typeface="+mn-ea"/>
+                <a:cs typeface="+mn-cs"/>
+              </a:defRPr>
+            </a:lvl4pPr>
+            <a:lvl5pPr marL="1828800" algn="l" defTabSz="914400" rtl="0" eaLnBrk="1" latinLnBrk="0" hangingPunct="1">
+              <a:defRPr sz="1800" kern="1200">
+                <a:solidFill>
+                  <a:schemeClr val="tx1"/>
+                </a:solidFill>
+                <a:latin typeface="+mn-lt"/>
+                <a:ea typeface="+mn-ea"/>
+                <a:cs typeface="+mn-cs"/>
+              </a:defRPr>
+            </a:lvl5pPr>
+            <a:lvl6pPr marL="2286000" algn="l" defTabSz="914400" rtl="0" eaLnBrk="1" latinLnBrk="0" hangingPunct="1">
+              <a:defRPr sz="1800" kern="1200">
+                <a:solidFill>
+                  <a:schemeClr val="tx1"/>
+                </a:solidFill>
+                <a:latin typeface="+mn-lt"/>
+                <a:ea typeface="+mn-ea"/>
+                <a:cs typeface="+mn-cs"/>
+              </a:defRPr>
+            </a:lvl6pPr>
+            <a:lvl7pPr marL="2743200" algn="l" defTabSz="914400" rtl="0" eaLnBrk="1" latinLnBrk="0" hangingPunct="1">
+              <a:defRPr sz="1800" kern="1200">
+                <a:solidFill>
+                  <a:schemeClr val="tx1"/>
+                </a:solidFill>
+                <a:latin typeface="+mn-lt"/>
+                <a:ea typeface="+mn-ea"/>
+                <a:cs typeface="+mn-cs"/>
+              </a:defRPr>
+            </a:lvl7pPr>
+            <a:lvl8pPr marL="3200400" algn="l" defTabSz="914400" rtl="0" eaLnBrk="1" latinLnBrk="0" hangingPunct="1">
+              <a:defRPr sz="1800" kern="1200">
+                <a:solidFill>
+                  <a:schemeClr val="tx1"/>
+                </a:solidFill>
+                <a:latin typeface="+mn-lt"/>
+                <a:ea typeface="+mn-ea"/>
+                <a:cs typeface="+mn-cs"/>
+              </a:defRPr>
+            </a:lvl8pPr>
+            <a:lvl9pPr marL="3657600" algn="l" defTabSz="914400" rtl="0" eaLnBrk="1" latinLnBrk="0" hangingPunct="1">
+              <a:defRPr sz="1800" kern="1200">
+                <a:solidFill>
+                  <a:schemeClr val="tx1"/>
+                </a:solidFill>
+                <a:latin typeface="+mn-lt"/>
+                <a:ea typeface="+mn-ea"/>
+                <a:cs typeface="+mn-cs"/>
+              </a:defRPr>
+            </a:lvl9pPr>
+          </a:lstStyle>
+          <a:p>
+            <a:r>
+              <a:rPr lang="en-US">
+                <a:latin typeface="Atkinson Hyperlegible" pitchFamily="50" charset="0"/>
+              </a:rPr>
+              <a:t>Copyright © 2021 John Wiley &amp; Sons, Inc. All rights reserved.</a:t>
+            </a:r>
+          </a:p>
+        </p:txBody>
+      </p:sp>
+      <p:pic>
+        <p:nvPicPr>
+          <p:cNvPr id="3" name="Picture 2">
+            <a:extLst>
+              <a:ext uri="{FF2B5EF4-FFF2-40B4-BE49-F238E27FC236}">
+                <a16:creationId xmlns:a16="http://schemas.microsoft.com/office/drawing/2014/main" id="{0F2B0E5C-0043-DA91-EA32-4D383D592264}"/>
+              </a:ext>
+            </a:extLst>
+          </p:cNvPr>
+          <p:cNvPicPr>
+            <a:picLocks noChangeAspect="1"/>
+          </p:cNvPicPr>
+          <p:nvPr/>
+        </p:nvPicPr>
+        <p:blipFill>
+          <a:blip r:embed="rId2">
+            <a:extLst>
+              <a:ext uri="{28A0092B-C50C-407E-A947-70E740481C1C}">
+                <a14:useLocalDpi xmlns:a14="http://schemas.microsoft.com/office/drawing/2010/main" val="0"/>
+              </a:ext>
+            </a:extLst>
+          </a:blip>
+          <a:stretch>
+            <a:fillRect/>
+          </a:stretch>
+        </p:blipFill>
+        <p:spPr>
+          <a:xfrm>
+            <a:off x="304800" y="1176527"/>
+            <a:ext cx="8534400" cy="4504944"/>
+          </a:xfrm>
+          <a:prstGeom prst="rect">
+            <a:avLst/>
+          </a:prstGeom>
+        </p:spPr>
+      </p:pic>
+      <p:sp>
+        <p:nvSpPr>
+          <p:cNvPr id="4" name="TextBox 4">
+            <a:extLst>
+              <a:ext uri="{FF2B5EF4-FFF2-40B4-BE49-F238E27FC236}">
+                <a16:creationId xmlns:a16="http://schemas.microsoft.com/office/drawing/2014/main" id="{1D8B700E-9451-4E9F-6502-883144C5CEA8}"/>
+              </a:ext>
+            </a:extLst>
+          </p:cNvPr>
+          <p:cNvSpPr txBox="1">
+            <a:spLocks noChangeArrowheads="1"/>
+          </p:cNvSpPr>
+          <p:nvPr/>
+        </p:nvSpPr>
+        <p:spPr bwMode="auto">
+          <a:xfrm>
+            <a:off x="2101816" y="5574449"/>
+            <a:ext cx="4940369" cy="400110"/>
+          </a:xfrm>
+          <a:prstGeom prst="rect">
+            <a:avLst/>
+          </a:prstGeom>
+          <a:noFill/>
+          <a:ln>
+            <a:noFill/>
+          </a:ln>
+          <a:extLst>
+            <a:ext uri="{909E8E84-426E-40DD-AFC4-6F175D3DCCD1}">
+              <a14:hiddenFill xmlns:a14="http://schemas.microsoft.com/office/drawing/2010/main">
+                <a:solidFill>
+                  <a:srgbClr val="FFFFFF"/>
+                </a:solidFill>
+              </a14:hiddenFill>
+            </a:ext>
+            <a:ext uri="{91240B29-F687-4F45-9708-019B960494DF}">
+              <a14:hiddenLine xmlns:a14="http://schemas.microsoft.com/office/drawing/2010/main" w="9525">
+                <a:solidFill>
+                  <a:srgbClr val="000000"/>
+                </a:solidFill>
+                <a:miter lim="800000"/>
+                <a:headEnd/>
+                <a:tailEnd/>
+              </a14:hiddenLine>
+            </a:ext>
+          </a:extLst>
+        </p:spPr>
+        <p:txBody>
+          <a:bodyPr wrap="square">
+            <a:spAutoFit/>
+          </a:bodyPr>
+          <a:lstStyle>
+            <a:lvl1pPr>
+              <a:defRPr sz="2400">
+                <a:solidFill>
+                  <a:schemeClr val="tx1"/>
+                </a:solidFill>
+                <a:latin typeface="Times" charset="0"/>
+                <a:ea typeface="ＭＳ Ｐゴシック" charset="-128"/>
+              </a:defRPr>
+            </a:lvl1pPr>
+            <a:lvl2pPr marL="37931725" indent="-37474525">
+              <a:defRPr sz="2400">
+                <a:solidFill>
+                  <a:schemeClr val="tx1"/>
+                </a:solidFill>
+                <a:latin typeface="Times" charset="0"/>
+                <a:ea typeface="ＭＳ Ｐゴシック" charset="-128"/>
+              </a:defRPr>
+            </a:lvl2pPr>
+            <a:lvl3pPr>
+              <a:defRPr sz="2400">
+                <a:solidFill>
+                  <a:schemeClr val="tx1"/>
+                </a:solidFill>
+                <a:latin typeface="Times" charset="0"/>
+                <a:ea typeface="ＭＳ Ｐゴシック" charset="-128"/>
+              </a:defRPr>
+            </a:lvl3pPr>
+            <a:lvl4pPr>
+              <a:defRPr sz="2400">
+                <a:solidFill>
+                  <a:schemeClr val="tx1"/>
+                </a:solidFill>
+                <a:latin typeface="Times" charset="0"/>
+                <a:ea typeface="ＭＳ Ｐゴシック" charset="-128"/>
+              </a:defRPr>
+            </a:lvl4pPr>
+            <a:lvl5pPr>
+              <a:defRPr sz="2400">
+                <a:solidFill>
+                  <a:schemeClr val="tx1"/>
+                </a:solidFill>
+                <a:latin typeface="Times" charset="0"/>
+                <a:ea typeface="ＭＳ Ｐゴシック" charset="-128"/>
+              </a:defRPr>
+            </a:lvl5pPr>
+            <a:lvl6pPr marL="457200" eaLnBrk="0" fontAlgn="base" hangingPunct="0">
+              <a:spcBef>
+                <a:spcPct val="0"/>
+              </a:spcBef>
+              <a:spcAft>
+                <a:spcPct val="0"/>
+              </a:spcAft>
+              <a:defRPr sz="2400">
+                <a:solidFill>
+                  <a:schemeClr val="tx1"/>
+                </a:solidFill>
+                <a:latin typeface="Times" charset="0"/>
+                <a:ea typeface="ＭＳ Ｐゴシック" charset="-128"/>
+              </a:defRPr>
+            </a:lvl6pPr>
+            <a:lvl7pPr marL="914400" eaLnBrk="0" fontAlgn="base" hangingPunct="0">
+              <a:spcBef>
+                <a:spcPct val="0"/>
+              </a:spcBef>
+              <a:spcAft>
+                <a:spcPct val="0"/>
+              </a:spcAft>
+              <a:defRPr sz="2400">
+                <a:solidFill>
+                  <a:schemeClr val="tx1"/>
+                </a:solidFill>
+                <a:latin typeface="Times" charset="0"/>
+                <a:ea typeface="ＭＳ Ｐゴシック" charset="-128"/>
+              </a:defRPr>
+            </a:lvl7pPr>
+            <a:lvl8pPr marL="1371600" eaLnBrk="0" fontAlgn="base" hangingPunct="0">
+              <a:spcBef>
+                <a:spcPct val="0"/>
+              </a:spcBef>
+              <a:spcAft>
+                <a:spcPct val="0"/>
+              </a:spcAft>
+              <a:defRPr sz="2400">
+                <a:solidFill>
+                  <a:schemeClr val="tx1"/>
+                </a:solidFill>
+                <a:latin typeface="Times" charset="0"/>
+                <a:ea typeface="ＭＳ Ｐゴシック" charset="-128"/>
+              </a:defRPr>
+            </a:lvl8pPr>
+            <a:lvl9pPr marL="1828800" eaLnBrk="0" fontAlgn="base" hangingPunct="0">
+              <a:spcBef>
+                <a:spcPct val="0"/>
+              </a:spcBef>
+              <a:spcAft>
+                <a:spcPct val="0"/>
+              </a:spcAft>
+              <a:defRPr sz="2400">
+                <a:solidFill>
+                  <a:schemeClr val="tx1"/>
+                </a:solidFill>
+                <a:latin typeface="Times" charset="0"/>
+                <a:ea typeface="ＭＳ Ｐゴシック" charset="-128"/>
+              </a:defRPr>
+            </a:lvl9pPr>
+          </a:lstStyle>
+          <a:p>
+            <a:pPr algn="ctr"/>
+            <a:r>
+              <a:rPr lang="en-US" altLang="en-US" sz="2000" b="1" dirty="0">
+                <a:latin typeface="Atkinson Hyperlegible" pitchFamily="50" charset="0"/>
+              </a:rPr>
+              <a:t>(a) Structural classification of neurons</a:t>
+            </a:r>
+          </a:p>
+        </p:txBody>
+      </p:sp>
+      <p:sp>
+        <p:nvSpPr>
+          <p:cNvPr id="5" name="TextBox 7">
+            <a:extLst>
+              <a:ext uri="{FF2B5EF4-FFF2-40B4-BE49-F238E27FC236}">
+                <a16:creationId xmlns:a16="http://schemas.microsoft.com/office/drawing/2014/main" id="{4C859761-7795-AA3B-41A2-ADBC5630E79C}"/>
+              </a:ext>
+            </a:extLst>
+          </p:cNvPr>
+          <p:cNvSpPr txBox="1">
+            <a:spLocks noChangeArrowheads="1"/>
+          </p:cNvSpPr>
+          <p:nvPr/>
+        </p:nvSpPr>
+        <p:spPr bwMode="auto">
+          <a:xfrm>
+            <a:off x="1496011" y="4957278"/>
+            <a:ext cx="744537" cy="400110"/>
+          </a:xfrm>
+          <a:prstGeom prst="rect">
+            <a:avLst/>
+          </a:prstGeom>
+          <a:noFill/>
+          <a:ln>
+            <a:noFill/>
+          </a:ln>
+          <a:extLst>
+            <a:ext uri="{909E8E84-426E-40DD-AFC4-6F175D3DCCD1}">
+              <a14:hiddenFill xmlns:a14="http://schemas.microsoft.com/office/drawing/2010/main">
+                <a:solidFill>
+                  <a:srgbClr val="FFFFFF"/>
+                </a:solidFill>
+              </a14:hiddenFill>
+            </a:ext>
+            <a:ext uri="{91240B29-F687-4F45-9708-019B960494DF}">
+              <a14:hiddenLine xmlns:a14="http://schemas.microsoft.com/office/drawing/2010/main" w="9525">
+                <a:solidFill>
+                  <a:srgbClr val="000000"/>
+                </a:solidFill>
+                <a:miter lim="800000"/>
+                <a:headEnd/>
+                <a:tailEnd/>
+              </a14:hiddenLine>
+            </a:ext>
+          </a:extLst>
+        </p:spPr>
+        <p:txBody>
+          <a:bodyPr>
+            <a:spAutoFit/>
+          </a:bodyPr>
+          <a:lstStyle>
+            <a:lvl1pPr>
+              <a:defRPr sz="2400">
+                <a:solidFill>
+                  <a:schemeClr val="tx1"/>
+                </a:solidFill>
+                <a:latin typeface="Times" charset="0"/>
+                <a:ea typeface="ＭＳ Ｐゴシック" charset="-128"/>
+              </a:defRPr>
+            </a:lvl1pPr>
+            <a:lvl2pPr marL="37931725" indent="-37474525">
+              <a:defRPr sz="2400">
+                <a:solidFill>
+                  <a:schemeClr val="tx1"/>
+                </a:solidFill>
+                <a:latin typeface="Times" charset="0"/>
+                <a:ea typeface="ＭＳ Ｐゴシック" charset="-128"/>
+              </a:defRPr>
+            </a:lvl2pPr>
+            <a:lvl3pPr>
+              <a:defRPr sz="2400">
+                <a:solidFill>
+                  <a:schemeClr val="tx1"/>
+                </a:solidFill>
+                <a:latin typeface="Times" charset="0"/>
+                <a:ea typeface="ＭＳ Ｐゴシック" charset="-128"/>
+              </a:defRPr>
+            </a:lvl3pPr>
+            <a:lvl4pPr>
+              <a:defRPr sz="2400">
+                <a:solidFill>
+                  <a:schemeClr val="tx1"/>
+                </a:solidFill>
+                <a:latin typeface="Times" charset="0"/>
+                <a:ea typeface="ＭＳ Ｐゴシック" charset="-128"/>
+              </a:defRPr>
+            </a:lvl4pPr>
+            <a:lvl5pPr>
+              <a:defRPr sz="2400">
+                <a:solidFill>
+                  <a:schemeClr val="tx1"/>
+                </a:solidFill>
+                <a:latin typeface="Times" charset="0"/>
+                <a:ea typeface="ＭＳ Ｐゴシック" charset="-128"/>
+              </a:defRPr>
+            </a:lvl5pPr>
+            <a:lvl6pPr marL="457200" eaLnBrk="0" fontAlgn="base" hangingPunct="0">
+              <a:spcBef>
+                <a:spcPct val="0"/>
+              </a:spcBef>
+              <a:spcAft>
+                <a:spcPct val="0"/>
+              </a:spcAft>
+              <a:defRPr sz="2400">
+                <a:solidFill>
+                  <a:schemeClr val="tx1"/>
+                </a:solidFill>
+                <a:latin typeface="Times" charset="0"/>
+                <a:ea typeface="ＭＳ Ｐゴシック" charset="-128"/>
+              </a:defRPr>
+            </a:lvl6pPr>
+            <a:lvl7pPr marL="914400" eaLnBrk="0" fontAlgn="base" hangingPunct="0">
+              <a:spcBef>
+                <a:spcPct val="0"/>
+              </a:spcBef>
+              <a:spcAft>
+                <a:spcPct val="0"/>
+              </a:spcAft>
+              <a:defRPr sz="2400">
+                <a:solidFill>
+                  <a:schemeClr val="tx1"/>
+                </a:solidFill>
+                <a:latin typeface="Times" charset="0"/>
+                <a:ea typeface="ＭＳ Ｐゴシック" charset="-128"/>
+              </a:defRPr>
+            </a:lvl7pPr>
+            <a:lvl8pPr marL="1371600" eaLnBrk="0" fontAlgn="base" hangingPunct="0">
+              <a:spcBef>
+                <a:spcPct val="0"/>
+              </a:spcBef>
+              <a:spcAft>
+                <a:spcPct val="0"/>
+              </a:spcAft>
+              <a:defRPr sz="2400">
+                <a:solidFill>
+                  <a:schemeClr val="tx1"/>
+                </a:solidFill>
+                <a:latin typeface="Times" charset="0"/>
+                <a:ea typeface="ＭＳ Ｐゴシック" charset="-128"/>
+              </a:defRPr>
+            </a:lvl8pPr>
+            <a:lvl9pPr marL="1828800" eaLnBrk="0" fontAlgn="base" hangingPunct="0">
+              <a:spcBef>
+                <a:spcPct val="0"/>
+              </a:spcBef>
+              <a:spcAft>
+                <a:spcPct val="0"/>
+              </a:spcAft>
+              <a:defRPr sz="2400">
+                <a:solidFill>
+                  <a:schemeClr val="tx1"/>
+                </a:solidFill>
+                <a:latin typeface="Times" charset="0"/>
+                <a:ea typeface="ＭＳ Ｐゴシック" charset="-128"/>
+              </a:defRPr>
+            </a:lvl9pPr>
+          </a:lstStyle>
+          <a:p>
+            <a:r>
+              <a:rPr lang="en-US" altLang="en-US" sz="2000" b="1" dirty="0">
+                <a:latin typeface="Atkinson Hyperlegible" pitchFamily="50" charset="0"/>
+              </a:rPr>
+              <a:t>1</a:t>
+            </a:r>
+          </a:p>
+        </p:txBody>
+      </p:sp>
+      <p:sp>
+        <p:nvSpPr>
+          <p:cNvPr id="6" name="TextBox 9">
+            <a:extLst>
+              <a:ext uri="{FF2B5EF4-FFF2-40B4-BE49-F238E27FC236}">
+                <a16:creationId xmlns:a16="http://schemas.microsoft.com/office/drawing/2014/main" id="{B1A75D71-9013-B53D-B7EA-341635301492}"/>
+              </a:ext>
+            </a:extLst>
+          </p:cNvPr>
+          <p:cNvSpPr txBox="1">
+            <a:spLocks noChangeArrowheads="1"/>
+          </p:cNvSpPr>
+          <p:nvPr/>
+        </p:nvSpPr>
+        <p:spPr bwMode="auto">
+          <a:xfrm>
+            <a:off x="4340811" y="4957278"/>
+            <a:ext cx="744537" cy="400110"/>
+          </a:xfrm>
+          <a:prstGeom prst="rect">
+            <a:avLst/>
+          </a:prstGeom>
+          <a:noFill/>
+          <a:ln>
+            <a:noFill/>
+          </a:ln>
+          <a:extLst>
+            <a:ext uri="{909E8E84-426E-40DD-AFC4-6F175D3DCCD1}">
+              <a14:hiddenFill xmlns:a14="http://schemas.microsoft.com/office/drawing/2010/main">
+                <a:solidFill>
+                  <a:srgbClr val="FFFFFF"/>
+                </a:solidFill>
+              </a14:hiddenFill>
+            </a:ext>
+            <a:ext uri="{91240B29-F687-4F45-9708-019B960494DF}">
+              <a14:hiddenLine xmlns:a14="http://schemas.microsoft.com/office/drawing/2010/main" w="9525">
+                <a:solidFill>
+                  <a:srgbClr val="000000"/>
+                </a:solidFill>
+                <a:miter lim="800000"/>
+                <a:headEnd/>
+                <a:tailEnd/>
+              </a14:hiddenLine>
+            </a:ext>
+          </a:extLst>
+        </p:spPr>
+        <p:txBody>
+          <a:bodyPr>
+            <a:spAutoFit/>
+          </a:bodyPr>
+          <a:lstStyle>
+            <a:lvl1pPr>
+              <a:defRPr sz="2400">
+                <a:solidFill>
+                  <a:schemeClr val="tx1"/>
+                </a:solidFill>
+                <a:latin typeface="Times" charset="0"/>
+                <a:ea typeface="ＭＳ Ｐゴシック" charset="-128"/>
+              </a:defRPr>
+            </a:lvl1pPr>
+            <a:lvl2pPr marL="37931725" indent="-37474525">
+              <a:defRPr sz="2400">
+                <a:solidFill>
+                  <a:schemeClr val="tx1"/>
+                </a:solidFill>
+                <a:latin typeface="Times" charset="0"/>
+                <a:ea typeface="ＭＳ Ｐゴシック" charset="-128"/>
+              </a:defRPr>
+            </a:lvl2pPr>
+            <a:lvl3pPr>
+              <a:defRPr sz="2400">
+                <a:solidFill>
+                  <a:schemeClr val="tx1"/>
+                </a:solidFill>
+                <a:latin typeface="Times" charset="0"/>
+                <a:ea typeface="ＭＳ Ｐゴシック" charset="-128"/>
+              </a:defRPr>
+            </a:lvl3pPr>
+            <a:lvl4pPr>
+              <a:defRPr sz="2400">
+                <a:solidFill>
+                  <a:schemeClr val="tx1"/>
+                </a:solidFill>
+                <a:latin typeface="Times" charset="0"/>
+                <a:ea typeface="ＭＳ Ｐゴシック" charset="-128"/>
+              </a:defRPr>
+            </a:lvl4pPr>
+            <a:lvl5pPr>
+              <a:defRPr sz="2400">
+                <a:solidFill>
+                  <a:schemeClr val="tx1"/>
+                </a:solidFill>
+                <a:latin typeface="Times" charset="0"/>
+                <a:ea typeface="ＭＳ Ｐゴシック" charset="-128"/>
+              </a:defRPr>
+            </a:lvl5pPr>
+            <a:lvl6pPr marL="457200" eaLnBrk="0" fontAlgn="base" hangingPunct="0">
+              <a:spcBef>
+                <a:spcPct val="0"/>
+              </a:spcBef>
+              <a:spcAft>
+                <a:spcPct val="0"/>
+              </a:spcAft>
+              <a:defRPr sz="2400">
+                <a:solidFill>
+                  <a:schemeClr val="tx1"/>
+                </a:solidFill>
+                <a:latin typeface="Times" charset="0"/>
+                <a:ea typeface="ＭＳ Ｐゴシック" charset="-128"/>
+              </a:defRPr>
+            </a:lvl6pPr>
+            <a:lvl7pPr marL="914400" eaLnBrk="0" fontAlgn="base" hangingPunct="0">
+              <a:spcBef>
+                <a:spcPct val="0"/>
+              </a:spcBef>
+              <a:spcAft>
+                <a:spcPct val="0"/>
+              </a:spcAft>
+              <a:defRPr sz="2400">
+                <a:solidFill>
+                  <a:schemeClr val="tx1"/>
+                </a:solidFill>
+                <a:latin typeface="Times" charset="0"/>
+                <a:ea typeface="ＭＳ Ｐゴシック" charset="-128"/>
+              </a:defRPr>
+            </a:lvl7pPr>
+            <a:lvl8pPr marL="1371600" eaLnBrk="0" fontAlgn="base" hangingPunct="0">
+              <a:spcBef>
+                <a:spcPct val="0"/>
+              </a:spcBef>
+              <a:spcAft>
+                <a:spcPct val="0"/>
+              </a:spcAft>
+              <a:defRPr sz="2400">
+                <a:solidFill>
+                  <a:schemeClr val="tx1"/>
+                </a:solidFill>
+                <a:latin typeface="Times" charset="0"/>
+                <a:ea typeface="ＭＳ Ｐゴシック" charset="-128"/>
+              </a:defRPr>
+            </a:lvl8pPr>
+            <a:lvl9pPr marL="1828800" eaLnBrk="0" fontAlgn="base" hangingPunct="0">
+              <a:spcBef>
+                <a:spcPct val="0"/>
+              </a:spcBef>
+              <a:spcAft>
+                <a:spcPct val="0"/>
+              </a:spcAft>
+              <a:defRPr sz="2400">
+                <a:solidFill>
+                  <a:schemeClr val="tx1"/>
+                </a:solidFill>
+                <a:latin typeface="Times" charset="0"/>
+                <a:ea typeface="ＭＳ Ｐゴシック" charset="-128"/>
+              </a:defRPr>
+            </a:lvl9pPr>
+          </a:lstStyle>
+          <a:p>
+            <a:r>
+              <a:rPr lang="en-US" altLang="en-US" sz="2000" b="1" dirty="0">
+                <a:latin typeface="Atkinson Hyperlegible" pitchFamily="50" charset="0"/>
+              </a:rPr>
+              <a:t>2</a:t>
+            </a:r>
+          </a:p>
+        </p:txBody>
+      </p:sp>
+      <p:sp>
+        <p:nvSpPr>
+          <p:cNvPr id="7" name="TextBox 10">
+            <a:extLst>
+              <a:ext uri="{FF2B5EF4-FFF2-40B4-BE49-F238E27FC236}">
+                <a16:creationId xmlns:a16="http://schemas.microsoft.com/office/drawing/2014/main" id="{935079E0-6BA9-E34C-5746-D8B26E9529F4}"/>
+              </a:ext>
+            </a:extLst>
+          </p:cNvPr>
+          <p:cNvSpPr txBox="1">
+            <a:spLocks noChangeArrowheads="1"/>
+          </p:cNvSpPr>
+          <p:nvPr/>
+        </p:nvSpPr>
+        <p:spPr bwMode="auto">
+          <a:xfrm>
+            <a:off x="7455486" y="4957278"/>
+            <a:ext cx="746125" cy="400110"/>
+          </a:xfrm>
+          <a:prstGeom prst="rect">
+            <a:avLst/>
+          </a:prstGeom>
+          <a:noFill/>
+          <a:ln>
+            <a:noFill/>
+          </a:ln>
+          <a:extLst>
+            <a:ext uri="{909E8E84-426E-40DD-AFC4-6F175D3DCCD1}">
+              <a14:hiddenFill xmlns:a14="http://schemas.microsoft.com/office/drawing/2010/main">
+                <a:solidFill>
+                  <a:srgbClr val="FFFFFF"/>
+                </a:solidFill>
+              </a14:hiddenFill>
+            </a:ext>
+            <a:ext uri="{91240B29-F687-4F45-9708-019B960494DF}">
+              <a14:hiddenLine xmlns:a14="http://schemas.microsoft.com/office/drawing/2010/main" w="9525">
+                <a:solidFill>
+                  <a:srgbClr val="000000"/>
+                </a:solidFill>
+                <a:miter lim="800000"/>
+                <a:headEnd/>
+                <a:tailEnd/>
+              </a14:hiddenLine>
+            </a:ext>
+          </a:extLst>
+        </p:spPr>
+        <p:txBody>
+          <a:bodyPr>
+            <a:spAutoFit/>
+          </a:bodyPr>
+          <a:lstStyle>
+            <a:lvl1pPr>
+              <a:defRPr sz="2400">
+                <a:solidFill>
+                  <a:schemeClr val="tx1"/>
+                </a:solidFill>
+                <a:latin typeface="Times" charset="0"/>
+                <a:ea typeface="ＭＳ Ｐゴシック" charset="-128"/>
+              </a:defRPr>
+            </a:lvl1pPr>
+            <a:lvl2pPr marL="37931725" indent="-37474525">
+              <a:defRPr sz="2400">
+                <a:solidFill>
+                  <a:schemeClr val="tx1"/>
+                </a:solidFill>
+                <a:latin typeface="Times" charset="0"/>
+                <a:ea typeface="ＭＳ Ｐゴシック" charset="-128"/>
+              </a:defRPr>
+            </a:lvl2pPr>
+            <a:lvl3pPr>
+              <a:defRPr sz="2400">
+                <a:solidFill>
+                  <a:schemeClr val="tx1"/>
+                </a:solidFill>
+                <a:latin typeface="Times" charset="0"/>
+                <a:ea typeface="ＭＳ Ｐゴシック" charset="-128"/>
+              </a:defRPr>
+            </a:lvl3pPr>
+            <a:lvl4pPr>
+              <a:defRPr sz="2400">
+                <a:solidFill>
+                  <a:schemeClr val="tx1"/>
+                </a:solidFill>
+                <a:latin typeface="Times" charset="0"/>
+                <a:ea typeface="ＭＳ Ｐゴシック" charset="-128"/>
+              </a:defRPr>
+            </a:lvl4pPr>
+            <a:lvl5pPr>
+              <a:defRPr sz="2400">
+                <a:solidFill>
+                  <a:schemeClr val="tx1"/>
+                </a:solidFill>
+                <a:latin typeface="Times" charset="0"/>
+                <a:ea typeface="ＭＳ Ｐゴシック" charset="-128"/>
+              </a:defRPr>
+            </a:lvl5pPr>
+            <a:lvl6pPr marL="457200" eaLnBrk="0" fontAlgn="base" hangingPunct="0">
+              <a:spcBef>
+                <a:spcPct val="0"/>
+              </a:spcBef>
+              <a:spcAft>
+                <a:spcPct val="0"/>
+              </a:spcAft>
+              <a:defRPr sz="2400">
+                <a:solidFill>
+                  <a:schemeClr val="tx1"/>
+                </a:solidFill>
+                <a:latin typeface="Times" charset="0"/>
+                <a:ea typeface="ＭＳ Ｐゴシック" charset="-128"/>
+              </a:defRPr>
+            </a:lvl6pPr>
+            <a:lvl7pPr marL="914400" eaLnBrk="0" fontAlgn="base" hangingPunct="0">
+              <a:spcBef>
+                <a:spcPct val="0"/>
+              </a:spcBef>
+              <a:spcAft>
+                <a:spcPct val="0"/>
+              </a:spcAft>
+              <a:defRPr sz="2400">
+                <a:solidFill>
+                  <a:schemeClr val="tx1"/>
+                </a:solidFill>
+                <a:latin typeface="Times" charset="0"/>
+                <a:ea typeface="ＭＳ Ｐゴシック" charset="-128"/>
+              </a:defRPr>
+            </a:lvl7pPr>
+            <a:lvl8pPr marL="1371600" eaLnBrk="0" fontAlgn="base" hangingPunct="0">
+              <a:spcBef>
+                <a:spcPct val="0"/>
+              </a:spcBef>
+              <a:spcAft>
+                <a:spcPct val="0"/>
+              </a:spcAft>
+              <a:defRPr sz="2400">
+                <a:solidFill>
+                  <a:schemeClr val="tx1"/>
+                </a:solidFill>
+                <a:latin typeface="Times" charset="0"/>
+                <a:ea typeface="ＭＳ Ｐゴシック" charset="-128"/>
+              </a:defRPr>
+            </a:lvl8pPr>
+            <a:lvl9pPr marL="1828800" eaLnBrk="0" fontAlgn="base" hangingPunct="0">
+              <a:spcBef>
+                <a:spcPct val="0"/>
+              </a:spcBef>
+              <a:spcAft>
+                <a:spcPct val="0"/>
+              </a:spcAft>
+              <a:defRPr sz="2400">
+                <a:solidFill>
+                  <a:schemeClr val="tx1"/>
+                </a:solidFill>
+                <a:latin typeface="Times" charset="0"/>
+                <a:ea typeface="ＭＳ Ｐゴシック" charset="-128"/>
+              </a:defRPr>
+            </a:lvl9pPr>
+          </a:lstStyle>
+          <a:p>
+            <a:r>
+              <a:rPr lang="en-US" altLang="en-US" sz="2000" b="1" dirty="0">
+                <a:latin typeface="Atkinson Hyperlegible" pitchFamily="50" charset="0"/>
+              </a:rPr>
+              <a:t>3</a:t>
+            </a:r>
+          </a:p>
+        </p:txBody>
+      </p:sp>
+      <p:pic>
+        <p:nvPicPr>
+          <p:cNvPr id="8" name="Picture 7">
+            <a:extLst>
+              <a:ext uri="{FF2B5EF4-FFF2-40B4-BE49-F238E27FC236}">
+                <a16:creationId xmlns:a16="http://schemas.microsoft.com/office/drawing/2014/main" id="{B2599345-42A4-F3CA-0843-B9002EAF2614}"/>
+              </a:ext>
+            </a:extLst>
+          </p:cNvPr>
+          <p:cNvPicPr>
+            <a:picLocks noChangeAspect="1"/>
+          </p:cNvPicPr>
+          <p:nvPr/>
+        </p:nvPicPr>
+        <p:blipFill>
+          <a:blip r:embed="rId3"/>
+          <a:stretch>
+            <a:fillRect/>
+          </a:stretch>
+        </p:blipFill>
+        <p:spPr>
+          <a:xfrm>
+            <a:off x="4984007" y="-173982"/>
+            <a:ext cx="8535140" cy="5681964"/>
+          </a:xfrm>
+          <a:prstGeom prst="rect">
+            <a:avLst/>
+          </a:prstGeom>
+        </p:spPr>
+      </p:pic>
+    </p:spTree>
+    <p:extLst>
+      <p:ext uri="{BB962C8B-B14F-4D97-AF65-F5344CB8AC3E}">
+        <p14:creationId xmlns:p14="http://schemas.microsoft.com/office/powerpoint/2010/main" val="4195555941"/>
+      </p:ext>
+    </p:extLst>
+  </p:cSld>
+  <p:clrMapOvr>
+    <a:masterClrMapping/>
+  </p:clrMapOvr>
+</p:sld>
+</file>
+
+<file path=ppt/slides/slide9.xml><?xml version="1.0" encoding="utf-8"?>
+<p:sld xmlns:a="http://schemas.openxmlformats.org/drawingml/2006/main" xmlns:r="http://schemas.openxmlformats.org/officeDocument/2006/relationships" xmlns:p="http://schemas.openxmlformats.org/presentationml/2006/main">
+  <p:cSld>
+    <p:spTree>
+      <p:nvGrpSpPr>
+        <p:cNvPr id="1" name=""/>
+        <p:cNvGrpSpPr/>
+        <p:nvPr/>
+      </p:nvGrpSpPr>
+      <p:grpSpPr>
+        <a:xfrm>
+          <a:off x="0" y="0"/>
+          <a:ext cx="0" cy="0"/>
+          <a:chOff x="0" y="0"/>
+          <a:chExt cx="0" cy="0"/>
+        </a:xfrm>
+      </p:grpSpPr>
+      <p:pic>
+        <p:nvPicPr>
+          <p:cNvPr id="2" name="Picture 1">
+            <a:extLst>
+              <a:ext uri="{FF2B5EF4-FFF2-40B4-BE49-F238E27FC236}">
+                <a16:creationId xmlns:a16="http://schemas.microsoft.com/office/drawing/2014/main" id="{4671B625-E115-CD53-FEFE-57005EA46047}"/>
+              </a:ext>
+            </a:extLst>
+          </p:cNvPr>
+          <p:cNvPicPr>
+            <a:picLocks noChangeAspect="1"/>
+          </p:cNvPicPr>
+          <p:nvPr/>
+        </p:nvPicPr>
+        <p:blipFill>
+          <a:blip r:embed="rId2"/>
+          <a:stretch>
+            <a:fillRect/>
+          </a:stretch>
+        </p:blipFill>
+        <p:spPr>
+          <a:xfrm>
+            <a:off x="2931902" y="173454"/>
+            <a:ext cx="6328196" cy="6511092"/>
+          </a:xfrm>
+          <a:prstGeom prst="rect">
+            <a:avLst/>
+          </a:prstGeom>
+        </p:spPr>
+      </p:pic>
+    </p:spTree>
+    <p:extLst>
+      <p:ext uri="{BB962C8B-B14F-4D97-AF65-F5344CB8AC3E}">
+        <p14:creationId xmlns:p14="http://schemas.microsoft.com/office/powerpoint/2010/main" val="3170101448"/>
       </p:ext>
     </p:extLst>
   </p:cSld>
